--- a/doc/ec-deploy.pptx
+++ b/doc/ec-deploy.pptx
@@ -1076,7 +1076,7 @@
             <a:defRPr b="1"/>
           </a:pPr>
           <a:r>
-            <a:rPr lang="en-US"/>
+            <a:rPr lang="en-US" dirty="0"/>
             <a:t>Easy deployment service for other frameworks:</a:t>
           </a:r>
         </a:p>
@@ -1112,7 +1112,7 @@
         <a:lstStyle/>
         <a:p>
           <a:r>
-            <a:rPr lang="en-US"/>
+            <a:rPr lang="en-US" dirty="0"/>
             <a:t>Spring</a:t>
           </a:r>
         </a:p>
@@ -1148,7 +1148,7 @@
         <a:lstStyle/>
         <a:p>
           <a:r>
-            <a:rPr lang="en-US"/>
+            <a:rPr lang="en-US" dirty="0"/>
             <a:t>Node.js</a:t>
           </a:r>
         </a:p>
@@ -1184,7 +1184,7 @@
         <a:lstStyle/>
         <a:p>
           <a:r>
-            <a:rPr lang="en-US"/>
+            <a:rPr lang="en-US" dirty="0"/>
             <a:t>ASP.NET Core</a:t>
           </a:r>
         </a:p>
@@ -1557,7 +1557,7 @@
             <a:defRPr b="1"/>
           </a:pPr>
           <a:r>
-            <a:rPr lang="en-US" sz="2300" kern="1200"/>
+            <a:rPr lang="en-US" sz="2300" kern="1200" dirty="0"/>
             <a:t>Easy deployment service for other frameworks:</a:t>
           </a:r>
         </a:p>
@@ -1617,7 +1617,7 @@
             <a:buNone/>
           </a:pPr>
           <a:r>
-            <a:rPr lang="en-US" sz="1700" kern="1200"/>
+            <a:rPr lang="en-US" sz="1700" kern="1200" dirty="0"/>
             <a:t>Spring</a:t>
           </a:r>
         </a:p>
@@ -1635,7 +1635,7 @@
             <a:buNone/>
           </a:pPr>
           <a:r>
-            <a:rPr lang="en-US" sz="1700" kern="1200"/>
+            <a:rPr lang="en-US" sz="1700" kern="1200" dirty="0"/>
             <a:t>Node.js</a:t>
           </a:r>
         </a:p>
@@ -1653,7 +1653,7 @@
             <a:buNone/>
           </a:pPr>
           <a:r>
-            <a:rPr lang="en-US" sz="1700" kern="1200"/>
+            <a:rPr lang="en-US" sz="1700" kern="1200" dirty="0"/>
             <a:t>ASP.NET Core</a:t>
           </a:r>
         </a:p>
@@ -3258,7 +3258,7 @@
           <a:p>
             <a:fld id="{8F672459-EE81-4BF0-AE74-CEC915FB6BE1}" type="datetimeFigureOut">
               <a:rPr lang="zh-CN" altLang="en-US" smtClean="0"/>
-              <a:t>2023/10/23</a:t>
+              <a:t>2023/10/25</a:t>
             </a:fld>
             <a:endParaRPr lang="zh-CN" altLang="en-US"/>
           </a:p>
@@ -3533,7 +3533,7 @@
           <a:p>
             <a:fld id="{8F672459-EE81-4BF0-AE74-CEC915FB6BE1}" type="datetimeFigureOut">
               <a:rPr lang="zh-CN" altLang="en-US" smtClean="0"/>
-              <a:t>2023/10/23</a:t>
+              <a:t>2023/10/25</a:t>
             </a:fld>
             <a:endParaRPr lang="zh-CN" altLang="en-US"/>
           </a:p>
@@ -3727,7 +3727,7 @@
           <a:p>
             <a:fld id="{8F672459-EE81-4BF0-AE74-CEC915FB6BE1}" type="datetimeFigureOut">
               <a:rPr lang="zh-CN" altLang="en-US" smtClean="0"/>
-              <a:t>2023/10/23</a:t>
+              <a:t>2023/10/25</a:t>
             </a:fld>
             <a:endParaRPr lang="zh-CN" altLang="en-US"/>
           </a:p>
@@ -4000,7 +4000,7 @@
           <a:p>
             <a:fld id="{8F672459-EE81-4BF0-AE74-CEC915FB6BE1}" type="datetimeFigureOut">
               <a:rPr lang="zh-CN" altLang="en-US" smtClean="0"/>
-              <a:t>2023/10/23</a:t>
+              <a:t>2023/10/25</a:t>
             </a:fld>
             <a:endParaRPr lang="zh-CN" altLang="en-US"/>
           </a:p>
@@ -4341,7 +4341,7 @@
           <a:p>
             <a:fld id="{8F672459-EE81-4BF0-AE74-CEC915FB6BE1}" type="datetimeFigureOut">
               <a:rPr lang="zh-CN" altLang="en-US" smtClean="0"/>
-              <a:t>2023/10/23</a:t>
+              <a:t>2023/10/25</a:t>
             </a:fld>
             <a:endParaRPr lang="zh-CN" altLang="en-US"/>
           </a:p>
@@ -4964,7 +4964,7 @@
           <a:p>
             <a:fld id="{8F672459-EE81-4BF0-AE74-CEC915FB6BE1}" type="datetimeFigureOut">
               <a:rPr lang="zh-CN" altLang="en-US" smtClean="0"/>
-              <a:t>2023/10/23</a:t>
+              <a:t>2023/10/25</a:t>
             </a:fld>
             <a:endParaRPr lang="zh-CN" altLang="en-US"/>
           </a:p>
@@ -5824,7 +5824,7 @@
           <a:p>
             <a:fld id="{8F672459-EE81-4BF0-AE74-CEC915FB6BE1}" type="datetimeFigureOut">
               <a:rPr lang="zh-CN" altLang="en-US" smtClean="0"/>
-              <a:t>2023/10/23</a:t>
+              <a:t>2023/10/25</a:t>
             </a:fld>
             <a:endParaRPr lang="zh-CN" altLang="en-US"/>
           </a:p>
@@ -5994,7 +5994,7 @@
           <a:p>
             <a:fld id="{8F672459-EE81-4BF0-AE74-CEC915FB6BE1}" type="datetimeFigureOut">
               <a:rPr lang="zh-CN" altLang="en-US" smtClean="0"/>
-              <a:t>2023/10/23</a:t>
+              <a:t>2023/10/25</a:t>
             </a:fld>
             <a:endParaRPr lang="zh-CN" altLang="en-US"/>
           </a:p>
@@ -6174,7 +6174,7 @@
           <a:p>
             <a:fld id="{8F672459-EE81-4BF0-AE74-CEC915FB6BE1}" type="datetimeFigureOut">
               <a:rPr lang="zh-CN" altLang="en-US" smtClean="0"/>
-              <a:t>2023/10/23</a:t>
+              <a:t>2023/10/25</a:t>
             </a:fld>
             <a:endParaRPr lang="zh-CN" altLang="en-US"/>
           </a:p>
@@ -6344,7 +6344,7 @@
           <a:p>
             <a:fld id="{8F672459-EE81-4BF0-AE74-CEC915FB6BE1}" type="datetimeFigureOut">
               <a:rPr lang="zh-CN" altLang="en-US" smtClean="0"/>
-              <a:t>2023/10/23</a:t>
+              <a:t>2023/10/25</a:t>
             </a:fld>
             <a:endParaRPr lang="zh-CN" altLang="en-US"/>
           </a:p>
@@ -6591,7 +6591,7 @@
           <a:p>
             <a:fld id="{8F672459-EE81-4BF0-AE74-CEC915FB6BE1}" type="datetimeFigureOut">
               <a:rPr lang="zh-CN" altLang="en-US" smtClean="0"/>
-              <a:t>2023/10/23</a:t>
+              <a:t>2023/10/25</a:t>
             </a:fld>
             <a:endParaRPr lang="zh-CN" altLang="en-US"/>
           </a:p>
@@ -6883,7 +6883,7 @@
           <a:p>
             <a:fld id="{8F672459-EE81-4BF0-AE74-CEC915FB6BE1}" type="datetimeFigureOut">
               <a:rPr lang="zh-CN" altLang="en-US" smtClean="0"/>
-              <a:t>2023/10/23</a:t>
+              <a:t>2023/10/25</a:t>
             </a:fld>
             <a:endParaRPr lang="zh-CN" altLang="en-US"/>
           </a:p>
@@ -7327,7 +7327,7 @@
           <a:p>
             <a:fld id="{8F672459-EE81-4BF0-AE74-CEC915FB6BE1}" type="datetimeFigureOut">
               <a:rPr lang="zh-CN" altLang="en-US" smtClean="0"/>
-              <a:t>2023/10/23</a:t>
+              <a:t>2023/10/25</a:t>
             </a:fld>
             <a:endParaRPr lang="zh-CN" altLang="en-US"/>
           </a:p>
@@ -7445,7 +7445,7 @@
           <a:p>
             <a:fld id="{8F672459-EE81-4BF0-AE74-CEC915FB6BE1}" type="datetimeFigureOut">
               <a:rPr lang="zh-CN" altLang="en-US" smtClean="0"/>
-              <a:t>2023/10/23</a:t>
+              <a:t>2023/10/25</a:t>
             </a:fld>
             <a:endParaRPr lang="zh-CN" altLang="en-US"/>
           </a:p>
@@ -7540,7 +7540,7 @@
           <a:p>
             <a:fld id="{8F672459-EE81-4BF0-AE74-CEC915FB6BE1}" type="datetimeFigureOut">
               <a:rPr lang="zh-CN" altLang="en-US" smtClean="0"/>
-              <a:t>2023/10/23</a:t>
+              <a:t>2023/10/25</a:t>
             </a:fld>
             <a:endParaRPr lang="zh-CN" altLang="en-US"/>
           </a:p>
@@ -7819,7 +7819,7 @@
           <a:p>
             <a:fld id="{8F672459-EE81-4BF0-AE74-CEC915FB6BE1}" type="datetimeFigureOut">
               <a:rPr lang="zh-CN" altLang="en-US" smtClean="0"/>
-              <a:t>2023/10/23</a:t>
+              <a:t>2023/10/25</a:t>
             </a:fld>
             <a:endParaRPr lang="zh-CN" altLang="en-US"/>
           </a:p>
@@ -8094,7 +8094,7 @@
           <a:p>
             <a:fld id="{8F672459-EE81-4BF0-AE74-CEC915FB6BE1}" type="datetimeFigureOut">
               <a:rPr lang="zh-CN" altLang="en-US" smtClean="0"/>
-              <a:t>2023/10/23</a:t>
+              <a:t>2023/10/25</a:t>
             </a:fld>
             <a:endParaRPr lang="zh-CN" altLang="en-US"/>
           </a:p>
@@ -8523,7 +8523,7 @@
           <a:p>
             <a:fld id="{8F672459-EE81-4BF0-AE74-CEC915FB6BE1}" type="datetimeFigureOut">
               <a:rPr lang="zh-CN" altLang="en-US" smtClean="0"/>
-              <a:t>2023/10/23</a:t>
+              <a:t>2023/10/25</a:t>
             </a:fld>
             <a:endParaRPr lang="zh-CN" altLang="en-US"/>
           </a:p>
@@ -10661,17 +10661,17 @@
           <a:p>
             <a:pPr lvl="1"/>
             <a:r>
-              <a:rPr lang="en-US" altLang="zh-CN" sz="2800" b="1" dirty="0">
+              <a:rPr lang="en-US" altLang="zh-CN" sz="2400" b="1" dirty="0">
                 <a:latin typeface="Arial" panose="020B0604020202020204" pitchFamily="34" charset="0"/>
                 <a:cs typeface="Arial" panose="020B0604020202020204" pitchFamily="34" charset="0"/>
               </a:rPr>
               <a:t>View all your projects</a:t>
             </a:r>
             <a:r>
-              <a:rPr lang="en-US" altLang="zh-CN" b="1" dirty="0"/>
+              <a:rPr lang="en-US" altLang="zh-CN" sz="2400" b="1" dirty="0"/>
               <a:t>.</a:t>
             </a:r>
-            <a:endParaRPr lang="en-US" altLang="zh-CN" dirty="0"/>
+            <a:endParaRPr lang="en-US" altLang="zh-CN" sz="2400" dirty="0"/>
           </a:p>
           <a:p>
             <a:pPr marL="0" indent="0">
@@ -10746,6 +10746,147 @@
   <p:clrMapOvr>
     <a:masterClrMapping/>
   </p:clrMapOvr>
+  <p:timing>
+    <p:tnLst>
+      <p:par>
+        <p:cTn id="1" dur="indefinite" restart="never" nodeType="tmRoot">
+          <p:childTnLst>
+            <p:seq concurrent="1" nextAc="seek">
+              <p:cTn id="2" dur="indefinite" nodeType="mainSeq">
+                <p:childTnLst>
+                  <p:par>
+                    <p:cTn id="3" fill="hold">
+                      <p:stCondLst>
+                        <p:cond delay="indefinite"/>
+                        <p:cond evt="onBegin" delay="0">
+                          <p:tn val="2"/>
+                        </p:cond>
+                      </p:stCondLst>
+                      <p:childTnLst>
+                        <p:par>
+                          <p:cTn id="4" fill="hold">
+                            <p:stCondLst>
+                              <p:cond delay="0"/>
+                            </p:stCondLst>
+                            <p:childTnLst>
+                              <p:par>
+                                <p:cTn id="5" presetID="10" presetClass="entr" presetSubtype="0" fill="hold" grpId="0" nodeType="afterEffect">
+                                  <p:stCondLst>
+                                    <p:cond delay="0"/>
+                                  </p:stCondLst>
+                                  <p:childTnLst>
+                                    <p:set>
+                                      <p:cBhvr>
+                                        <p:cTn id="6" dur="1" fill="hold">
+                                          <p:stCondLst>
+                                            <p:cond delay="0"/>
+                                          </p:stCondLst>
+                                        </p:cTn>
+                                        <p:tgtEl>
+                                          <p:spTgt spid="3">
+                                            <p:txEl>
+                                              <p:pRg st="0" end="0"/>
+                                            </p:txEl>
+                                          </p:spTgt>
+                                        </p:tgtEl>
+                                        <p:attrNameLst>
+                                          <p:attrName>style.visibility</p:attrName>
+                                        </p:attrNameLst>
+                                      </p:cBhvr>
+                                      <p:to>
+                                        <p:strVal val="visible"/>
+                                      </p:to>
+                                    </p:set>
+                                    <p:animEffect transition="in" filter="fade">
+                                      <p:cBhvr>
+                                        <p:cTn id="7" dur="500"/>
+                                        <p:tgtEl>
+                                          <p:spTgt spid="3">
+                                            <p:txEl>
+                                              <p:pRg st="0" end="0"/>
+                                            </p:txEl>
+                                          </p:spTgt>
+                                        </p:tgtEl>
+                                      </p:cBhvr>
+                                    </p:animEffect>
+                                  </p:childTnLst>
+                                </p:cTn>
+                              </p:par>
+                            </p:childTnLst>
+                          </p:cTn>
+                        </p:par>
+                        <p:par>
+                          <p:cTn id="8" fill="hold">
+                            <p:stCondLst>
+                              <p:cond delay="500"/>
+                            </p:stCondLst>
+                            <p:childTnLst>
+                              <p:par>
+                                <p:cTn id="9" presetID="10" presetClass="entr" presetSubtype="0" fill="hold" nodeType="afterEffect">
+                                  <p:stCondLst>
+                                    <p:cond delay="0"/>
+                                  </p:stCondLst>
+                                  <p:childTnLst>
+                                    <p:set>
+                                      <p:cBhvr>
+                                        <p:cTn id="10" dur="1" fill="hold">
+                                          <p:stCondLst>
+                                            <p:cond delay="0"/>
+                                          </p:stCondLst>
+                                        </p:cTn>
+                                        <p:tgtEl>
+                                          <p:spTgt spid="5"/>
+                                        </p:tgtEl>
+                                        <p:attrNameLst>
+                                          <p:attrName>style.visibility</p:attrName>
+                                        </p:attrNameLst>
+                                      </p:cBhvr>
+                                      <p:to>
+                                        <p:strVal val="visible"/>
+                                      </p:to>
+                                    </p:set>
+                                    <p:animEffect transition="in" filter="fade">
+                                      <p:cBhvr>
+                                        <p:cTn id="11" dur="500"/>
+                                        <p:tgtEl>
+                                          <p:spTgt spid="5"/>
+                                        </p:tgtEl>
+                                      </p:cBhvr>
+                                    </p:animEffect>
+                                  </p:childTnLst>
+                                </p:cTn>
+                              </p:par>
+                            </p:childTnLst>
+                          </p:cTn>
+                        </p:par>
+                      </p:childTnLst>
+                    </p:cTn>
+                  </p:par>
+                </p:childTnLst>
+              </p:cTn>
+              <p:prevCondLst>
+                <p:cond evt="onPrev" delay="0">
+                  <p:tgtEl>
+                    <p:sldTgt/>
+                  </p:tgtEl>
+                </p:cond>
+              </p:prevCondLst>
+              <p:nextCondLst>
+                <p:cond evt="onNext" delay="0">
+                  <p:tgtEl>
+                    <p:sldTgt/>
+                  </p:tgtEl>
+                </p:cond>
+              </p:nextCondLst>
+            </p:seq>
+          </p:childTnLst>
+        </p:cTn>
+      </p:par>
+    </p:tnLst>
+    <p:bldLst>
+      <p:bldP spid="3" grpId="0" build="p"/>
+    </p:bldLst>
+  </p:timing>
 </p:sld>
 </file>
 
@@ -10858,13 +10999,13 @@
           <a:lstStyle/>
           <a:p>
             <a:r>
-              <a:rPr lang="en-US" altLang="zh-CN" sz="2800" b="1" dirty="0">
+              <a:rPr lang="en-US" altLang="zh-CN" sz="2400" b="1" dirty="0">
                 <a:latin typeface="Arial" panose="020B0604020202020204" pitchFamily="34" charset="0"/>
                 <a:cs typeface="Arial" panose="020B0604020202020204" pitchFamily="34" charset="0"/>
               </a:rPr>
               <a:t>Delete the project you don’t need.</a:t>
             </a:r>
-            <a:endParaRPr lang="en-US" altLang="zh-CN" sz="2800" dirty="0">
+            <a:endParaRPr lang="en-US" altLang="zh-CN" sz="2400" dirty="0">
               <a:latin typeface="Arial" panose="020B0604020202020204" pitchFamily="34" charset="0"/>
               <a:cs typeface="Arial" panose="020B0604020202020204" pitchFamily="34" charset="0"/>
             </a:endParaRPr>
@@ -11009,6 +11150,144 @@
   <p:clrMapOvr>
     <a:masterClrMapping/>
   </p:clrMapOvr>
+  <p:timing>
+    <p:tnLst>
+      <p:par>
+        <p:cTn id="1" dur="indefinite" restart="never" nodeType="tmRoot">
+          <p:childTnLst>
+            <p:seq concurrent="1" nextAc="seek">
+              <p:cTn id="2" dur="indefinite" nodeType="mainSeq">
+                <p:childTnLst>
+                  <p:par>
+                    <p:cTn id="3" fill="hold">
+                      <p:stCondLst>
+                        <p:cond delay="indefinite"/>
+                      </p:stCondLst>
+                      <p:childTnLst>
+                        <p:par>
+                          <p:cTn id="4" fill="hold">
+                            <p:stCondLst>
+                              <p:cond delay="0"/>
+                            </p:stCondLst>
+                            <p:childTnLst>
+                              <p:par>
+                                <p:cTn id="5" presetID="16" presetClass="entr" presetSubtype="21" fill="hold" grpId="0" nodeType="clickEffect">
+                                  <p:stCondLst>
+                                    <p:cond delay="0"/>
+                                  </p:stCondLst>
+                                  <p:childTnLst>
+                                    <p:set>
+                                      <p:cBhvr>
+                                        <p:cTn id="6" dur="1" fill="hold">
+                                          <p:stCondLst>
+                                            <p:cond delay="0"/>
+                                          </p:stCondLst>
+                                        </p:cTn>
+                                        <p:tgtEl>
+                                          <p:spTgt spid="3">
+                                            <p:txEl>
+                                              <p:pRg st="0" end="0"/>
+                                            </p:txEl>
+                                          </p:spTgt>
+                                        </p:tgtEl>
+                                        <p:attrNameLst>
+                                          <p:attrName>style.visibility</p:attrName>
+                                        </p:attrNameLst>
+                                      </p:cBhvr>
+                                      <p:to>
+                                        <p:strVal val="visible"/>
+                                      </p:to>
+                                    </p:set>
+                                    <p:animEffect transition="in" filter="barn(inVertical)">
+                                      <p:cBhvr>
+                                        <p:cTn id="7" dur="500"/>
+                                        <p:tgtEl>
+                                          <p:spTgt spid="3">
+                                            <p:txEl>
+                                              <p:pRg st="0" end="0"/>
+                                            </p:txEl>
+                                          </p:spTgt>
+                                        </p:tgtEl>
+                                      </p:cBhvr>
+                                    </p:animEffect>
+                                  </p:childTnLst>
+                                </p:cTn>
+                              </p:par>
+                            </p:childTnLst>
+                          </p:cTn>
+                        </p:par>
+                        <p:par>
+                          <p:cTn id="8" fill="hold">
+                            <p:stCondLst>
+                              <p:cond delay="500"/>
+                            </p:stCondLst>
+                            <p:childTnLst>
+                              <p:par>
+                                <p:cTn id="9" presetID="16" presetClass="entr" presetSubtype="37" fill="hold" nodeType="afterEffect">
+                                  <p:stCondLst>
+                                    <p:cond delay="0"/>
+                                  </p:stCondLst>
+                                  <p:childTnLst>
+                                    <p:set>
+                                      <p:cBhvr>
+                                        <p:cTn id="10" dur="1" fill="hold">
+                                          <p:stCondLst>
+                                            <p:cond delay="0"/>
+                                          </p:stCondLst>
+                                        </p:cTn>
+                                        <p:tgtEl>
+                                          <p:spTgt spid="8"/>
+                                        </p:tgtEl>
+                                        <p:attrNameLst>
+                                          <p:attrName>style.visibility</p:attrName>
+                                        </p:attrNameLst>
+                                      </p:cBhvr>
+                                      <p:to>
+                                        <p:strVal val="visible"/>
+                                      </p:to>
+                                    </p:set>
+                                    <p:animEffect transition="in" filter="barn(outVertical)">
+                                      <p:cBhvr>
+                                        <p:cTn id="11" dur="500"/>
+                                        <p:tgtEl>
+                                          <p:spTgt spid="8"/>
+                                        </p:tgtEl>
+                                      </p:cBhvr>
+                                    </p:animEffect>
+                                  </p:childTnLst>
+                                </p:cTn>
+                              </p:par>
+                            </p:childTnLst>
+                          </p:cTn>
+                        </p:par>
+                      </p:childTnLst>
+                    </p:cTn>
+                  </p:par>
+                </p:childTnLst>
+              </p:cTn>
+              <p:prevCondLst>
+                <p:cond evt="onPrev" delay="0">
+                  <p:tgtEl>
+                    <p:sldTgt/>
+                  </p:tgtEl>
+                </p:cond>
+              </p:prevCondLst>
+              <p:nextCondLst>
+                <p:cond evt="onNext" delay="0">
+                  <p:tgtEl>
+                    <p:sldTgt/>
+                  </p:tgtEl>
+                </p:cond>
+              </p:nextCondLst>
+            </p:seq>
+          </p:childTnLst>
+        </p:cTn>
+      </p:par>
+    </p:tnLst>
+    <p:bldLst>
+      <p:bldP spid="3" grpId="0" build="p"/>
+    </p:bldLst>
+  </p:timing>
 </p:sld>
 </file>
 
@@ -12237,6 +12516,413 @@
   <p:clrMapOvr>
     <a:masterClrMapping/>
   </p:clrMapOvr>
+  <p:timing>
+    <p:tnLst>
+      <p:par>
+        <p:cTn id="1" dur="indefinite" restart="never" nodeType="tmRoot">
+          <p:childTnLst>
+            <p:seq concurrent="1" nextAc="seek">
+              <p:cTn id="2" dur="indefinite" nodeType="mainSeq">
+                <p:childTnLst>
+                  <p:par>
+                    <p:cTn id="3" fill="hold">
+                      <p:stCondLst>
+                        <p:cond delay="indefinite"/>
+                      </p:stCondLst>
+                      <p:childTnLst>
+                        <p:par>
+                          <p:cTn id="4" fill="hold">
+                            <p:stCondLst>
+                              <p:cond delay="0"/>
+                            </p:stCondLst>
+                            <p:childTnLst>
+                              <p:par>
+                                <p:cTn id="5" presetID="10" presetClass="entr" presetSubtype="0" fill="hold" nodeType="clickEffect">
+                                  <p:stCondLst>
+                                    <p:cond delay="0"/>
+                                  </p:stCondLst>
+                                  <p:childTnLst>
+                                    <p:set>
+                                      <p:cBhvr>
+                                        <p:cTn id="6" dur="1" fill="hold">
+                                          <p:stCondLst>
+                                            <p:cond delay="0"/>
+                                          </p:stCondLst>
+                                        </p:cTn>
+                                        <p:tgtEl>
+                                          <p:spTgt spid="3">
+                                            <p:txEl>
+                                              <p:pRg st="0" end="0"/>
+                                            </p:txEl>
+                                          </p:spTgt>
+                                        </p:tgtEl>
+                                        <p:attrNameLst>
+                                          <p:attrName>style.visibility</p:attrName>
+                                        </p:attrNameLst>
+                                      </p:cBhvr>
+                                      <p:to>
+                                        <p:strVal val="visible"/>
+                                      </p:to>
+                                    </p:set>
+                                    <p:animEffect transition="in" filter="fade">
+                                      <p:cBhvr>
+                                        <p:cTn id="7" dur="500"/>
+                                        <p:tgtEl>
+                                          <p:spTgt spid="3">
+                                            <p:txEl>
+                                              <p:pRg st="0" end="0"/>
+                                            </p:txEl>
+                                          </p:spTgt>
+                                        </p:tgtEl>
+                                      </p:cBhvr>
+                                    </p:animEffect>
+                                  </p:childTnLst>
+                                </p:cTn>
+                              </p:par>
+                              <p:par>
+                                <p:cTn id="8" presetID="10" presetClass="entr" presetSubtype="0" fill="hold" nodeType="withEffect">
+                                  <p:stCondLst>
+                                    <p:cond delay="0"/>
+                                  </p:stCondLst>
+                                  <p:childTnLst>
+                                    <p:set>
+                                      <p:cBhvr>
+                                        <p:cTn id="9" dur="1" fill="hold">
+                                          <p:stCondLst>
+                                            <p:cond delay="0"/>
+                                          </p:stCondLst>
+                                        </p:cTn>
+                                        <p:tgtEl>
+                                          <p:spTgt spid="3">
+                                            <p:txEl>
+                                              <p:pRg st="1" end="1"/>
+                                            </p:txEl>
+                                          </p:spTgt>
+                                        </p:tgtEl>
+                                        <p:attrNameLst>
+                                          <p:attrName>style.visibility</p:attrName>
+                                        </p:attrNameLst>
+                                      </p:cBhvr>
+                                      <p:to>
+                                        <p:strVal val="visible"/>
+                                      </p:to>
+                                    </p:set>
+                                    <p:animEffect transition="in" filter="fade">
+                                      <p:cBhvr>
+                                        <p:cTn id="10" dur="500"/>
+                                        <p:tgtEl>
+                                          <p:spTgt spid="3">
+                                            <p:txEl>
+                                              <p:pRg st="1" end="1"/>
+                                            </p:txEl>
+                                          </p:spTgt>
+                                        </p:tgtEl>
+                                      </p:cBhvr>
+                                    </p:animEffect>
+                                  </p:childTnLst>
+                                </p:cTn>
+                              </p:par>
+                              <p:par>
+                                <p:cTn id="11" presetID="10" presetClass="entr" presetSubtype="0" fill="hold" nodeType="withEffect">
+                                  <p:stCondLst>
+                                    <p:cond delay="0"/>
+                                  </p:stCondLst>
+                                  <p:childTnLst>
+                                    <p:set>
+                                      <p:cBhvr>
+                                        <p:cTn id="12" dur="1" fill="hold">
+                                          <p:stCondLst>
+                                            <p:cond delay="0"/>
+                                          </p:stCondLst>
+                                        </p:cTn>
+                                        <p:tgtEl>
+                                          <p:spTgt spid="3">
+                                            <p:txEl>
+                                              <p:pRg st="2" end="2"/>
+                                            </p:txEl>
+                                          </p:spTgt>
+                                        </p:tgtEl>
+                                        <p:attrNameLst>
+                                          <p:attrName>style.visibility</p:attrName>
+                                        </p:attrNameLst>
+                                      </p:cBhvr>
+                                      <p:to>
+                                        <p:strVal val="visible"/>
+                                      </p:to>
+                                    </p:set>
+                                    <p:animEffect transition="in" filter="fade">
+                                      <p:cBhvr>
+                                        <p:cTn id="13" dur="500"/>
+                                        <p:tgtEl>
+                                          <p:spTgt spid="3">
+                                            <p:txEl>
+                                              <p:pRg st="2" end="2"/>
+                                            </p:txEl>
+                                          </p:spTgt>
+                                        </p:tgtEl>
+                                      </p:cBhvr>
+                                    </p:animEffect>
+                                  </p:childTnLst>
+                                </p:cTn>
+                              </p:par>
+                            </p:childTnLst>
+                          </p:cTn>
+                        </p:par>
+                        <p:par>
+                          <p:cTn id="14" fill="hold">
+                            <p:stCondLst>
+                              <p:cond delay="500"/>
+                            </p:stCondLst>
+                            <p:childTnLst>
+                              <p:par>
+                                <p:cTn id="15" presetID="10" presetClass="entr" presetSubtype="0" fill="hold" nodeType="afterEffect">
+                                  <p:stCondLst>
+                                    <p:cond delay="0"/>
+                                  </p:stCondLst>
+                                  <p:childTnLst>
+                                    <p:set>
+                                      <p:cBhvr>
+                                        <p:cTn id="16" dur="1" fill="hold">
+                                          <p:stCondLst>
+                                            <p:cond delay="0"/>
+                                          </p:stCondLst>
+                                        </p:cTn>
+                                        <p:tgtEl>
+                                          <p:spTgt spid="5"/>
+                                        </p:tgtEl>
+                                        <p:attrNameLst>
+                                          <p:attrName>style.visibility</p:attrName>
+                                        </p:attrNameLst>
+                                      </p:cBhvr>
+                                      <p:to>
+                                        <p:strVal val="visible"/>
+                                      </p:to>
+                                    </p:set>
+                                    <p:animEffect transition="in" filter="fade">
+                                      <p:cBhvr>
+                                        <p:cTn id="17" dur="500"/>
+                                        <p:tgtEl>
+                                          <p:spTgt spid="5"/>
+                                        </p:tgtEl>
+                                      </p:cBhvr>
+                                    </p:animEffect>
+                                  </p:childTnLst>
+                                </p:cTn>
+                              </p:par>
+                            </p:childTnLst>
+                          </p:cTn>
+                        </p:par>
+                      </p:childTnLst>
+                    </p:cTn>
+                  </p:par>
+                  <p:par>
+                    <p:cTn id="18" fill="hold">
+                      <p:stCondLst>
+                        <p:cond delay="indefinite"/>
+                      </p:stCondLst>
+                      <p:childTnLst>
+                        <p:par>
+                          <p:cTn id="19" fill="hold">
+                            <p:stCondLst>
+                              <p:cond delay="0"/>
+                            </p:stCondLst>
+                            <p:childTnLst>
+                              <p:par>
+                                <p:cTn id="20" presetID="1" presetClass="entr" presetSubtype="0" fill="hold" nodeType="clickEffect">
+                                  <p:stCondLst>
+                                    <p:cond delay="0"/>
+                                  </p:stCondLst>
+                                  <p:childTnLst>
+                                    <p:set>
+                                      <p:cBhvr>
+                                        <p:cTn id="21" dur="1" fill="hold">
+                                          <p:stCondLst>
+                                            <p:cond delay="0"/>
+                                          </p:stCondLst>
+                                        </p:cTn>
+                                        <p:tgtEl>
+                                          <p:spTgt spid="3">
+                                            <p:txEl>
+                                              <p:pRg st="4" end="4"/>
+                                            </p:txEl>
+                                          </p:spTgt>
+                                        </p:tgtEl>
+                                        <p:attrNameLst>
+                                          <p:attrName>style.visibility</p:attrName>
+                                        </p:attrNameLst>
+                                      </p:cBhvr>
+                                      <p:to>
+                                        <p:strVal val="visible"/>
+                                      </p:to>
+                                    </p:set>
+                                  </p:childTnLst>
+                                </p:cTn>
+                              </p:par>
+                            </p:childTnLst>
+                          </p:cTn>
+                        </p:par>
+                        <p:par>
+                          <p:cTn id="22" fill="hold">
+                            <p:stCondLst>
+                              <p:cond delay="0"/>
+                            </p:stCondLst>
+                            <p:childTnLst>
+                              <p:par>
+                                <p:cTn id="23" presetID="10" presetClass="entr" presetSubtype="0" fill="hold" nodeType="afterEffect">
+                                  <p:stCondLst>
+                                    <p:cond delay="500"/>
+                                  </p:stCondLst>
+                                  <p:childTnLst>
+                                    <p:set>
+                                      <p:cBhvr>
+                                        <p:cTn id="24" dur="1" fill="hold">
+                                          <p:stCondLst>
+                                            <p:cond delay="0"/>
+                                          </p:stCondLst>
+                                        </p:cTn>
+                                        <p:tgtEl>
+                                          <p:spTgt spid="4"/>
+                                        </p:tgtEl>
+                                        <p:attrNameLst>
+                                          <p:attrName>style.visibility</p:attrName>
+                                        </p:attrNameLst>
+                                      </p:cBhvr>
+                                      <p:to>
+                                        <p:strVal val="visible"/>
+                                      </p:to>
+                                    </p:set>
+                                    <p:animEffect transition="in" filter="fade">
+                                      <p:cBhvr>
+                                        <p:cTn id="25" dur="500"/>
+                                        <p:tgtEl>
+                                          <p:spTgt spid="4"/>
+                                        </p:tgtEl>
+                                      </p:cBhvr>
+                                    </p:animEffect>
+                                  </p:childTnLst>
+                                </p:cTn>
+                              </p:par>
+                              <p:par>
+                                <p:cTn id="26" presetID="1" presetClass="entr" presetSubtype="0" fill="hold" nodeType="withEffect">
+                                  <p:stCondLst>
+                                    <p:cond delay="0"/>
+                                  </p:stCondLst>
+                                  <p:childTnLst>
+                                    <p:set>
+                                      <p:cBhvr>
+                                        <p:cTn id="27" dur="1" fill="hold">
+                                          <p:stCondLst>
+                                            <p:cond delay="0"/>
+                                          </p:stCondLst>
+                                        </p:cTn>
+                                        <p:tgtEl>
+                                          <p:spTgt spid="3">
+                                            <p:txEl>
+                                              <p:pRg st="5" end="5"/>
+                                            </p:txEl>
+                                          </p:spTgt>
+                                        </p:tgtEl>
+                                        <p:attrNameLst>
+                                          <p:attrName>style.visibility</p:attrName>
+                                        </p:attrNameLst>
+                                      </p:cBhvr>
+                                      <p:to>
+                                        <p:strVal val="visible"/>
+                                      </p:to>
+                                    </p:set>
+                                  </p:childTnLst>
+                                </p:cTn>
+                              </p:par>
+                              <p:par>
+                                <p:cTn id="28" presetID="1" presetClass="entr" presetSubtype="0" fill="hold" nodeType="withEffect">
+                                  <p:stCondLst>
+                                    <p:cond delay="0"/>
+                                  </p:stCondLst>
+                                  <p:childTnLst>
+                                    <p:set>
+                                      <p:cBhvr>
+                                        <p:cTn id="29" dur="1" fill="hold">
+                                          <p:stCondLst>
+                                            <p:cond delay="0"/>
+                                          </p:stCondLst>
+                                        </p:cTn>
+                                        <p:tgtEl>
+                                          <p:spTgt spid="3">
+                                            <p:txEl>
+                                              <p:pRg st="6" end="6"/>
+                                            </p:txEl>
+                                          </p:spTgt>
+                                        </p:tgtEl>
+                                        <p:attrNameLst>
+                                          <p:attrName>style.visibility</p:attrName>
+                                        </p:attrNameLst>
+                                      </p:cBhvr>
+                                      <p:to>
+                                        <p:strVal val="visible"/>
+                                      </p:to>
+                                    </p:set>
+                                  </p:childTnLst>
+                                </p:cTn>
+                              </p:par>
+                              <p:par>
+                                <p:cTn id="30" presetID="1" presetClass="entr" presetSubtype="0" fill="hold" nodeType="withEffect">
+                                  <p:stCondLst>
+                                    <p:cond delay="0"/>
+                                  </p:stCondLst>
+                                  <p:childTnLst>
+                                    <p:set>
+                                      <p:cBhvr>
+                                        <p:cTn id="31" dur="1" fill="hold">
+                                          <p:stCondLst>
+                                            <p:cond delay="0"/>
+                                          </p:stCondLst>
+                                        </p:cTn>
+                                        <p:tgtEl>
+                                          <p:spTgt spid="3">
+                                            <p:txEl>
+                                              <p:pRg st="7" end="7"/>
+                                            </p:txEl>
+                                          </p:spTgt>
+                                        </p:tgtEl>
+                                        <p:attrNameLst>
+                                          <p:attrName>style.visibility</p:attrName>
+                                        </p:attrNameLst>
+                                      </p:cBhvr>
+                                      <p:to>
+                                        <p:strVal val="visible"/>
+                                      </p:to>
+                                    </p:set>
+                                  </p:childTnLst>
+                                </p:cTn>
+                              </p:par>
+                            </p:childTnLst>
+                          </p:cTn>
+                        </p:par>
+                      </p:childTnLst>
+                    </p:cTn>
+                  </p:par>
+                </p:childTnLst>
+              </p:cTn>
+              <p:prevCondLst>
+                <p:cond evt="onPrev" delay="0">
+                  <p:tgtEl>
+                    <p:sldTgt/>
+                  </p:tgtEl>
+                </p:cond>
+              </p:prevCondLst>
+              <p:nextCondLst>
+                <p:cond evt="onNext" delay="0">
+                  <p:tgtEl>
+                    <p:sldTgt/>
+                  </p:tgtEl>
+                </p:cond>
+              </p:nextCondLst>
+            </p:seq>
+          </p:childTnLst>
+        </p:cTn>
+      </p:par>
+    </p:tnLst>
+  </p:timing>
 </p:sld>
 </file>
 
@@ -13921,12 +14607,1126 @@
   <p:clrMapOvr>
     <a:overrideClrMapping bg1="lt1" tx1="dk1" bg2="lt2" tx2="dk2" accent1="accent1" accent2="accent2" accent3="accent3" accent4="accent4" accent5="accent5" accent6="accent6" hlink="hlink" folHlink="folHlink"/>
   </p:clrMapOvr>
+  <p:timing>
+    <p:tnLst>
+      <p:par>
+        <p:cTn id="1" dur="indefinite" restart="never" nodeType="tmRoot">
+          <p:childTnLst>
+            <p:seq concurrent="1" nextAc="seek">
+              <p:cTn id="2" dur="indefinite" nodeType="mainSeq">
+                <p:childTnLst>
+                  <p:par>
+                    <p:cTn id="3" fill="hold">
+                      <p:stCondLst>
+                        <p:cond delay="indefinite"/>
+                      </p:stCondLst>
+                      <p:childTnLst>
+                        <p:par>
+                          <p:cTn id="4" fill="hold">
+                            <p:stCondLst>
+                              <p:cond delay="0"/>
+                            </p:stCondLst>
+                            <p:childTnLst>
+                              <p:par>
+                                <p:cTn id="5" presetID="10" presetClass="entr" presetSubtype="0" fill="hold" nodeType="clickEffect">
+                                  <p:stCondLst>
+                                    <p:cond delay="0"/>
+                                  </p:stCondLst>
+                                  <p:childTnLst>
+                                    <p:set>
+                                      <p:cBhvr>
+                                        <p:cTn id="6" dur="1" fill="hold">
+                                          <p:stCondLst>
+                                            <p:cond delay="0"/>
+                                          </p:stCondLst>
+                                        </p:cTn>
+                                        <p:tgtEl>
+                                          <p:spTgt spid="3">
+                                            <p:txEl>
+                                              <p:pRg st="0" end="0"/>
+                                            </p:txEl>
+                                          </p:spTgt>
+                                        </p:tgtEl>
+                                        <p:attrNameLst>
+                                          <p:attrName>style.visibility</p:attrName>
+                                        </p:attrNameLst>
+                                      </p:cBhvr>
+                                      <p:to>
+                                        <p:strVal val="visible"/>
+                                      </p:to>
+                                    </p:set>
+                                    <p:animEffect transition="in" filter="fade">
+                                      <p:cBhvr>
+                                        <p:cTn id="7" dur="500"/>
+                                        <p:tgtEl>
+                                          <p:spTgt spid="3">
+                                            <p:txEl>
+                                              <p:pRg st="0" end="0"/>
+                                            </p:txEl>
+                                          </p:spTgt>
+                                        </p:tgtEl>
+                                      </p:cBhvr>
+                                    </p:animEffect>
+                                  </p:childTnLst>
+                                </p:cTn>
+                              </p:par>
+                              <p:par>
+                                <p:cTn id="8" presetID="10" presetClass="entr" presetSubtype="0" fill="hold" nodeType="withEffect">
+                                  <p:stCondLst>
+                                    <p:cond delay="0"/>
+                                  </p:stCondLst>
+                                  <p:childTnLst>
+                                    <p:set>
+                                      <p:cBhvr>
+                                        <p:cTn id="9" dur="1" fill="hold">
+                                          <p:stCondLst>
+                                            <p:cond delay="0"/>
+                                          </p:stCondLst>
+                                        </p:cTn>
+                                        <p:tgtEl>
+                                          <p:spTgt spid="3">
+                                            <p:txEl>
+                                              <p:pRg st="1" end="1"/>
+                                            </p:txEl>
+                                          </p:spTgt>
+                                        </p:tgtEl>
+                                        <p:attrNameLst>
+                                          <p:attrName>style.visibility</p:attrName>
+                                        </p:attrNameLst>
+                                      </p:cBhvr>
+                                      <p:to>
+                                        <p:strVal val="visible"/>
+                                      </p:to>
+                                    </p:set>
+                                    <p:animEffect transition="in" filter="fade">
+                                      <p:cBhvr>
+                                        <p:cTn id="10" dur="500"/>
+                                        <p:tgtEl>
+                                          <p:spTgt spid="3">
+                                            <p:txEl>
+                                              <p:pRg st="1" end="1"/>
+                                            </p:txEl>
+                                          </p:spTgt>
+                                        </p:tgtEl>
+                                      </p:cBhvr>
+                                    </p:animEffect>
+                                  </p:childTnLst>
+                                </p:cTn>
+                              </p:par>
+                              <p:par>
+                                <p:cTn id="11" presetID="10" presetClass="entr" presetSubtype="0" fill="hold" nodeType="withEffect">
+                                  <p:stCondLst>
+                                    <p:cond delay="0"/>
+                                  </p:stCondLst>
+                                  <p:childTnLst>
+                                    <p:set>
+                                      <p:cBhvr>
+                                        <p:cTn id="12" dur="1" fill="hold">
+                                          <p:stCondLst>
+                                            <p:cond delay="0"/>
+                                          </p:stCondLst>
+                                        </p:cTn>
+                                        <p:tgtEl>
+                                          <p:spTgt spid="3">
+                                            <p:txEl>
+                                              <p:pRg st="2" end="2"/>
+                                            </p:txEl>
+                                          </p:spTgt>
+                                        </p:tgtEl>
+                                        <p:attrNameLst>
+                                          <p:attrName>style.visibility</p:attrName>
+                                        </p:attrNameLst>
+                                      </p:cBhvr>
+                                      <p:to>
+                                        <p:strVal val="visible"/>
+                                      </p:to>
+                                    </p:set>
+                                    <p:animEffect transition="in" filter="fade">
+                                      <p:cBhvr>
+                                        <p:cTn id="13" dur="500"/>
+                                        <p:tgtEl>
+                                          <p:spTgt spid="3">
+                                            <p:txEl>
+                                              <p:pRg st="2" end="2"/>
+                                            </p:txEl>
+                                          </p:spTgt>
+                                        </p:tgtEl>
+                                      </p:cBhvr>
+                                    </p:animEffect>
+                                  </p:childTnLst>
+                                </p:cTn>
+                              </p:par>
+                            </p:childTnLst>
+                          </p:cTn>
+                        </p:par>
+                      </p:childTnLst>
+                    </p:cTn>
+                  </p:par>
+                  <p:par>
+                    <p:cTn id="14" fill="hold">
+                      <p:stCondLst>
+                        <p:cond delay="indefinite"/>
+                      </p:stCondLst>
+                      <p:childTnLst>
+                        <p:par>
+                          <p:cTn id="15" fill="hold">
+                            <p:stCondLst>
+                              <p:cond delay="0"/>
+                            </p:stCondLst>
+                            <p:childTnLst>
+                              <p:par>
+                                <p:cTn id="16" presetID="2" presetClass="entr" presetSubtype="4" fill="hold" nodeType="clickEffect">
+                                  <p:stCondLst>
+                                    <p:cond delay="0"/>
+                                  </p:stCondLst>
+                                  <p:childTnLst>
+                                    <p:set>
+                                      <p:cBhvr>
+                                        <p:cTn id="17" dur="1" fill="hold">
+                                          <p:stCondLst>
+                                            <p:cond delay="0"/>
+                                          </p:stCondLst>
+                                        </p:cTn>
+                                        <p:tgtEl>
+                                          <p:spTgt spid="4"/>
+                                        </p:tgtEl>
+                                        <p:attrNameLst>
+                                          <p:attrName>style.visibility</p:attrName>
+                                        </p:attrNameLst>
+                                      </p:cBhvr>
+                                      <p:to>
+                                        <p:strVal val="visible"/>
+                                      </p:to>
+                                    </p:set>
+                                    <p:anim calcmode="lin" valueType="num">
+                                      <p:cBhvr additive="base">
+                                        <p:cTn id="18" dur="500" fill="hold"/>
+                                        <p:tgtEl>
+                                          <p:spTgt spid="4"/>
+                                        </p:tgtEl>
+                                        <p:attrNameLst>
+                                          <p:attrName>ppt_x</p:attrName>
+                                        </p:attrNameLst>
+                                      </p:cBhvr>
+                                      <p:tavLst>
+                                        <p:tav tm="0">
+                                          <p:val>
+                                            <p:strVal val="#ppt_x"/>
+                                          </p:val>
+                                        </p:tav>
+                                        <p:tav tm="100000">
+                                          <p:val>
+                                            <p:strVal val="#ppt_x"/>
+                                          </p:val>
+                                        </p:tav>
+                                      </p:tavLst>
+                                    </p:anim>
+                                    <p:anim calcmode="lin" valueType="num">
+                                      <p:cBhvr additive="base">
+                                        <p:cTn id="19" dur="500" fill="hold"/>
+                                        <p:tgtEl>
+                                          <p:spTgt spid="4"/>
+                                        </p:tgtEl>
+                                        <p:attrNameLst>
+                                          <p:attrName>ppt_y</p:attrName>
+                                        </p:attrNameLst>
+                                      </p:cBhvr>
+                                      <p:tavLst>
+                                        <p:tav tm="0">
+                                          <p:val>
+                                            <p:strVal val="1+#ppt_h/2"/>
+                                          </p:val>
+                                        </p:tav>
+                                        <p:tav tm="100000">
+                                          <p:val>
+                                            <p:strVal val="#ppt_y"/>
+                                          </p:val>
+                                        </p:tav>
+                                      </p:tavLst>
+                                    </p:anim>
+                                  </p:childTnLst>
+                                </p:cTn>
+                              </p:par>
+                              <p:par>
+                                <p:cTn id="20" presetID="2" presetClass="entr" presetSubtype="4" fill="hold" nodeType="withEffect">
+                                  <p:stCondLst>
+                                    <p:cond delay="0"/>
+                                  </p:stCondLst>
+                                  <p:childTnLst>
+                                    <p:set>
+                                      <p:cBhvr>
+                                        <p:cTn id="21" dur="1" fill="hold">
+                                          <p:stCondLst>
+                                            <p:cond delay="0"/>
+                                          </p:stCondLst>
+                                        </p:cTn>
+                                        <p:tgtEl>
+                                          <p:spTgt spid="5"/>
+                                        </p:tgtEl>
+                                        <p:attrNameLst>
+                                          <p:attrName>style.visibility</p:attrName>
+                                        </p:attrNameLst>
+                                      </p:cBhvr>
+                                      <p:to>
+                                        <p:strVal val="visible"/>
+                                      </p:to>
+                                    </p:set>
+                                    <p:anim calcmode="lin" valueType="num">
+                                      <p:cBhvr additive="base">
+                                        <p:cTn id="22" dur="500" fill="hold"/>
+                                        <p:tgtEl>
+                                          <p:spTgt spid="5"/>
+                                        </p:tgtEl>
+                                        <p:attrNameLst>
+                                          <p:attrName>ppt_x</p:attrName>
+                                        </p:attrNameLst>
+                                      </p:cBhvr>
+                                      <p:tavLst>
+                                        <p:tav tm="0">
+                                          <p:val>
+                                            <p:strVal val="#ppt_x"/>
+                                          </p:val>
+                                        </p:tav>
+                                        <p:tav tm="100000">
+                                          <p:val>
+                                            <p:strVal val="#ppt_x"/>
+                                          </p:val>
+                                        </p:tav>
+                                      </p:tavLst>
+                                    </p:anim>
+                                    <p:anim calcmode="lin" valueType="num">
+                                      <p:cBhvr additive="base">
+                                        <p:cTn id="23" dur="500" fill="hold"/>
+                                        <p:tgtEl>
+                                          <p:spTgt spid="5"/>
+                                        </p:tgtEl>
+                                        <p:attrNameLst>
+                                          <p:attrName>ppt_y</p:attrName>
+                                        </p:attrNameLst>
+                                      </p:cBhvr>
+                                      <p:tavLst>
+                                        <p:tav tm="0">
+                                          <p:val>
+                                            <p:strVal val="1+#ppt_h/2"/>
+                                          </p:val>
+                                        </p:tav>
+                                        <p:tav tm="100000">
+                                          <p:val>
+                                            <p:strVal val="#ppt_y"/>
+                                          </p:val>
+                                        </p:tav>
+                                      </p:tavLst>
+                                    </p:anim>
+                                  </p:childTnLst>
+                                </p:cTn>
+                              </p:par>
+                              <p:par>
+                                <p:cTn id="24" presetID="2" presetClass="entr" presetSubtype="4" fill="hold" nodeType="withEffect">
+                                  <p:stCondLst>
+                                    <p:cond delay="0"/>
+                                  </p:stCondLst>
+                                  <p:childTnLst>
+                                    <p:set>
+                                      <p:cBhvr>
+                                        <p:cTn id="25" dur="1" fill="hold">
+                                          <p:stCondLst>
+                                            <p:cond delay="0"/>
+                                          </p:stCondLst>
+                                        </p:cTn>
+                                        <p:tgtEl>
+                                          <p:spTgt spid="6"/>
+                                        </p:tgtEl>
+                                        <p:attrNameLst>
+                                          <p:attrName>style.visibility</p:attrName>
+                                        </p:attrNameLst>
+                                      </p:cBhvr>
+                                      <p:to>
+                                        <p:strVal val="visible"/>
+                                      </p:to>
+                                    </p:set>
+                                    <p:anim calcmode="lin" valueType="num">
+                                      <p:cBhvr additive="base">
+                                        <p:cTn id="26" dur="500" fill="hold"/>
+                                        <p:tgtEl>
+                                          <p:spTgt spid="6"/>
+                                        </p:tgtEl>
+                                        <p:attrNameLst>
+                                          <p:attrName>ppt_x</p:attrName>
+                                        </p:attrNameLst>
+                                      </p:cBhvr>
+                                      <p:tavLst>
+                                        <p:tav tm="0">
+                                          <p:val>
+                                            <p:strVal val="#ppt_x"/>
+                                          </p:val>
+                                        </p:tav>
+                                        <p:tav tm="100000">
+                                          <p:val>
+                                            <p:strVal val="#ppt_x"/>
+                                          </p:val>
+                                        </p:tav>
+                                      </p:tavLst>
+                                    </p:anim>
+                                    <p:anim calcmode="lin" valueType="num">
+                                      <p:cBhvr additive="base">
+                                        <p:cTn id="27" dur="500" fill="hold"/>
+                                        <p:tgtEl>
+                                          <p:spTgt spid="6"/>
+                                        </p:tgtEl>
+                                        <p:attrNameLst>
+                                          <p:attrName>ppt_y</p:attrName>
+                                        </p:attrNameLst>
+                                      </p:cBhvr>
+                                      <p:tavLst>
+                                        <p:tav tm="0">
+                                          <p:val>
+                                            <p:strVal val="1+#ppt_h/2"/>
+                                          </p:val>
+                                        </p:tav>
+                                        <p:tav tm="100000">
+                                          <p:val>
+                                            <p:strVal val="#ppt_y"/>
+                                          </p:val>
+                                        </p:tav>
+                                      </p:tavLst>
+                                    </p:anim>
+                                  </p:childTnLst>
+                                </p:cTn>
+                              </p:par>
+                            </p:childTnLst>
+                          </p:cTn>
+                        </p:par>
+                      </p:childTnLst>
+                    </p:cTn>
+                  </p:par>
+                  <p:par>
+                    <p:cTn id="28" fill="hold">
+                      <p:stCondLst>
+                        <p:cond delay="indefinite"/>
+                      </p:stCondLst>
+                      <p:childTnLst>
+                        <p:par>
+                          <p:cTn id="29" fill="hold">
+                            <p:stCondLst>
+                              <p:cond delay="0"/>
+                            </p:stCondLst>
+                            <p:childTnLst>
+                              <p:par>
+                                <p:cTn id="30" presetID="2" presetClass="entr" presetSubtype="4" fill="hold" nodeType="clickEffect">
+                                  <p:stCondLst>
+                                    <p:cond delay="0"/>
+                                  </p:stCondLst>
+                                  <p:childTnLst>
+                                    <p:set>
+                                      <p:cBhvr>
+                                        <p:cTn id="31" dur="1" fill="hold">
+                                          <p:stCondLst>
+                                            <p:cond delay="0"/>
+                                          </p:stCondLst>
+                                        </p:cTn>
+                                        <p:tgtEl>
+                                          <p:spTgt spid="3">
+                                            <p:txEl>
+                                              <p:pRg st="4" end="4"/>
+                                            </p:txEl>
+                                          </p:spTgt>
+                                        </p:tgtEl>
+                                        <p:attrNameLst>
+                                          <p:attrName>style.visibility</p:attrName>
+                                        </p:attrNameLst>
+                                      </p:cBhvr>
+                                      <p:to>
+                                        <p:strVal val="visible"/>
+                                      </p:to>
+                                    </p:set>
+                                    <p:anim calcmode="lin" valueType="num">
+                                      <p:cBhvr additive="base">
+                                        <p:cTn id="32" dur="500" fill="hold"/>
+                                        <p:tgtEl>
+                                          <p:spTgt spid="3">
+                                            <p:txEl>
+                                              <p:pRg st="4" end="4"/>
+                                            </p:txEl>
+                                          </p:spTgt>
+                                        </p:tgtEl>
+                                        <p:attrNameLst>
+                                          <p:attrName>ppt_x</p:attrName>
+                                        </p:attrNameLst>
+                                      </p:cBhvr>
+                                      <p:tavLst>
+                                        <p:tav tm="0">
+                                          <p:val>
+                                            <p:strVal val="#ppt_x"/>
+                                          </p:val>
+                                        </p:tav>
+                                        <p:tav tm="100000">
+                                          <p:val>
+                                            <p:strVal val="#ppt_x"/>
+                                          </p:val>
+                                        </p:tav>
+                                      </p:tavLst>
+                                    </p:anim>
+                                    <p:anim calcmode="lin" valueType="num">
+                                      <p:cBhvr additive="base">
+                                        <p:cTn id="33" dur="500" fill="hold"/>
+                                        <p:tgtEl>
+                                          <p:spTgt spid="3">
+                                            <p:txEl>
+                                              <p:pRg st="4" end="4"/>
+                                            </p:txEl>
+                                          </p:spTgt>
+                                        </p:tgtEl>
+                                        <p:attrNameLst>
+                                          <p:attrName>ppt_y</p:attrName>
+                                        </p:attrNameLst>
+                                      </p:cBhvr>
+                                      <p:tavLst>
+                                        <p:tav tm="0">
+                                          <p:val>
+                                            <p:strVal val="1+#ppt_h/2"/>
+                                          </p:val>
+                                        </p:tav>
+                                        <p:tav tm="100000">
+                                          <p:val>
+                                            <p:strVal val="#ppt_y"/>
+                                          </p:val>
+                                        </p:tav>
+                                      </p:tavLst>
+                                    </p:anim>
+                                  </p:childTnLst>
+                                </p:cTn>
+                              </p:par>
+                              <p:par>
+                                <p:cTn id="34" presetID="2" presetClass="entr" presetSubtype="4" fill="hold" nodeType="withEffect">
+                                  <p:stCondLst>
+                                    <p:cond delay="0"/>
+                                  </p:stCondLst>
+                                  <p:childTnLst>
+                                    <p:set>
+                                      <p:cBhvr>
+                                        <p:cTn id="35" dur="1" fill="hold">
+                                          <p:stCondLst>
+                                            <p:cond delay="0"/>
+                                          </p:stCondLst>
+                                        </p:cTn>
+                                        <p:tgtEl>
+                                          <p:spTgt spid="3">
+                                            <p:txEl>
+                                              <p:pRg st="5" end="5"/>
+                                            </p:txEl>
+                                          </p:spTgt>
+                                        </p:tgtEl>
+                                        <p:attrNameLst>
+                                          <p:attrName>style.visibility</p:attrName>
+                                        </p:attrNameLst>
+                                      </p:cBhvr>
+                                      <p:to>
+                                        <p:strVal val="visible"/>
+                                      </p:to>
+                                    </p:set>
+                                    <p:anim calcmode="lin" valueType="num">
+                                      <p:cBhvr additive="base">
+                                        <p:cTn id="36" dur="500" fill="hold"/>
+                                        <p:tgtEl>
+                                          <p:spTgt spid="3">
+                                            <p:txEl>
+                                              <p:pRg st="5" end="5"/>
+                                            </p:txEl>
+                                          </p:spTgt>
+                                        </p:tgtEl>
+                                        <p:attrNameLst>
+                                          <p:attrName>ppt_x</p:attrName>
+                                        </p:attrNameLst>
+                                      </p:cBhvr>
+                                      <p:tavLst>
+                                        <p:tav tm="0">
+                                          <p:val>
+                                            <p:strVal val="#ppt_x"/>
+                                          </p:val>
+                                        </p:tav>
+                                        <p:tav tm="100000">
+                                          <p:val>
+                                            <p:strVal val="#ppt_x"/>
+                                          </p:val>
+                                        </p:tav>
+                                      </p:tavLst>
+                                    </p:anim>
+                                    <p:anim calcmode="lin" valueType="num">
+                                      <p:cBhvr additive="base">
+                                        <p:cTn id="37" dur="500" fill="hold"/>
+                                        <p:tgtEl>
+                                          <p:spTgt spid="3">
+                                            <p:txEl>
+                                              <p:pRg st="5" end="5"/>
+                                            </p:txEl>
+                                          </p:spTgt>
+                                        </p:tgtEl>
+                                        <p:attrNameLst>
+                                          <p:attrName>ppt_y</p:attrName>
+                                        </p:attrNameLst>
+                                      </p:cBhvr>
+                                      <p:tavLst>
+                                        <p:tav tm="0">
+                                          <p:val>
+                                            <p:strVal val="1+#ppt_h/2"/>
+                                          </p:val>
+                                        </p:tav>
+                                        <p:tav tm="100000">
+                                          <p:val>
+                                            <p:strVal val="#ppt_y"/>
+                                          </p:val>
+                                        </p:tav>
+                                      </p:tavLst>
+                                    </p:anim>
+                                  </p:childTnLst>
+                                </p:cTn>
+                              </p:par>
+                            </p:childTnLst>
+                          </p:cTn>
+                        </p:par>
+                      </p:childTnLst>
+                    </p:cTn>
+                  </p:par>
+                  <p:par>
+                    <p:cTn id="38" fill="hold">
+                      <p:stCondLst>
+                        <p:cond delay="indefinite"/>
+                      </p:stCondLst>
+                      <p:childTnLst>
+                        <p:par>
+                          <p:cTn id="39" fill="hold">
+                            <p:stCondLst>
+                              <p:cond delay="0"/>
+                            </p:stCondLst>
+                            <p:childTnLst>
+                              <p:par>
+                                <p:cTn id="40" presetID="2" presetClass="entr" presetSubtype="4" fill="hold" nodeType="clickEffect">
+                                  <p:stCondLst>
+                                    <p:cond delay="0"/>
+                                  </p:stCondLst>
+                                  <p:childTnLst>
+                                    <p:set>
+                                      <p:cBhvr>
+                                        <p:cTn id="41" dur="1" fill="hold">
+                                          <p:stCondLst>
+                                            <p:cond delay="0"/>
+                                          </p:stCondLst>
+                                        </p:cTn>
+                                        <p:tgtEl>
+                                          <p:spTgt spid="10"/>
+                                        </p:tgtEl>
+                                        <p:attrNameLst>
+                                          <p:attrName>style.visibility</p:attrName>
+                                        </p:attrNameLst>
+                                      </p:cBhvr>
+                                      <p:to>
+                                        <p:strVal val="visible"/>
+                                      </p:to>
+                                    </p:set>
+                                    <p:anim calcmode="lin" valueType="num">
+                                      <p:cBhvr additive="base">
+                                        <p:cTn id="42" dur="500" fill="hold"/>
+                                        <p:tgtEl>
+                                          <p:spTgt spid="10"/>
+                                        </p:tgtEl>
+                                        <p:attrNameLst>
+                                          <p:attrName>ppt_x</p:attrName>
+                                        </p:attrNameLst>
+                                      </p:cBhvr>
+                                      <p:tavLst>
+                                        <p:tav tm="0">
+                                          <p:val>
+                                            <p:strVal val="#ppt_x"/>
+                                          </p:val>
+                                        </p:tav>
+                                        <p:tav tm="100000">
+                                          <p:val>
+                                            <p:strVal val="#ppt_x"/>
+                                          </p:val>
+                                        </p:tav>
+                                      </p:tavLst>
+                                    </p:anim>
+                                    <p:anim calcmode="lin" valueType="num">
+                                      <p:cBhvr additive="base">
+                                        <p:cTn id="43" dur="500" fill="hold"/>
+                                        <p:tgtEl>
+                                          <p:spTgt spid="10"/>
+                                        </p:tgtEl>
+                                        <p:attrNameLst>
+                                          <p:attrName>ppt_y</p:attrName>
+                                        </p:attrNameLst>
+                                      </p:cBhvr>
+                                      <p:tavLst>
+                                        <p:tav tm="0">
+                                          <p:val>
+                                            <p:strVal val="1+#ppt_h/2"/>
+                                          </p:val>
+                                        </p:tav>
+                                        <p:tav tm="100000">
+                                          <p:val>
+                                            <p:strVal val="#ppt_y"/>
+                                          </p:val>
+                                        </p:tav>
+                                      </p:tavLst>
+                                    </p:anim>
+                                  </p:childTnLst>
+                                </p:cTn>
+                              </p:par>
+                              <p:par>
+                                <p:cTn id="44" presetID="2" presetClass="entr" presetSubtype="4" fill="hold" nodeType="withEffect">
+                                  <p:stCondLst>
+                                    <p:cond delay="0"/>
+                                  </p:stCondLst>
+                                  <p:childTnLst>
+                                    <p:set>
+                                      <p:cBhvr>
+                                        <p:cTn id="45" dur="1" fill="hold">
+                                          <p:stCondLst>
+                                            <p:cond delay="0"/>
+                                          </p:stCondLst>
+                                        </p:cTn>
+                                        <p:tgtEl>
+                                          <p:spTgt spid="8"/>
+                                        </p:tgtEl>
+                                        <p:attrNameLst>
+                                          <p:attrName>style.visibility</p:attrName>
+                                        </p:attrNameLst>
+                                      </p:cBhvr>
+                                      <p:to>
+                                        <p:strVal val="visible"/>
+                                      </p:to>
+                                    </p:set>
+                                    <p:anim calcmode="lin" valueType="num">
+                                      <p:cBhvr additive="base">
+                                        <p:cTn id="46" dur="500" fill="hold"/>
+                                        <p:tgtEl>
+                                          <p:spTgt spid="8"/>
+                                        </p:tgtEl>
+                                        <p:attrNameLst>
+                                          <p:attrName>ppt_x</p:attrName>
+                                        </p:attrNameLst>
+                                      </p:cBhvr>
+                                      <p:tavLst>
+                                        <p:tav tm="0">
+                                          <p:val>
+                                            <p:strVal val="#ppt_x"/>
+                                          </p:val>
+                                        </p:tav>
+                                        <p:tav tm="100000">
+                                          <p:val>
+                                            <p:strVal val="#ppt_x"/>
+                                          </p:val>
+                                        </p:tav>
+                                      </p:tavLst>
+                                    </p:anim>
+                                    <p:anim calcmode="lin" valueType="num">
+                                      <p:cBhvr additive="base">
+                                        <p:cTn id="47" dur="500" fill="hold"/>
+                                        <p:tgtEl>
+                                          <p:spTgt spid="8"/>
+                                        </p:tgtEl>
+                                        <p:attrNameLst>
+                                          <p:attrName>ppt_y</p:attrName>
+                                        </p:attrNameLst>
+                                      </p:cBhvr>
+                                      <p:tavLst>
+                                        <p:tav tm="0">
+                                          <p:val>
+                                            <p:strVal val="1+#ppt_h/2"/>
+                                          </p:val>
+                                        </p:tav>
+                                        <p:tav tm="100000">
+                                          <p:val>
+                                            <p:strVal val="#ppt_y"/>
+                                          </p:val>
+                                        </p:tav>
+                                      </p:tavLst>
+                                    </p:anim>
+                                  </p:childTnLst>
+                                </p:cTn>
+                              </p:par>
+                              <p:par>
+                                <p:cTn id="48" presetID="2" presetClass="entr" presetSubtype="4" fill="hold" nodeType="withEffect">
+                                  <p:stCondLst>
+                                    <p:cond delay="0"/>
+                                  </p:stCondLst>
+                                  <p:childTnLst>
+                                    <p:set>
+                                      <p:cBhvr>
+                                        <p:cTn id="49" dur="1" fill="hold">
+                                          <p:stCondLst>
+                                            <p:cond delay="0"/>
+                                          </p:stCondLst>
+                                        </p:cTn>
+                                        <p:tgtEl>
+                                          <p:spTgt spid="7"/>
+                                        </p:tgtEl>
+                                        <p:attrNameLst>
+                                          <p:attrName>style.visibility</p:attrName>
+                                        </p:attrNameLst>
+                                      </p:cBhvr>
+                                      <p:to>
+                                        <p:strVal val="visible"/>
+                                      </p:to>
+                                    </p:set>
+                                    <p:anim calcmode="lin" valueType="num">
+                                      <p:cBhvr additive="base">
+                                        <p:cTn id="50" dur="500" fill="hold"/>
+                                        <p:tgtEl>
+                                          <p:spTgt spid="7"/>
+                                        </p:tgtEl>
+                                        <p:attrNameLst>
+                                          <p:attrName>ppt_x</p:attrName>
+                                        </p:attrNameLst>
+                                      </p:cBhvr>
+                                      <p:tavLst>
+                                        <p:tav tm="0">
+                                          <p:val>
+                                            <p:strVal val="#ppt_x"/>
+                                          </p:val>
+                                        </p:tav>
+                                        <p:tav tm="100000">
+                                          <p:val>
+                                            <p:strVal val="#ppt_x"/>
+                                          </p:val>
+                                        </p:tav>
+                                      </p:tavLst>
+                                    </p:anim>
+                                    <p:anim calcmode="lin" valueType="num">
+                                      <p:cBhvr additive="base">
+                                        <p:cTn id="51" dur="500" fill="hold"/>
+                                        <p:tgtEl>
+                                          <p:spTgt spid="7"/>
+                                        </p:tgtEl>
+                                        <p:attrNameLst>
+                                          <p:attrName>ppt_y</p:attrName>
+                                        </p:attrNameLst>
+                                      </p:cBhvr>
+                                      <p:tavLst>
+                                        <p:tav tm="0">
+                                          <p:val>
+                                            <p:strVal val="1+#ppt_h/2"/>
+                                          </p:val>
+                                        </p:tav>
+                                        <p:tav tm="100000">
+                                          <p:val>
+                                            <p:strVal val="#ppt_y"/>
+                                          </p:val>
+                                        </p:tav>
+                                      </p:tavLst>
+                                    </p:anim>
+                                  </p:childTnLst>
+                                </p:cTn>
+                              </p:par>
+                            </p:childTnLst>
+                          </p:cTn>
+                        </p:par>
+                      </p:childTnLst>
+                    </p:cTn>
+                  </p:par>
+                  <p:par>
+                    <p:cTn id="52" fill="hold">
+                      <p:stCondLst>
+                        <p:cond delay="indefinite"/>
+                      </p:stCondLst>
+                      <p:childTnLst>
+                        <p:par>
+                          <p:cTn id="53" fill="hold">
+                            <p:stCondLst>
+                              <p:cond delay="0"/>
+                            </p:stCondLst>
+                            <p:childTnLst>
+                              <p:par>
+                                <p:cTn id="54" presetID="2" presetClass="entr" presetSubtype="4" fill="hold" nodeType="clickEffect">
+                                  <p:stCondLst>
+                                    <p:cond delay="0"/>
+                                  </p:stCondLst>
+                                  <p:childTnLst>
+                                    <p:set>
+                                      <p:cBhvr>
+                                        <p:cTn id="55" dur="1" fill="hold">
+                                          <p:stCondLst>
+                                            <p:cond delay="0"/>
+                                          </p:stCondLst>
+                                        </p:cTn>
+                                        <p:tgtEl>
+                                          <p:spTgt spid="3">
+                                            <p:txEl>
+                                              <p:pRg st="6" end="6"/>
+                                            </p:txEl>
+                                          </p:spTgt>
+                                        </p:tgtEl>
+                                        <p:attrNameLst>
+                                          <p:attrName>style.visibility</p:attrName>
+                                        </p:attrNameLst>
+                                      </p:cBhvr>
+                                      <p:to>
+                                        <p:strVal val="visible"/>
+                                      </p:to>
+                                    </p:set>
+                                    <p:anim calcmode="lin" valueType="num">
+                                      <p:cBhvr additive="base">
+                                        <p:cTn id="56" dur="500" fill="hold"/>
+                                        <p:tgtEl>
+                                          <p:spTgt spid="3">
+                                            <p:txEl>
+                                              <p:pRg st="6" end="6"/>
+                                            </p:txEl>
+                                          </p:spTgt>
+                                        </p:tgtEl>
+                                        <p:attrNameLst>
+                                          <p:attrName>ppt_x</p:attrName>
+                                        </p:attrNameLst>
+                                      </p:cBhvr>
+                                      <p:tavLst>
+                                        <p:tav tm="0">
+                                          <p:val>
+                                            <p:strVal val="#ppt_x"/>
+                                          </p:val>
+                                        </p:tav>
+                                        <p:tav tm="100000">
+                                          <p:val>
+                                            <p:strVal val="#ppt_x"/>
+                                          </p:val>
+                                        </p:tav>
+                                      </p:tavLst>
+                                    </p:anim>
+                                    <p:anim calcmode="lin" valueType="num">
+                                      <p:cBhvr additive="base">
+                                        <p:cTn id="57" dur="500" fill="hold"/>
+                                        <p:tgtEl>
+                                          <p:spTgt spid="3">
+                                            <p:txEl>
+                                              <p:pRg st="6" end="6"/>
+                                            </p:txEl>
+                                          </p:spTgt>
+                                        </p:tgtEl>
+                                        <p:attrNameLst>
+                                          <p:attrName>ppt_y</p:attrName>
+                                        </p:attrNameLst>
+                                      </p:cBhvr>
+                                      <p:tavLst>
+                                        <p:tav tm="0">
+                                          <p:val>
+                                            <p:strVal val="1+#ppt_h/2"/>
+                                          </p:val>
+                                        </p:tav>
+                                        <p:tav tm="100000">
+                                          <p:val>
+                                            <p:strVal val="#ppt_y"/>
+                                          </p:val>
+                                        </p:tav>
+                                      </p:tavLst>
+                                    </p:anim>
+                                  </p:childTnLst>
+                                </p:cTn>
+                              </p:par>
+                            </p:childTnLst>
+                          </p:cTn>
+                        </p:par>
+                        <p:par>
+                          <p:cTn id="58" fill="hold">
+                            <p:stCondLst>
+                              <p:cond delay="500"/>
+                            </p:stCondLst>
+                            <p:childTnLst>
+                              <p:par>
+                                <p:cTn id="59" presetID="2" presetClass="entr" presetSubtype="4" fill="hold" nodeType="afterEffect">
+                                  <p:stCondLst>
+                                    <p:cond delay="0"/>
+                                  </p:stCondLst>
+                                  <p:childTnLst>
+                                    <p:set>
+                                      <p:cBhvr>
+                                        <p:cTn id="60" dur="1" fill="hold">
+                                          <p:stCondLst>
+                                            <p:cond delay="0"/>
+                                          </p:stCondLst>
+                                        </p:cTn>
+                                        <p:tgtEl>
+                                          <p:spTgt spid="14"/>
+                                        </p:tgtEl>
+                                        <p:attrNameLst>
+                                          <p:attrName>style.visibility</p:attrName>
+                                        </p:attrNameLst>
+                                      </p:cBhvr>
+                                      <p:to>
+                                        <p:strVal val="visible"/>
+                                      </p:to>
+                                    </p:set>
+                                    <p:anim calcmode="lin" valueType="num">
+                                      <p:cBhvr additive="base">
+                                        <p:cTn id="61" dur="500" fill="hold"/>
+                                        <p:tgtEl>
+                                          <p:spTgt spid="14"/>
+                                        </p:tgtEl>
+                                        <p:attrNameLst>
+                                          <p:attrName>ppt_x</p:attrName>
+                                        </p:attrNameLst>
+                                      </p:cBhvr>
+                                      <p:tavLst>
+                                        <p:tav tm="0">
+                                          <p:val>
+                                            <p:strVal val="#ppt_x"/>
+                                          </p:val>
+                                        </p:tav>
+                                        <p:tav tm="100000">
+                                          <p:val>
+                                            <p:strVal val="#ppt_x"/>
+                                          </p:val>
+                                        </p:tav>
+                                      </p:tavLst>
+                                    </p:anim>
+                                    <p:anim calcmode="lin" valueType="num">
+                                      <p:cBhvr additive="base">
+                                        <p:cTn id="62" dur="500" fill="hold"/>
+                                        <p:tgtEl>
+                                          <p:spTgt spid="14"/>
+                                        </p:tgtEl>
+                                        <p:attrNameLst>
+                                          <p:attrName>ppt_y</p:attrName>
+                                        </p:attrNameLst>
+                                      </p:cBhvr>
+                                      <p:tavLst>
+                                        <p:tav tm="0">
+                                          <p:val>
+                                            <p:strVal val="1+#ppt_h/2"/>
+                                          </p:val>
+                                        </p:tav>
+                                        <p:tav tm="100000">
+                                          <p:val>
+                                            <p:strVal val="#ppt_y"/>
+                                          </p:val>
+                                        </p:tav>
+                                      </p:tavLst>
+                                    </p:anim>
+                                  </p:childTnLst>
+                                </p:cTn>
+                              </p:par>
+                            </p:childTnLst>
+                          </p:cTn>
+                        </p:par>
+                        <p:par>
+                          <p:cTn id="63" fill="hold">
+                            <p:stCondLst>
+                              <p:cond delay="1000"/>
+                            </p:stCondLst>
+                            <p:childTnLst>
+                              <p:par>
+                                <p:cTn id="64" presetID="2" presetClass="entr" presetSubtype="4" fill="hold" nodeType="afterEffect">
+                                  <p:stCondLst>
+                                    <p:cond delay="0"/>
+                                  </p:stCondLst>
+                                  <p:childTnLst>
+                                    <p:set>
+                                      <p:cBhvr>
+                                        <p:cTn id="65" dur="1" fill="hold">
+                                          <p:stCondLst>
+                                            <p:cond delay="0"/>
+                                          </p:stCondLst>
+                                        </p:cTn>
+                                        <p:tgtEl>
+                                          <p:spTgt spid="17"/>
+                                        </p:tgtEl>
+                                        <p:attrNameLst>
+                                          <p:attrName>style.visibility</p:attrName>
+                                        </p:attrNameLst>
+                                      </p:cBhvr>
+                                      <p:to>
+                                        <p:strVal val="visible"/>
+                                      </p:to>
+                                    </p:set>
+                                    <p:anim calcmode="lin" valueType="num">
+                                      <p:cBhvr additive="base">
+                                        <p:cTn id="66" dur="500" fill="hold"/>
+                                        <p:tgtEl>
+                                          <p:spTgt spid="17"/>
+                                        </p:tgtEl>
+                                        <p:attrNameLst>
+                                          <p:attrName>ppt_x</p:attrName>
+                                        </p:attrNameLst>
+                                      </p:cBhvr>
+                                      <p:tavLst>
+                                        <p:tav tm="0">
+                                          <p:val>
+                                            <p:strVal val="#ppt_x"/>
+                                          </p:val>
+                                        </p:tav>
+                                        <p:tav tm="100000">
+                                          <p:val>
+                                            <p:strVal val="#ppt_x"/>
+                                          </p:val>
+                                        </p:tav>
+                                      </p:tavLst>
+                                    </p:anim>
+                                    <p:anim calcmode="lin" valueType="num">
+                                      <p:cBhvr additive="base">
+                                        <p:cTn id="67" dur="500" fill="hold"/>
+                                        <p:tgtEl>
+                                          <p:spTgt spid="17"/>
+                                        </p:tgtEl>
+                                        <p:attrNameLst>
+                                          <p:attrName>ppt_y</p:attrName>
+                                        </p:attrNameLst>
+                                      </p:cBhvr>
+                                      <p:tavLst>
+                                        <p:tav tm="0">
+                                          <p:val>
+                                            <p:strVal val="1+#ppt_h/2"/>
+                                          </p:val>
+                                        </p:tav>
+                                        <p:tav tm="100000">
+                                          <p:val>
+                                            <p:strVal val="#ppt_y"/>
+                                          </p:val>
+                                        </p:tav>
+                                      </p:tavLst>
+                                    </p:anim>
+                                  </p:childTnLst>
+                                </p:cTn>
+                              </p:par>
+                            </p:childTnLst>
+                          </p:cTn>
+                        </p:par>
+                      </p:childTnLst>
+                    </p:cTn>
+                  </p:par>
+                </p:childTnLst>
+              </p:cTn>
+              <p:prevCondLst>
+                <p:cond evt="onPrev" delay="0">
+                  <p:tgtEl>
+                    <p:sldTgt/>
+                  </p:tgtEl>
+                </p:cond>
+              </p:prevCondLst>
+              <p:nextCondLst>
+                <p:cond evt="onNext" delay="0">
+                  <p:tgtEl>
+                    <p:sldTgt/>
+                  </p:tgtEl>
+                </p:cond>
+              </p:nextCondLst>
+            </p:seq>
+          </p:childTnLst>
+        </p:cTn>
+      </p:par>
+    </p:tnLst>
+  </p:timing>
 </p:sld>
 </file>
 
 <file path=ppt/slides/slide15.xml><?xml version="1.0" encoding="utf-8"?>
 <p:sld xmlns:a="http://schemas.openxmlformats.org/drawingml/2006/main" xmlns:r="http://schemas.openxmlformats.org/officeDocument/2006/relationships" xmlns:p="http://schemas.openxmlformats.org/presentationml/2006/main">
   <p:cSld>
+    <p:bg>
+      <p:bgPr>
+        <a:solidFill>
+          <a:schemeClr val="bg1"/>
+        </a:solidFill>
+        <a:effectLst/>
+      </p:bgPr>
+    </p:bg>
     <p:spTree>
       <p:nvGrpSpPr>
         <p:cNvPr id="1" name=""/>
@@ -13941,6 +15741,389 @@
           <a:chExt cx="0" cy="0"/>
         </a:xfrm>
       </p:grpSpPr>
+      <p:pic>
+        <p:nvPicPr>
+          <p:cNvPr id="12" name="Picture 11">
+            <a:extLst>
+              <a:ext uri="{FF2B5EF4-FFF2-40B4-BE49-F238E27FC236}">
+                <a16:creationId xmlns:a16="http://schemas.microsoft.com/office/drawing/2014/main" id="{41B68C77-138E-4BF7-A276-BD0C78A4219F}"/>
+              </a:ext>
+              <a:ext uri="{C183D7F6-B498-43B3-948B-1728B52AA6E4}">
+                <adec:decorative xmlns:adec="http://schemas.microsoft.com/office/drawing/2017/decorative" val="1"/>
+              </a:ext>
+            </a:extLst>
+          </p:cNvPr>
+          <p:cNvPicPr>
+            <a:picLocks noGrp="1" noRot="1" noChangeAspect="1" noMove="1" noResize="1" noEditPoints="1" noAdjustHandles="1" noChangeArrowheads="1" noChangeShapeType="1" noCrop="1"/>
+          </p:cNvPicPr>
+          <p:nvPr>
+            <p:extLst>
+              <p:ext uri="{386F3935-93C4-4BCD-93E2-E3B085C9AB24}">
+                <p16:designElem xmlns:p16="http://schemas.microsoft.com/office/powerpoint/2015/main" val="1"/>
+              </p:ext>
+            </p:extLst>
+          </p:nvPr>
+        </p:nvPicPr>
+        <p:blipFill rotWithShape="1">
+          <a:blip r:embed="rId2">
+            <a:extLst>
+              <a:ext uri="{28A0092B-C50C-407E-A947-70E740481C1C}">
+                <a14:useLocalDpi xmlns:a14="http://schemas.microsoft.com/office/drawing/2010/main" val="0"/>
+              </a:ext>
+            </a:extLst>
+          </a:blip>
+          <a:srcRect l="3613"/>
+          <a:stretch/>
+        </p:blipFill>
+        <p:spPr>
+          <a:xfrm>
+            <a:off x="0" y="2669685"/>
+            <a:ext cx="4037012" cy="4188315"/>
+          </a:xfrm>
+          <a:prstGeom prst="rect">
+            <a:avLst/>
+          </a:prstGeom>
+        </p:spPr>
+      </p:pic>
+      <p:pic>
+        <p:nvPicPr>
+          <p:cNvPr id="14" name="Picture 13">
+            <a:extLst>
+              <a:ext uri="{FF2B5EF4-FFF2-40B4-BE49-F238E27FC236}">
+                <a16:creationId xmlns:a16="http://schemas.microsoft.com/office/drawing/2014/main" id="{7C268552-D473-46ED-B1B8-422042C4DEF1}"/>
+              </a:ext>
+              <a:ext uri="{C183D7F6-B498-43B3-948B-1728B52AA6E4}">
+                <adec:decorative xmlns:adec="http://schemas.microsoft.com/office/drawing/2017/decorative" val="1"/>
+              </a:ext>
+            </a:extLst>
+          </p:cNvPr>
+          <p:cNvPicPr>
+            <a:picLocks noGrp="1" noRot="1" noChangeAspect="1" noMove="1" noResize="1" noEditPoints="1" noAdjustHandles="1" noChangeArrowheads="1" noChangeShapeType="1" noCrop="1"/>
+          </p:cNvPicPr>
+          <p:nvPr>
+            <p:extLst>
+              <p:ext uri="{386F3935-93C4-4BCD-93E2-E3B085C9AB24}">
+                <p16:designElem xmlns:p16="http://schemas.microsoft.com/office/powerpoint/2015/main" val="1"/>
+              </p:ext>
+            </p:extLst>
+          </p:nvPr>
+        </p:nvPicPr>
+        <p:blipFill rotWithShape="1">
+          <a:blip r:embed="rId3">
+            <a:extLst>
+              <a:ext uri="{28A0092B-C50C-407E-A947-70E740481C1C}">
+                <a14:useLocalDpi xmlns:a14="http://schemas.microsoft.com/office/drawing/2010/main" val="0"/>
+              </a:ext>
+            </a:extLst>
+          </a:blip>
+          <a:srcRect l="35640"/>
+          <a:stretch/>
+        </p:blipFill>
+        <p:spPr>
+          <a:xfrm>
+            <a:off x="0" y="2892347"/>
+            <a:ext cx="1522412" cy="2365453"/>
+          </a:xfrm>
+          <a:prstGeom prst="rect">
+            <a:avLst/>
+          </a:prstGeom>
+        </p:spPr>
+      </p:pic>
+      <p:sp>
+        <p:nvSpPr>
+          <p:cNvPr id="16" name="Oval 15">
+            <a:extLst>
+              <a:ext uri="{FF2B5EF4-FFF2-40B4-BE49-F238E27FC236}">
+                <a16:creationId xmlns:a16="http://schemas.microsoft.com/office/drawing/2014/main" id="{4AC0CD9D-7610-4620-93B4-798CCD9AB581}"/>
+              </a:ext>
+              <a:ext uri="{C183D7F6-B498-43B3-948B-1728B52AA6E4}">
+                <adec:decorative xmlns:adec="http://schemas.microsoft.com/office/drawing/2017/decorative" val="1"/>
+              </a:ext>
+            </a:extLst>
+          </p:cNvPr>
+          <p:cNvSpPr>
+            <a:spLocks noGrp="1" noRot="1" noChangeAspect="1" noMove="1" noResize="1" noEditPoints="1" noAdjustHandles="1" noChangeArrowheads="1" noChangeShapeType="1" noTextEdit="1"/>
+          </p:cNvSpPr>
+          <p:nvPr>
+            <p:extLst>
+              <p:ext uri="{386F3935-93C4-4BCD-93E2-E3B085C9AB24}">
+                <p16:designElem xmlns:p16="http://schemas.microsoft.com/office/powerpoint/2015/main" val="1"/>
+              </p:ext>
+            </p:extLst>
+          </p:nvPr>
+        </p:nvSpPr>
+        <p:spPr>
+          <a:xfrm>
+            <a:off x="8609012" y="1676400"/>
+            <a:ext cx="2819400" cy="2819400"/>
+          </a:xfrm>
+          <a:prstGeom prst="ellipse">
+            <a:avLst/>
+          </a:prstGeom>
+          <a:gradFill flip="none" rotWithShape="1">
+            <a:gsLst>
+              <a:gs pos="0">
+                <a:schemeClr val="bg2">
+                  <a:lumMod val="60000"/>
+                  <a:lumOff val="40000"/>
+                  <a:alpha val="7000"/>
+                </a:schemeClr>
+              </a:gs>
+              <a:gs pos="69000">
+                <a:schemeClr val="bg2">
+                  <a:lumMod val="60000"/>
+                  <a:lumOff val="40000"/>
+                  <a:alpha val="0"/>
+                </a:schemeClr>
+              </a:gs>
+              <a:gs pos="36000">
+                <a:schemeClr val="bg2">
+                  <a:lumMod val="60000"/>
+                  <a:lumOff val="40000"/>
+                  <a:alpha val="6000"/>
+                </a:schemeClr>
+              </a:gs>
+            </a:gsLst>
+            <a:path path="circle">
+              <a:fillToRect l="50000" t="50000" r="50000" b="50000"/>
+            </a:path>
+            <a:tileRect/>
+          </a:gradFill>
+          <a:ln>
+            <a:noFill/>
+          </a:ln>
+          <a:effectLst/>
+        </p:spPr>
+        <p:style>
+          <a:lnRef idx="1">
+            <a:schemeClr val="accent1"/>
+          </a:lnRef>
+          <a:fillRef idx="3">
+            <a:schemeClr val="accent1"/>
+          </a:fillRef>
+          <a:effectRef idx="2">
+            <a:schemeClr val="accent1"/>
+          </a:effectRef>
+          <a:fontRef idx="minor">
+            <a:schemeClr val="lt1"/>
+          </a:fontRef>
+        </p:style>
+        <p:txBody>
+          <a:bodyPr/>
+          <a:lstStyle/>
+          <a:p>
+            <a:endParaRPr lang="zh-CN" altLang="en-US"/>
+          </a:p>
+        </p:txBody>
+      </p:sp>
+      <p:pic>
+        <p:nvPicPr>
+          <p:cNvPr id="18" name="Picture 17">
+            <a:extLst>
+              <a:ext uri="{FF2B5EF4-FFF2-40B4-BE49-F238E27FC236}">
+                <a16:creationId xmlns:a16="http://schemas.microsoft.com/office/drawing/2014/main" id="{B9238B3E-24AA-439A-B527-6C5DF6D72145}"/>
+              </a:ext>
+              <a:ext uri="{C183D7F6-B498-43B3-948B-1728B52AA6E4}">
+                <adec:decorative xmlns:adec="http://schemas.microsoft.com/office/drawing/2017/decorative" val="1"/>
+              </a:ext>
+            </a:extLst>
+          </p:cNvPr>
+          <p:cNvPicPr>
+            <a:picLocks noGrp="1" noRot="1" noChangeAspect="1" noMove="1" noResize="1" noEditPoints="1" noAdjustHandles="1" noChangeArrowheads="1" noChangeShapeType="1" noCrop="1"/>
+          </p:cNvPicPr>
+          <p:nvPr>
+            <p:extLst>
+              <p:ext uri="{386F3935-93C4-4BCD-93E2-E3B085C9AB24}">
+                <p16:designElem xmlns:p16="http://schemas.microsoft.com/office/powerpoint/2015/main" val="1"/>
+              </p:ext>
+            </p:extLst>
+          </p:nvPr>
+        </p:nvPicPr>
+        <p:blipFill rotWithShape="1">
+          <a:blip r:embed="rId4">
+            <a:extLst>
+              <a:ext uri="{28A0092B-C50C-407E-A947-70E740481C1C}">
+                <a14:useLocalDpi xmlns:a14="http://schemas.microsoft.com/office/drawing/2010/main" val="0"/>
+              </a:ext>
+            </a:extLst>
+          </a:blip>
+          <a:srcRect t="28813"/>
+          <a:stretch/>
+        </p:blipFill>
+        <p:spPr>
+          <a:xfrm>
+            <a:off x="7999412" y="0"/>
+            <a:ext cx="1603387" cy="1141407"/>
+          </a:xfrm>
+          <a:prstGeom prst="rect">
+            <a:avLst/>
+          </a:prstGeom>
+        </p:spPr>
+      </p:pic>
+      <p:pic>
+        <p:nvPicPr>
+          <p:cNvPr id="20" name="Picture 19">
+            <a:extLst>
+              <a:ext uri="{FF2B5EF4-FFF2-40B4-BE49-F238E27FC236}">
+                <a16:creationId xmlns:a16="http://schemas.microsoft.com/office/drawing/2014/main" id="{69F01145-BEA3-4CBF-AA21-10077B948CA8}"/>
+              </a:ext>
+              <a:ext uri="{C183D7F6-B498-43B3-948B-1728B52AA6E4}">
+                <adec:decorative xmlns:adec="http://schemas.microsoft.com/office/drawing/2017/decorative" val="1"/>
+              </a:ext>
+            </a:extLst>
+          </p:cNvPr>
+          <p:cNvPicPr>
+            <a:picLocks noGrp="1" noRot="1" noChangeAspect="1" noMove="1" noResize="1" noEditPoints="1" noAdjustHandles="1" noChangeArrowheads="1" noChangeShapeType="1" noCrop="1"/>
+          </p:cNvPicPr>
+          <p:nvPr>
+            <p:extLst>
+              <p:ext uri="{386F3935-93C4-4BCD-93E2-E3B085C9AB24}">
+                <p16:designElem xmlns:p16="http://schemas.microsoft.com/office/powerpoint/2015/main" val="1"/>
+              </p:ext>
+            </p:extLst>
+          </p:nvPr>
+        </p:nvPicPr>
+        <p:blipFill rotWithShape="1">
+          <a:blip r:embed="rId5">
+            <a:extLst>
+              <a:ext uri="{28A0092B-C50C-407E-A947-70E740481C1C}">
+                <a14:useLocalDpi xmlns:a14="http://schemas.microsoft.com/office/drawing/2010/main" val="0"/>
+              </a:ext>
+            </a:extLst>
+          </a:blip>
+          <a:srcRect b="23320"/>
+          <a:stretch/>
+        </p:blipFill>
+        <p:spPr>
+          <a:xfrm>
+            <a:off x="8605878" y="6096000"/>
+            <a:ext cx="993734" cy="762000"/>
+          </a:xfrm>
+          <a:prstGeom prst="rect">
+            <a:avLst/>
+          </a:prstGeom>
+        </p:spPr>
+      </p:pic>
+      <p:sp>
+        <p:nvSpPr>
+          <p:cNvPr id="22" name="Rectangle 21">
+            <a:extLst>
+              <a:ext uri="{FF2B5EF4-FFF2-40B4-BE49-F238E27FC236}">
+                <a16:creationId xmlns:a16="http://schemas.microsoft.com/office/drawing/2014/main" id="{DE4D62F9-188E-4530-84C2-24BDEE4BEB82}"/>
+              </a:ext>
+              <a:ext uri="{C183D7F6-B498-43B3-948B-1728B52AA6E4}">
+                <adec:decorative xmlns:adec="http://schemas.microsoft.com/office/drawing/2017/decorative" val="1"/>
+              </a:ext>
+            </a:extLst>
+          </p:cNvPr>
+          <p:cNvSpPr>
+            <a:spLocks noGrp="1" noRot="1" noChangeAspect="1" noMove="1" noResize="1" noEditPoints="1" noAdjustHandles="1" noChangeArrowheads="1" noChangeShapeType="1" noTextEdit="1"/>
+          </p:cNvSpPr>
+          <p:nvPr>
+            <p:extLst>
+              <p:ext uri="{386F3935-93C4-4BCD-93E2-E3B085C9AB24}">
+                <p16:designElem xmlns:p16="http://schemas.microsoft.com/office/powerpoint/2015/main" val="1"/>
+              </p:ext>
+            </p:extLst>
+          </p:nvPr>
+        </p:nvSpPr>
+        <p:spPr>
+          <a:xfrm>
+            <a:off x="10437812" y="0"/>
+            <a:ext cx="685800" cy="1143000"/>
+          </a:xfrm>
+          <a:prstGeom prst="rect">
+            <a:avLst/>
+          </a:prstGeom>
+          <a:solidFill>
+            <a:schemeClr val="accent1"/>
+          </a:solidFill>
+          <a:ln>
+            <a:noFill/>
+          </a:ln>
+        </p:spPr>
+        <p:style>
+          <a:lnRef idx="1">
+            <a:schemeClr val="accent1"/>
+          </a:lnRef>
+          <a:fillRef idx="3">
+            <a:schemeClr val="accent1"/>
+          </a:fillRef>
+          <a:effectRef idx="2">
+            <a:schemeClr val="accent1"/>
+          </a:effectRef>
+          <a:fontRef idx="minor">
+            <a:schemeClr val="lt1"/>
+          </a:fontRef>
+        </p:style>
+        <p:txBody>
+          <a:bodyPr/>
+          <a:lstStyle/>
+          <a:p>
+            <a:endParaRPr lang="zh-CN" altLang="en-US"/>
+          </a:p>
+        </p:txBody>
+      </p:sp>
+      <p:sp>
+        <p:nvSpPr>
+          <p:cNvPr id="24" name="Rectangle 23">
+            <a:extLst>
+              <a:ext uri="{FF2B5EF4-FFF2-40B4-BE49-F238E27FC236}">
+                <a16:creationId xmlns:a16="http://schemas.microsoft.com/office/drawing/2014/main" id="{757B325C-3E35-45CF-9D07-3BCB281F3B9C}"/>
+              </a:ext>
+              <a:ext uri="{C183D7F6-B498-43B3-948B-1728B52AA6E4}">
+                <adec:decorative xmlns:adec="http://schemas.microsoft.com/office/drawing/2017/decorative" val="1"/>
+              </a:ext>
+            </a:extLst>
+          </p:cNvPr>
+          <p:cNvSpPr>
+            <a:spLocks noGrp="1" noRot="1" noChangeAspect="1" noMove="1" noResize="1" noEditPoints="1" noAdjustHandles="1" noChangeArrowheads="1" noChangeShapeType="1" noTextEdit="1"/>
+          </p:cNvSpPr>
+          <p:nvPr>
+            <p:extLst>
+              <p:ext uri="{386F3935-93C4-4BCD-93E2-E3B085C9AB24}">
+                <p16:designElem xmlns:p16="http://schemas.microsoft.com/office/powerpoint/2015/main" val="1"/>
+              </p:ext>
+            </p:extLst>
+          </p:nvPr>
+        </p:nvSpPr>
+        <p:spPr>
+          <a:xfrm>
+            <a:off x="0" y="0"/>
+            <a:ext cx="12192000" cy="6858000"/>
+          </a:xfrm>
+          <a:prstGeom prst="rect">
+            <a:avLst/>
+          </a:prstGeom>
+          <a:ln>
+            <a:noFill/>
+          </a:ln>
+        </p:spPr>
+        <p:style>
+          <a:lnRef idx="2">
+            <a:schemeClr val="accent1">
+              <a:shade val="50000"/>
+            </a:schemeClr>
+          </a:lnRef>
+          <a:fillRef idx="1003">
+            <a:schemeClr val="dk2"/>
+          </a:fillRef>
+          <a:effectRef idx="0">
+            <a:schemeClr val="accent1"/>
+          </a:effectRef>
+          <a:fontRef idx="minor">
+            <a:schemeClr val="lt1"/>
+          </a:fontRef>
+        </p:style>
+        <p:txBody>
+          <a:bodyPr rtlCol="0" anchor="ctr"/>
+          <a:lstStyle/>
+          <a:p>
+            <a:pPr algn="ctr"/>
+            <a:endParaRPr lang="en-US"/>
+          </a:p>
+        </p:txBody>
+      </p:sp>
       <p:sp>
         <p:nvSpPr>
           <p:cNvPr id="2" name="标题 1">
@@ -13959,8 +16142,8 @@
         </p:nvSpPr>
         <p:spPr>
           <a:xfrm>
-            <a:off x="8211066" y="1241567"/>
-            <a:ext cx="3344020" cy="1500040"/>
+            <a:off x="8191925" y="1325880"/>
+            <a:ext cx="3352375" cy="3066507"/>
           </a:xfrm>
         </p:spPr>
         <p:txBody>
@@ -13983,12 +16166,913 @@
           </a:p>
         </p:txBody>
       </p:sp>
+      <p:sp>
+        <p:nvSpPr>
+          <p:cNvPr id="26" name="Freeform 36">
+            <a:extLst>
+              <a:ext uri="{FF2B5EF4-FFF2-40B4-BE49-F238E27FC236}">
+                <a16:creationId xmlns:a16="http://schemas.microsoft.com/office/drawing/2014/main" id="{C24BEC42-AFF3-40D1-93A2-A27A42E1E23C}"/>
+              </a:ext>
+              <a:ext uri="{C183D7F6-B498-43B3-948B-1728B52AA6E4}">
+                <adec:decorative xmlns:adec="http://schemas.microsoft.com/office/drawing/2017/decorative" val="1"/>
+              </a:ext>
+            </a:extLst>
+          </p:cNvPr>
+          <p:cNvSpPr>
+            <a:spLocks noGrp="1" noRot="1" noChangeAspect="1" noMove="1" noResize="1" noEditPoints="1" noAdjustHandles="1" noChangeArrowheads="1" noChangeShapeType="1" noTextEdit="1"/>
+          </p:cNvSpPr>
+          <p:nvPr>
+            <p:extLst>
+              <p:ext uri="{386F3935-93C4-4BCD-93E2-E3B085C9AB24}">
+                <p16:designElem xmlns:p16="http://schemas.microsoft.com/office/powerpoint/2015/main" val="1"/>
+              </p:ext>
+            </p:extLst>
+          </p:nvPr>
+        </p:nvSpPr>
+        <p:spPr>
+          <a:xfrm flipH="1">
+            <a:off x="7463681" y="-1"/>
+            <a:ext cx="559472" cy="3709642"/>
+          </a:xfrm>
+          <a:custGeom>
+            <a:avLst/>
+            <a:gdLst>
+              <a:gd name="connsiteX0" fmla="*/ 0 w 559472"/>
+              <a:gd name="connsiteY0" fmla="*/ 0 h 3709642"/>
+              <a:gd name="connsiteX1" fmla="*/ 473952 w 559472"/>
+              <a:gd name="connsiteY1" fmla="*/ 0 h 3709642"/>
+              <a:gd name="connsiteX2" fmla="*/ 485840 w 559472"/>
+              <a:gd name="connsiteY2" fmla="*/ 161194 h 3709642"/>
+              <a:gd name="connsiteX3" fmla="*/ 523949 w 559472"/>
+              <a:gd name="connsiteY3" fmla="*/ 3672197 h 3709642"/>
+              <a:gd name="connsiteX4" fmla="*/ 454748 w 559472"/>
+              <a:gd name="connsiteY4" fmla="*/ 3709642 h 3709642"/>
+              <a:gd name="connsiteX5" fmla="*/ 448224 w 559472"/>
+              <a:gd name="connsiteY5" fmla="*/ 3510471 h 3709642"/>
+              <a:gd name="connsiteX6" fmla="*/ 443564 w 559472"/>
+              <a:gd name="connsiteY6" fmla="*/ 3408563 h 3709642"/>
+              <a:gd name="connsiteX7" fmla="*/ 438902 w 559472"/>
+              <a:gd name="connsiteY7" fmla="*/ 3304407 h 3709642"/>
+              <a:gd name="connsiteX8" fmla="*/ 433941 w 559472"/>
+              <a:gd name="connsiteY8" fmla="*/ 3198777 h 3709642"/>
+              <a:gd name="connsiteX9" fmla="*/ 427584 w 559472"/>
+              <a:gd name="connsiteY9" fmla="*/ 3092510 h 3709642"/>
+              <a:gd name="connsiteX10" fmla="*/ 420988 w 559472"/>
+              <a:gd name="connsiteY10" fmla="*/ 2984390 h 3709642"/>
+              <a:gd name="connsiteX11" fmla="*/ 414330 w 559472"/>
+              <a:gd name="connsiteY11" fmla="*/ 2874401 h 3709642"/>
+              <a:gd name="connsiteX12" fmla="*/ 406840 w 559472"/>
+              <a:gd name="connsiteY12" fmla="*/ 2762980 h 3709642"/>
+              <a:gd name="connsiteX13" fmla="*/ 397745 w 559472"/>
+              <a:gd name="connsiteY13" fmla="*/ 2650566 h 3709642"/>
+              <a:gd name="connsiteX14" fmla="*/ 389154 w 559472"/>
+              <a:gd name="connsiteY14" fmla="*/ 2536612 h 3709642"/>
+              <a:gd name="connsiteX15" fmla="*/ 379225 w 559472"/>
+              <a:gd name="connsiteY15" fmla="*/ 2421642 h 3709642"/>
+              <a:gd name="connsiteX16" fmla="*/ 368316 w 559472"/>
+              <a:gd name="connsiteY16" fmla="*/ 2305627 h 3709642"/>
+              <a:gd name="connsiteX17" fmla="*/ 357466 w 559472"/>
+              <a:gd name="connsiteY17" fmla="*/ 2189233 h 3709642"/>
+              <a:gd name="connsiteX18" fmla="*/ 344982 w 559472"/>
+              <a:gd name="connsiteY18" fmla="*/ 2071473 h 3709642"/>
+              <a:gd name="connsiteX19" fmla="*/ 332466 w 559472"/>
+              <a:gd name="connsiteY19" fmla="*/ 1952216 h 3709642"/>
+              <a:gd name="connsiteX20" fmla="*/ 319121 w 559472"/>
+              <a:gd name="connsiteY20" fmla="*/ 1833776 h 3709642"/>
+              <a:gd name="connsiteX21" fmla="*/ 304408 w 559472"/>
+              <a:gd name="connsiteY21" fmla="*/ 1713948 h 3709642"/>
+              <a:gd name="connsiteX22" fmla="*/ 288685 w 559472"/>
+              <a:gd name="connsiteY22" fmla="*/ 1592703 h 3709642"/>
+              <a:gd name="connsiteX23" fmla="*/ 273050 w 559472"/>
+              <a:gd name="connsiteY23" fmla="*/ 1471451 h 3709642"/>
+              <a:gd name="connsiteX24" fmla="*/ 255813 w 559472"/>
+              <a:gd name="connsiteY24" fmla="*/ 1350328 h 3709642"/>
+              <a:gd name="connsiteX25" fmla="*/ 237060 w 559472"/>
+              <a:gd name="connsiteY25" fmla="*/ 1227080 h 3709642"/>
+              <a:gd name="connsiteX26" fmla="*/ 218488 w 559472"/>
+              <a:gd name="connsiteY26" fmla="*/ 1106065 h 3709642"/>
+              <a:gd name="connsiteX27" fmla="*/ 198221 w 559472"/>
+              <a:gd name="connsiteY27" fmla="*/ 982940 h 3709642"/>
+              <a:gd name="connsiteX28" fmla="*/ 177152 w 559472"/>
+              <a:gd name="connsiteY28" fmla="*/ 858755 h 3709642"/>
+              <a:gd name="connsiteX29" fmla="*/ 155551 w 559472"/>
+              <a:gd name="connsiteY29" fmla="*/ 736861 h 3709642"/>
+              <a:gd name="connsiteX30" fmla="*/ 131782 w 559472"/>
+              <a:gd name="connsiteY30" fmla="*/ 613645 h 3709642"/>
+              <a:gd name="connsiteX31" fmla="*/ 107123 w 559472"/>
+              <a:gd name="connsiteY31" fmla="*/ 490500 h 3709642"/>
+              <a:gd name="connsiteX32" fmla="*/ 82552 w 559472"/>
+              <a:gd name="connsiteY32" fmla="*/ 367348 h 3709642"/>
+              <a:gd name="connsiteX33" fmla="*/ 55608 w 559472"/>
+              <a:gd name="connsiteY33" fmla="*/ 244762 h 3709642"/>
+              <a:gd name="connsiteX34" fmla="*/ 28130 w 559472"/>
+              <a:gd name="connsiteY34" fmla="*/ 122220 h 3709642"/>
+              <a:gd name="connsiteX35" fmla="*/ 0 w 559472"/>
+              <a:gd name="connsiteY35" fmla="*/ 0 h 3709642"/>
+            </a:gdLst>
+            <a:ahLst/>
+            <a:cxnLst>
+              <a:cxn ang="0">
+                <a:pos x="connsiteX0" y="connsiteY0"/>
+              </a:cxn>
+              <a:cxn ang="0">
+                <a:pos x="connsiteX1" y="connsiteY1"/>
+              </a:cxn>
+              <a:cxn ang="0">
+                <a:pos x="connsiteX2" y="connsiteY2"/>
+              </a:cxn>
+              <a:cxn ang="0">
+                <a:pos x="connsiteX3" y="connsiteY3"/>
+              </a:cxn>
+              <a:cxn ang="0">
+                <a:pos x="connsiteX4" y="connsiteY4"/>
+              </a:cxn>
+              <a:cxn ang="0">
+                <a:pos x="connsiteX5" y="connsiteY5"/>
+              </a:cxn>
+              <a:cxn ang="0">
+                <a:pos x="connsiteX6" y="connsiteY6"/>
+              </a:cxn>
+              <a:cxn ang="0">
+                <a:pos x="connsiteX7" y="connsiteY7"/>
+              </a:cxn>
+              <a:cxn ang="0">
+                <a:pos x="connsiteX8" y="connsiteY8"/>
+              </a:cxn>
+              <a:cxn ang="0">
+                <a:pos x="connsiteX9" y="connsiteY9"/>
+              </a:cxn>
+              <a:cxn ang="0">
+                <a:pos x="connsiteX10" y="connsiteY10"/>
+              </a:cxn>
+              <a:cxn ang="0">
+                <a:pos x="connsiteX11" y="connsiteY11"/>
+              </a:cxn>
+              <a:cxn ang="0">
+                <a:pos x="connsiteX12" y="connsiteY12"/>
+              </a:cxn>
+              <a:cxn ang="0">
+                <a:pos x="connsiteX13" y="connsiteY13"/>
+              </a:cxn>
+              <a:cxn ang="0">
+                <a:pos x="connsiteX14" y="connsiteY14"/>
+              </a:cxn>
+              <a:cxn ang="0">
+                <a:pos x="connsiteX15" y="connsiteY15"/>
+              </a:cxn>
+              <a:cxn ang="0">
+                <a:pos x="connsiteX16" y="connsiteY16"/>
+              </a:cxn>
+              <a:cxn ang="0">
+                <a:pos x="connsiteX17" y="connsiteY17"/>
+              </a:cxn>
+              <a:cxn ang="0">
+                <a:pos x="connsiteX18" y="connsiteY18"/>
+              </a:cxn>
+              <a:cxn ang="0">
+                <a:pos x="connsiteX19" y="connsiteY19"/>
+              </a:cxn>
+              <a:cxn ang="0">
+                <a:pos x="connsiteX20" y="connsiteY20"/>
+              </a:cxn>
+              <a:cxn ang="0">
+                <a:pos x="connsiteX21" y="connsiteY21"/>
+              </a:cxn>
+              <a:cxn ang="0">
+                <a:pos x="connsiteX22" y="connsiteY22"/>
+              </a:cxn>
+              <a:cxn ang="0">
+                <a:pos x="connsiteX23" y="connsiteY23"/>
+              </a:cxn>
+              <a:cxn ang="0">
+                <a:pos x="connsiteX24" y="connsiteY24"/>
+              </a:cxn>
+              <a:cxn ang="0">
+                <a:pos x="connsiteX25" y="connsiteY25"/>
+              </a:cxn>
+              <a:cxn ang="0">
+                <a:pos x="connsiteX26" y="connsiteY26"/>
+              </a:cxn>
+              <a:cxn ang="0">
+                <a:pos x="connsiteX27" y="connsiteY27"/>
+              </a:cxn>
+              <a:cxn ang="0">
+                <a:pos x="connsiteX28" y="connsiteY28"/>
+              </a:cxn>
+              <a:cxn ang="0">
+                <a:pos x="connsiteX29" y="connsiteY29"/>
+              </a:cxn>
+              <a:cxn ang="0">
+                <a:pos x="connsiteX30" y="connsiteY30"/>
+              </a:cxn>
+              <a:cxn ang="0">
+                <a:pos x="connsiteX31" y="connsiteY31"/>
+              </a:cxn>
+              <a:cxn ang="0">
+                <a:pos x="connsiteX32" y="connsiteY32"/>
+              </a:cxn>
+              <a:cxn ang="0">
+                <a:pos x="connsiteX33" y="connsiteY33"/>
+              </a:cxn>
+              <a:cxn ang="0">
+                <a:pos x="connsiteX34" y="connsiteY34"/>
+              </a:cxn>
+              <a:cxn ang="0">
+                <a:pos x="connsiteX35" y="connsiteY35"/>
+              </a:cxn>
+            </a:cxnLst>
+            <a:rect l="l" t="t" r="r" b="b"/>
+            <a:pathLst>
+              <a:path w="559472" h="3709642">
+                <a:moveTo>
+                  <a:pt x="0" y="0"/>
+                </a:moveTo>
+                <a:lnTo>
+                  <a:pt x="473952" y="0"/>
+                </a:lnTo>
+                <a:lnTo>
+                  <a:pt x="485840" y="161194"/>
+                </a:lnTo>
+                <a:cubicBezTo>
+                  <a:pt x="552063" y="1147770"/>
+                  <a:pt x="592441" y="3086737"/>
+                  <a:pt x="523949" y="3672197"/>
+                </a:cubicBezTo>
+                <a:cubicBezTo>
+                  <a:pt x="500842" y="3684557"/>
+                  <a:pt x="477855" y="3697282"/>
+                  <a:pt x="454748" y="3709642"/>
+                </a:cubicBezTo>
+                <a:lnTo>
+                  <a:pt x="448224" y="3510471"/>
+                </a:lnTo>
+                <a:lnTo>
+                  <a:pt x="443564" y="3408563"/>
+                </a:lnTo>
+                <a:lnTo>
+                  <a:pt x="438902" y="3304407"/>
+                </a:lnTo>
+                <a:lnTo>
+                  <a:pt x="433941" y="3198777"/>
+                </a:lnTo>
+                <a:lnTo>
+                  <a:pt x="427584" y="3092510"/>
+                </a:lnTo>
+                <a:lnTo>
+                  <a:pt x="420988" y="2984390"/>
+                </a:lnTo>
+                <a:lnTo>
+                  <a:pt x="414330" y="2874401"/>
+                </a:lnTo>
+                <a:lnTo>
+                  <a:pt x="406840" y="2762980"/>
+                </a:lnTo>
+                <a:lnTo>
+                  <a:pt x="397745" y="2650566"/>
+                </a:lnTo>
+                <a:lnTo>
+                  <a:pt x="389154" y="2536612"/>
+                </a:lnTo>
+                <a:lnTo>
+                  <a:pt x="379225" y="2421642"/>
+                </a:lnTo>
+                <a:lnTo>
+                  <a:pt x="368316" y="2305627"/>
+                </a:lnTo>
+                <a:lnTo>
+                  <a:pt x="357466" y="2189233"/>
+                </a:lnTo>
+                <a:lnTo>
+                  <a:pt x="344982" y="2071473"/>
+                </a:lnTo>
+                <a:lnTo>
+                  <a:pt x="332466" y="1952216"/>
+                </a:lnTo>
+                <a:lnTo>
+                  <a:pt x="319121" y="1833776"/>
+                </a:lnTo>
+                <a:lnTo>
+                  <a:pt x="304408" y="1713948"/>
+                </a:lnTo>
+                <a:lnTo>
+                  <a:pt x="288685" y="1592703"/>
+                </a:lnTo>
+                <a:lnTo>
+                  <a:pt x="273050" y="1471451"/>
+                </a:lnTo>
+                <a:lnTo>
+                  <a:pt x="255813" y="1350328"/>
+                </a:lnTo>
+                <a:lnTo>
+                  <a:pt x="237060" y="1227080"/>
+                </a:lnTo>
+                <a:lnTo>
+                  <a:pt x="218488" y="1106065"/>
+                </a:lnTo>
+                <a:lnTo>
+                  <a:pt x="198221" y="982940"/>
+                </a:lnTo>
+                <a:lnTo>
+                  <a:pt x="177152" y="858755"/>
+                </a:lnTo>
+                <a:lnTo>
+                  <a:pt x="155551" y="736861"/>
+                </a:lnTo>
+                <a:lnTo>
+                  <a:pt x="131782" y="613645"/>
+                </a:lnTo>
+                <a:lnTo>
+                  <a:pt x="107123" y="490500"/>
+                </a:lnTo>
+                <a:lnTo>
+                  <a:pt x="82552" y="367348"/>
+                </a:lnTo>
+                <a:lnTo>
+                  <a:pt x="55608" y="244762"/>
+                </a:lnTo>
+                <a:lnTo>
+                  <a:pt x="28130" y="122220"/>
+                </a:lnTo>
+                <a:lnTo>
+                  <a:pt x="0" y="0"/>
+                </a:lnTo>
+                <a:close/>
+              </a:path>
+            </a:pathLst>
+          </a:custGeom>
+          <a:solidFill>
+            <a:schemeClr val="bg1">
+              <a:alpha val="20000"/>
+            </a:schemeClr>
+          </a:solidFill>
+          <a:ln>
+            <a:noFill/>
+          </a:ln>
+        </p:spPr>
+        <p:txBody>
+          <a:bodyPr rtlCol="0" anchor="ctr"/>
+          <a:lstStyle/>
+          <a:p>
+            <a:pPr algn="ctr"/>
+            <a:endParaRPr lang="en-US"/>
+          </a:p>
+        </p:txBody>
+      </p:sp>
+      <p:sp useBgFill="1">
+        <p:nvSpPr>
+          <p:cNvPr id="28" name="Freeform: Shape 27">
+            <a:extLst>
+              <a:ext uri="{FF2B5EF4-FFF2-40B4-BE49-F238E27FC236}">
+                <a16:creationId xmlns:a16="http://schemas.microsoft.com/office/drawing/2014/main" id="{608F427C-1EC9-4280-9367-F2B3AA063E82}"/>
+              </a:ext>
+              <a:ext uri="{C183D7F6-B498-43B3-948B-1728B52AA6E4}">
+                <adec:decorative xmlns:adec="http://schemas.microsoft.com/office/drawing/2017/decorative" val="1"/>
+              </a:ext>
+            </a:extLst>
+          </p:cNvPr>
+          <p:cNvSpPr>
+            <a:spLocks noGrp="1" noRot="1" noChangeAspect="1" noMove="1" noResize="1" noEditPoints="1" noAdjustHandles="1" noChangeArrowheads="1" noChangeShapeType="1" noTextEdit="1"/>
+          </p:cNvSpPr>
+          <p:nvPr>
+            <p:extLst>
+              <p:ext uri="{386F3935-93C4-4BCD-93E2-E3B085C9AB24}">
+                <p16:designElem xmlns:p16="http://schemas.microsoft.com/office/powerpoint/2015/main" val="1"/>
+              </p:ext>
+            </p:extLst>
+          </p:nvPr>
+        </p:nvSpPr>
+        <p:spPr>
+          <a:xfrm>
+            <a:off x="0" y="0"/>
+            <a:ext cx="7809954" cy="6858000"/>
+          </a:xfrm>
+          <a:custGeom>
+            <a:avLst/>
+            <a:gdLst>
+              <a:gd name="connsiteX0" fmla="*/ 6465239 w 7809954"/>
+              <a:gd name="connsiteY0" fmla="*/ 0 h 6858000"/>
+              <a:gd name="connsiteX1" fmla="*/ 7808777 w 7809954"/>
+              <a:gd name="connsiteY1" fmla="*/ 0 h 6858000"/>
+              <a:gd name="connsiteX2" fmla="*/ 7783732 w 7809954"/>
+              <a:gd name="connsiteY2" fmla="*/ 155676 h 6858000"/>
+              <a:gd name="connsiteX3" fmla="*/ 7759863 w 7809954"/>
+              <a:gd name="connsiteY3" fmla="*/ 310667 h 6858000"/>
+              <a:gd name="connsiteX4" fmla="*/ 7736499 w 7809954"/>
+              <a:gd name="connsiteY4" fmla="*/ 466344 h 6858000"/>
+              <a:gd name="connsiteX5" fmla="*/ 7716496 w 7809954"/>
+              <a:gd name="connsiteY5" fmla="*/ 622706 h 6858000"/>
+              <a:gd name="connsiteX6" fmla="*/ 7696325 w 7809954"/>
+              <a:gd name="connsiteY6" fmla="*/ 778383 h 6858000"/>
+              <a:gd name="connsiteX7" fmla="*/ 7677499 w 7809954"/>
+              <a:gd name="connsiteY7" fmla="*/ 934745 h 6858000"/>
+              <a:gd name="connsiteX8" fmla="*/ 7661363 w 7809954"/>
+              <a:gd name="connsiteY8" fmla="*/ 1089050 h 6858000"/>
+              <a:gd name="connsiteX9" fmla="*/ 7646067 w 7809954"/>
+              <a:gd name="connsiteY9" fmla="*/ 1245413 h 6858000"/>
+              <a:gd name="connsiteX10" fmla="*/ 7632115 w 7809954"/>
+              <a:gd name="connsiteY10" fmla="*/ 1401089 h 6858000"/>
+              <a:gd name="connsiteX11" fmla="*/ 7620013 w 7809954"/>
+              <a:gd name="connsiteY11" fmla="*/ 1554023 h 6858000"/>
+              <a:gd name="connsiteX12" fmla="*/ 7607910 w 7809954"/>
+              <a:gd name="connsiteY12" fmla="*/ 1709013 h 6858000"/>
+              <a:gd name="connsiteX13" fmla="*/ 7597825 w 7809954"/>
+              <a:gd name="connsiteY13" fmla="*/ 1861947 h 6858000"/>
+              <a:gd name="connsiteX14" fmla="*/ 7589925 w 7809954"/>
+              <a:gd name="connsiteY14" fmla="*/ 2014880 h 6858000"/>
+              <a:gd name="connsiteX15" fmla="*/ 7581688 w 7809954"/>
+              <a:gd name="connsiteY15" fmla="*/ 2167128 h 6858000"/>
+              <a:gd name="connsiteX16" fmla="*/ 7574797 w 7809954"/>
+              <a:gd name="connsiteY16" fmla="*/ 2318004 h 6858000"/>
+              <a:gd name="connsiteX17" fmla="*/ 7569922 w 7809954"/>
+              <a:gd name="connsiteY17" fmla="*/ 2467508 h 6858000"/>
+              <a:gd name="connsiteX18" fmla="*/ 7565720 w 7809954"/>
+              <a:gd name="connsiteY18" fmla="*/ 2617013 h 6858000"/>
+              <a:gd name="connsiteX19" fmla="*/ 7561686 w 7809954"/>
+              <a:gd name="connsiteY19" fmla="*/ 2765145 h 6858000"/>
+              <a:gd name="connsiteX20" fmla="*/ 7559837 w 7809954"/>
+              <a:gd name="connsiteY20" fmla="*/ 2911221 h 6858000"/>
+              <a:gd name="connsiteX21" fmla="*/ 7557820 w 7809954"/>
+              <a:gd name="connsiteY21" fmla="*/ 3057296 h 6858000"/>
+              <a:gd name="connsiteX22" fmla="*/ 7556811 w 7809954"/>
+              <a:gd name="connsiteY22" fmla="*/ 3201314 h 6858000"/>
+              <a:gd name="connsiteX23" fmla="*/ 7557820 w 7809954"/>
+              <a:gd name="connsiteY23" fmla="*/ 3343960 h 6858000"/>
+              <a:gd name="connsiteX24" fmla="*/ 7557820 w 7809954"/>
+              <a:gd name="connsiteY24" fmla="*/ 3485235 h 6858000"/>
+              <a:gd name="connsiteX25" fmla="*/ 7559837 w 7809954"/>
+              <a:gd name="connsiteY25" fmla="*/ 3625138 h 6858000"/>
+              <a:gd name="connsiteX26" fmla="*/ 7562862 w 7809954"/>
+              <a:gd name="connsiteY26" fmla="*/ 3762298 h 6858000"/>
+              <a:gd name="connsiteX27" fmla="*/ 7565720 w 7809954"/>
+              <a:gd name="connsiteY27" fmla="*/ 3898087 h 6858000"/>
+              <a:gd name="connsiteX28" fmla="*/ 7568914 w 7809954"/>
+              <a:gd name="connsiteY28" fmla="*/ 4031132 h 6858000"/>
+              <a:gd name="connsiteX29" fmla="*/ 7573788 w 7809954"/>
+              <a:gd name="connsiteY29" fmla="*/ 4163491 h 6858000"/>
+              <a:gd name="connsiteX30" fmla="*/ 7578999 w 7809954"/>
+              <a:gd name="connsiteY30" fmla="*/ 4293793 h 6858000"/>
+              <a:gd name="connsiteX31" fmla="*/ 7583705 w 7809954"/>
+              <a:gd name="connsiteY31" fmla="*/ 4421352 h 6858000"/>
+              <a:gd name="connsiteX32" fmla="*/ 7596985 w 7809954"/>
+              <a:gd name="connsiteY32" fmla="*/ 4670298 h 6858000"/>
+              <a:gd name="connsiteX33" fmla="*/ 7611104 w 7809954"/>
+              <a:gd name="connsiteY33" fmla="*/ 4908956 h 6858000"/>
+              <a:gd name="connsiteX34" fmla="*/ 7625896 w 7809954"/>
+              <a:gd name="connsiteY34" fmla="*/ 5138013 h 6858000"/>
+              <a:gd name="connsiteX35" fmla="*/ 7642201 w 7809954"/>
+              <a:gd name="connsiteY35" fmla="*/ 5354726 h 6858000"/>
+              <a:gd name="connsiteX36" fmla="*/ 7659178 w 7809954"/>
+              <a:gd name="connsiteY36" fmla="*/ 5561838 h 6858000"/>
+              <a:gd name="connsiteX37" fmla="*/ 7677499 w 7809954"/>
+              <a:gd name="connsiteY37" fmla="*/ 5753862 h 6858000"/>
+              <a:gd name="connsiteX38" fmla="*/ 7695485 w 7809954"/>
+              <a:gd name="connsiteY38" fmla="*/ 5934227 h 6858000"/>
+              <a:gd name="connsiteX39" fmla="*/ 7713470 w 7809954"/>
+              <a:gd name="connsiteY39" fmla="*/ 6100191 h 6858000"/>
+              <a:gd name="connsiteX40" fmla="*/ 7730447 w 7809954"/>
+              <a:gd name="connsiteY40" fmla="*/ 6252438 h 6858000"/>
+              <a:gd name="connsiteX41" fmla="*/ 7746584 w 7809954"/>
+              <a:gd name="connsiteY41" fmla="*/ 6387541 h 6858000"/>
+              <a:gd name="connsiteX42" fmla="*/ 7761880 w 7809954"/>
+              <a:gd name="connsiteY42" fmla="*/ 6509613 h 6858000"/>
+              <a:gd name="connsiteX43" fmla="*/ 7774655 w 7809954"/>
+              <a:gd name="connsiteY43" fmla="*/ 6612483 h 6858000"/>
+              <a:gd name="connsiteX44" fmla="*/ 7786757 w 7809954"/>
+              <a:gd name="connsiteY44" fmla="*/ 6698894 h 6858000"/>
+              <a:gd name="connsiteX45" fmla="*/ 7804071 w 7809954"/>
+              <a:gd name="connsiteY45" fmla="*/ 6817538 h 6858000"/>
+              <a:gd name="connsiteX46" fmla="*/ 7809954 w 7809954"/>
+              <a:gd name="connsiteY46" fmla="*/ 6858000 h 6858000"/>
+              <a:gd name="connsiteX47" fmla="*/ 7157124 w 7809954"/>
+              <a:gd name="connsiteY47" fmla="*/ 6858000 h 6858000"/>
+              <a:gd name="connsiteX48" fmla="*/ 7157124 w 7809954"/>
+              <a:gd name="connsiteY48" fmla="*/ 6858000 h 6858000"/>
+              <a:gd name="connsiteX49" fmla="*/ 0 w 7809954"/>
+              <a:gd name="connsiteY49" fmla="*/ 6858000 h 6858000"/>
+              <a:gd name="connsiteX50" fmla="*/ 0 w 7809954"/>
+              <a:gd name="connsiteY50" fmla="*/ 0 h 6858000"/>
+              <a:gd name="connsiteX51" fmla="*/ 6465239 w 7809954"/>
+              <a:gd name="connsiteY51" fmla="*/ 0 h 6858000"/>
+            </a:gdLst>
+            <a:ahLst/>
+            <a:cxnLst>
+              <a:cxn ang="0">
+                <a:pos x="connsiteX0" y="connsiteY0"/>
+              </a:cxn>
+              <a:cxn ang="0">
+                <a:pos x="connsiteX1" y="connsiteY1"/>
+              </a:cxn>
+              <a:cxn ang="0">
+                <a:pos x="connsiteX2" y="connsiteY2"/>
+              </a:cxn>
+              <a:cxn ang="0">
+                <a:pos x="connsiteX3" y="connsiteY3"/>
+              </a:cxn>
+              <a:cxn ang="0">
+                <a:pos x="connsiteX4" y="connsiteY4"/>
+              </a:cxn>
+              <a:cxn ang="0">
+                <a:pos x="connsiteX5" y="connsiteY5"/>
+              </a:cxn>
+              <a:cxn ang="0">
+                <a:pos x="connsiteX6" y="connsiteY6"/>
+              </a:cxn>
+              <a:cxn ang="0">
+                <a:pos x="connsiteX7" y="connsiteY7"/>
+              </a:cxn>
+              <a:cxn ang="0">
+                <a:pos x="connsiteX8" y="connsiteY8"/>
+              </a:cxn>
+              <a:cxn ang="0">
+                <a:pos x="connsiteX9" y="connsiteY9"/>
+              </a:cxn>
+              <a:cxn ang="0">
+                <a:pos x="connsiteX10" y="connsiteY10"/>
+              </a:cxn>
+              <a:cxn ang="0">
+                <a:pos x="connsiteX11" y="connsiteY11"/>
+              </a:cxn>
+              <a:cxn ang="0">
+                <a:pos x="connsiteX12" y="connsiteY12"/>
+              </a:cxn>
+              <a:cxn ang="0">
+                <a:pos x="connsiteX13" y="connsiteY13"/>
+              </a:cxn>
+              <a:cxn ang="0">
+                <a:pos x="connsiteX14" y="connsiteY14"/>
+              </a:cxn>
+              <a:cxn ang="0">
+                <a:pos x="connsiteX15" y="connsiteY15"/>
+              </a:cxn>
+              <a:cxn ang="0">
+                <a:pos x="connsiteX16" y="connsiteY16"/>
+              </a:cxn>
+              <a:cxn ang="0">
+                <a:pos x="connsiteX17" y="connsiteY17"/>
+              </a:cxn>
+              <a:cxn ang="0">
+                <a:pos x="connsiteX18" y="connsiteY18"/>
+              </a:cxn>
+              <a:cxn ang="0">
+                <a:pos x="connsiteX19" y="connsiteY19"/>
+              </a:cxn>
+              <a:cxn ang="0">
+                <a:pos x="connsiteX20" y="connsiteY20"/>
+              </a:cxn>
+              <a:cxn ang="0">
+                <a:pos x="connsiteX21" y="connsiteY21"/>
+              </a:cxn>
+              <a:cxn ang="0">
+                <a:pos x="connsiteX22" y="connsiteY22"/>
+              </a:cxn>
+              <a:cxn ang="0">
+                <a:pos x="connsiteX23" y="connsiteY23"/>
+              </a:cxn>
+              <a:cxn ang="0">
+                <a:pos x="connsiteX24" y="connsiteY24"/>
+              </a:cxn>
+              <a:cxn ang="0">
+                <a:pos x="connsiteX25" y="connsiteY25"/>
+              </a:cxn>
+              <a:cxn ang="0">
+                <a:pos x="connsiteX26" y="connsiteY26"/>
+              </a:cxn>
+              <a:cxn ang="0">
+                <a:pos x="connsiteX27" y="connsiteY27"/>
+              </a:cxn>
+              <a:cxn ang="0">
+                <a:pos x="connsiteX28" y="connsiteY28"/>
+              </a:cxn>
+              <a:cxn ang="0">
+                <a:pos x="connsiteX29" y="connsiteY29"/>
+              </a:cxn>
+              <a:cxn ang="0">
+                <a:pos x="connsiteX30" y="connsiteY30"/>
+              </a:cxn>
+              <a:cxn ang="0">
+                <a:pos x="connsiteX31" y="connsiteY31"/>
+              </a:cxn>
+              <a:cxn ang="0">
+                <a:pos x="connsiteX32" y="connsiteY32"/>
+              </a:cxn>
+              <a:cxn ang="0">
+                <a:pos x="connsiteX33" y="connsiteY33"/>
+              </a:cxn>
+              <a:cxn ang="0">
+                <a:pos x="connsiteX34" y="connsiteY34"/>
+              </a:cxn>
+              <a:cxn ang="0">
+                <a:pos x="connsiteX35" y="connsiteY35"/>
+              </a:cxn>
+              <a:cxn ang="0">
+                <a:pos x="connsiteX36" y="connsiteY36"/>
+              </a:cxn>
+              <a:cxn ang="0">
+                <a:pos x="connsiteX37" y="connsiteY37"/>
+              </a:cxn>
+              <a:cxn ang="0">
+                <a:pos x="connsiteX38" y="connsiteY38"/>
+              </a:cxn>
+              <a:cxn ang="0">
+                <a:pos x="connsiteX39" y="connsiteY39"/>
+              </a:cxn>
+              <a:cxn ang="0">
+                <a:pos x="connsiteX40" y="connsiteY40"/>
+              </a:cxn>
+              <a:cxn ang="0">
+                <a:pos x="connsiteX41" y="connsiteY41"/>
+              </a:cxn>
+              <a:cxn ang="0">
+                <a:pos x="connsiteX42" y="connsiteY42"/>
+              </a:cxn>
+              <a:cxn ang="0">
+                <a:pos x="connsiteX43" y="connsiteY43"/>
+              </a:cxn>
+              <a:cxn ang="0">
+                <a:pos x="connsiteX44" y="connsiteY44"/>
+              </a:cxn>
+              <a:cxn ang="0">
+                <a:pos x="connsiteX45" y="connsiteY45"/>
+              </a:cxn>
+              <a:cxn ang="0">
+                <a:pos x="connsiteX46" y="connsiteY46"/>
+              </a:cxn>
+              <a:cxn ang="0">
+                <a:pos x="connsiteX47" y="connsiteY47"/>
+              </a:cxn>
+              <a:cxn ang="0">
+                <a:pos x="connsiteX48" y="connsiteY48"/>
+              </a:cxn>
+              <a:cxn ang="0">
+                <a:pos x="connsiteX49" y="connsiteY49"/>
+              </a:cxn>
+              <a:cxn ang="0">
+                <a:pos x="connsiteX50" y="connsiteY50"/>
+              </a:cxn>
+              <a:cxn ang="0">
+                <a:pos x="connsiteX51" y="connsiteY51"/>
+              </a:cxn>
+            </a:cxnLst>
+            <a:rect l="l" t="t" r="r" b="b"/>
+            <a:pathLst>
+              <a:path w="7809954" h="6858000">
+                <a:moveTo>
+                  <a:pt x="6465239" y="0"/>
+                </a:moveTo>
+                <a:lnTo>
+                  <a:pt x="7808777" y="0"/>
+                </a:lnTo>
+                <a:lnTo>
+                  <a:pt x="7783732" y="155676"/>
+                </a:lnTo>
+                <a:lnTo>
+                  <a:pt x="7759863" y="310667"/>
+                </a:lnTo>
+                <a:lnTo>
+                  <a:pt x="7736499" y="466344"/>
+                </a:lnTo>
+                <a:lnTo>
+                  <a:pt x="7716496" y="622706"/>
+                </a:lnTo>
+                <a:lnTo>
+                  <a:pt x="7696325" y="778383"/>
+                </a:lnTo>
+                <a:lnTo>
+                  <a:pt x="7677499" y="934745"/>
+                </a:lnTo>
+                <a:lnTo>
+                  <a:pt x="7661363" y="1089050"/>
+                </a:lnTo>
+                <a:lnTo>
+                  <a:pt x="7646067" y="1245413"/>
+                </a:lnTo>
+                <a:lnTo>
+                  <a:pt x="7632115" y="1401089"/>
+                </a:lnTo>
+                <a:lnTo>
+                  <a:pt x="7620013" y="1554023"/>
+                </a:lnTo>
+                <a:lnTo>
+                  <a:pt x="7607910" y="1709013"/>
+                </a:lnTo>
+                <a:lnTo>
+                  <a:pt x="7597825" y="1861947"/>
+                </a:lnTo>
+                <a:lnTo>
+                  <a:pt x="7589925" y="2014880"/>
+                </a:lnTo>
+                <a:lnTo>
+                  <a:pt x="7581688" y="2167128"/>
+                </a:lnTo>
+                <a:lnTo>
+                  <a:pt x="7574797" y="2318004"/>
+                </a:lnTo>
+                <a:lnTo>
+                  <a:pt x="7569922" y="2467508"/>
+                </a:lnTo>
+                <a:lnTo>
+                  <a:pt x="7565720" y="2617013"/>
+                </a:lnTo>
+                <a:lnTo>
+                  <a:pt x="7561686" y="2765145"/>
+                </a:lnTo>
+                <a:lnTo>
+                  <a:pt x="7559837" y="2911221"/>
+                </a:lnTo>
+                <a:lnTo>
+                  <a:pt x="7557820" y="3057296"/>
+                </a:lnTo>
+                <a:lnTo>
+                  <a:pt x="7556811" y="3201314"/>
+                </a:lnTo>
+                <a:lnTo>
+                  <a:pt x="7557820" y="3343960"/>
+                </a:lnTo>
+                <a:lnTo>
+                  <a:pt x="7557820" y="3485235"/>
+                </a:lnTo>
+                <a:lnTo>
+                  <a:pt x="7559837" y="3625138"/>
+                </a:lnTo>
+                <a:lnTo>
+                  <a:pt x="7562862" y="3762298"/>
+                </a:lnTo>
+                <a:lnTo>
+                  <a:pt x="7565720" y="3898087"/>
+                </a:lnTo>
+                <a:lnTo>
+                  <a:pt x="7568914" y="4031132"/>
+                </a:lnTo>
+                <a:lnTo>
+                  <a:pt x="7573788" y="4163491"/>
+                </a:lnTo>
+                <a:lnTo>
+                  <a:pt x="7578999" y="4293793"/>
+                </a:lnTo>
+                <a:lnTo>
+                  <a:pt x="7583705" y="4421352"/>
+                </a:lnTo>
+                <a:lnTo>
+                  <a:pt x="7596985" y="4670298"/>
+                </a:lnTo>
+                <a:lnTo>
+                  <a:pt x="7611104" y="4908956"/>
+                </a:lnTo>
+                <a:lnTo>
+                  <a:pt x="7625896" y="5138013"/>
+                </a:lnTo>
+                <a:lnTo>
+                  <a:pt x="7642201" y="5354726"/>
+                </a:lnTo>
+                <a:lnTo>
+                  <a:pt x="7659178" y="5561838"/>
+                </a:lnTo>
+                <a:lnTo>
+                  <a:pt x="7677499" y="5753862"/>
+                </a:lnTo>
+                <a:lnTo>
+                  <a:pt x="7695485" y="5934227"/>
+                </a:lnTo>
+                <a:lnTo>
+                  <a:pt x="7713470" y="6100191"/>
+                </a:lnTo>
+                <a:lnTo>
+                  <a:pt x="7730447" y="6252438"/>
+                </a:lnTo>
+                <a:lnTo>
+                  <a:pt x="7746584" y="6387541"/>
+                </a:lnTo>
+                <a:lnTo>
+                  <a:pt x="7761880" y="6509613"/>
+                </a:lnTo>
+                <a:lnTo>
+                  <a:pt x="7774655" y="6612483"/>
+                </a:lnTo>
+                <a:lnTo>
+                  <a:pt x="7786757" y="6698894"/>
+                </a:lnTo>
+                <a:lnTo>
+                  <a:pt x="7804071" y="6817538"/>
+                </a:lnTo>
+                <a:lnTo>
+                  <a:pt x="7809954" y="6858000"/>
+                </a:lnTo>
+                <a:lnTo>
+                  <a:pt x="7157124" y="6858000"/>
+                </a:lnTo>
+                <a:lnTo>
+                  <a:pt x="7157124" y="6858000"/>
+                </a:lnTo>
+                <a:lnTo>
+                  <a:pt x="0" y="6858000"/>
+                </a:lnTo>
+                <a:lnTo>
+                  <a:pt x="0" y="0"/>
+                </a:lnTo>
+                <a:lnTo>
+                  <a:pt x="6465239" y="0"/>
+                </a:lnTo>
+                <a:close/>
+              </a:path>
+            </a:pathLst>
+          </a:custGeom>
+          <a:ln>
+            <a:noFill/>
+          </a:ln>
+        </p:spPr>
+        <p:style>
+          <a:lnRef idx="2">
+            <a:schemeClr val="accent1">
+              <a:shade val="50000"/>
+            </a:schemeClr>
+          </a:lnRef>
+          <a:fillRef idx="1">
+            <a:schemeClr val="accent1"/>
+          </a:fillRef>
+          <a:effectRef idx="0">
+            <a:schemeClr val="accent1"/>
+          </a:effectRef>
+          <a:fontRef idx="minor">
+            <a:schemeClr val="lt1"/>
+          </a:fontRef>
+        </p:style>
+        <p:txBody>
+          <a:bodyPr wrap="square" rtlCol="0" anchor="ctr">
+            <a:noAutofit/>
+          </a:bodyPr>
+          <a:lstStyle/>
+          <a:p>
+            <a:pPr algn="ctr"/>
+            <a:endParaRPr lang="en-US"/>
+          </a:p>
+        </p:txBody>
+      </p:sp>
+      <p:sp>
+        <p:nvSpPr>
+          <p:cNvPr id="30" name="Rectangle 29">
+            <a:extLst>
+              <a:ext uri="{FF2B5EF4-FFF2-40B4-BE49-F238E27FC236}">
+                <a16:creationId xmlns:a16="http://schemas.microsoft.com/office/drawing/2014/main" id="{F98810A7-E114-447A-A7D6-69B27CFB5650}"/>
+              </a:ext>
+              <a:ext uri="{C183D7F6-B498-43B3-948B-1728B52AA6E4}">
+                <adec:decorative xmlns:adec="http://schemas.microsoft.com/office/drawing/2017/decorative" val="1"/>
+              </a:ext>
+            </a:extLst>
+          </p:cNvPr>
+          <p:cNvSpPr>
+            <a:spLocks noGrp="1" noRot="1" noChangeAspect="1" noMove="1" noResize="1" noEditPoints="1" noAdjustHandles="1" noChangeArrowheads="1" noChangeShapeType="1" noTextEdit="1"/>
+          </p:cNvSpPr>
+          <p:nvPr>
+            <p:extLst>
+              <p:ext uri="{386F3935-93C4-4BCD-93E2-E3B085C9AB24}">
+                <p16:designElem xmlns:p16="http://schemas.microsoft.com/office/powerpoint/2015/main" val="1"/>
+              </p:ext>
+            </p:extLst>
+          </p:nvPr>
+        </p:nvSpPr>
+        <p:spPr>
+          <a:xfrm>
+            <a:off x="10437812" y="0"/>
+            <a:ext cx="685800" cy="1143000"/>
+          </a:xfrm>
+          <a:prstGeom prst="rect">
+            <a:avLst/>
+          </a:prstGeom>
+          <a:solidFill>
+            <a:schemeClr val="accent1"/>
+          </a:solidFill>
+          <a:ln>
+            <a:noFill/>
+          </a:ln>
+        </p:spPr>
+        <p:style>
+          <a:lnRef idx="1">
+            <a:schemeClr val="accent1"/>
+          </a:lnRef>
+          <a:fillRef idx="3">
+            <a:schemeClr val="accent1"/>
+          </a:fillRef>
+          <a:effectRef idx="2">
+            <a:schemeClr val="accent1"/>
+          </a:effectRef>
+          <a:fontRef idx="minor">
+            <a:schemeClr val="lt1"/>
+          </a:fontRef>
+        </p:style>
+        <p:txBody>
+          <a:bodyPr/>
+          <a:lstStyle/>
+          <a:p>
+            <a:endParaRPr lang="zh-CN" altLang="en-US"/>
+          </a:p>
+        </p:txBody>
+      </p:sp>
       <p:pic>
         <p:nvPicPr>
-          <p:cNvPr id="5" name="内容占位符 4">
+          <p:cNvPr id="7" name="内容占位符 6">
             <a:extLst>
               <a:ext uri="{FF2B5EF4-FFF2-40B4-BE49-F238E27FC236}">
-                <a16:creationId xmlns:a16="http://schemas.microsoft.com/office/drawing/2014/main" id="{D58CA9FE-B383-8A8F-4B4C-314077614ED1}"/>
+                <a16:creationId xmlns:a16="http://schemas.microsoft.com/office/drawing/2014/main" id="{4EFBF752-6B6B-87FC-2F70-A19F1D2DE63C}"/>
               </a:ext>
             </a:extLst>
           </p:cNvPr>
@@ -14000,15 +17084,20 @@
           </p:nvPr>
         </p:nvPicPr>
         <p:blipFill>
-          <a:blip r:embed="rId2"/>
-          <a:stretch>
-            <a:fillRect/>
-          </a:stretch>
+          <a:blip r:embed="rId6">
+            <a:extLst>
+              <a:ext uri="{28A0092B-C50C-407E-A947-70E740481C1C}">
+                <a14:useLocalDpi xmlns:a14="http://schemas.microsoft.com/office/drawing/2010/main" val="0"/>
+              </a:ext>
+            </a:extLst>
+          </a:blip>
+          <a:srcRect/>
+          <a:stretch/>
         </p:blipFill>
         <p:spPr>
           <a:xfrm>
-            <a:off x="955392" y="1070409"/>
-            <a:ext cx="6275584" cy="4722375"/>
+            <a:off x="917439" y="292608"/>
+            <a:ext cx="5711229" cy="6258882"/>
           </a:xfrm>
           <a:prstGeom prst="rect">
             <a:avLst/>
@@ -14024,7 +17113,7 @@
     </p:extLst>
   </p:cSld>
   <p:clrMapOvr>
-    <a:masterClrMapping/>
+    <a:overrideClrMapping bg1="lt1" tx1="dk1" bg2="lt2" tx2="dk2" accent1="accent1" accent2="accent2" accent3="accent3" accent4="accent4" accent5="accent5" accent6="accent6" hlink="hlink" folHlink="folHlink"/>
   </p:clrMapOvr>
 </p:sld>
 </file>
@@ -15191,6 +18280,309 @@
   <p:clrMapOvr>
     <a:overrideClrMapping bg1="lt1" tx1="dk1" bg2="lt2" tx2="dk2" accent1="accent1" accent2="accent2" accent3="accent3" accent4="accent4" accent5="accent5" accent6="accent6" hlink="hlink" folHlink="folHlink"/>
   </p:clrMapOvr>
+  <p:timing>
+    <p:tnLst>
+      <p:par>
+        <p:cTn id="1" dur="indefinite" restart="never" nodeType="tmRoot">
+          <p:childTnLst>
+            <p:seq concurrent="1" nextAc="seek">
+              <p:cTn id="2" dur="indefinite" nodeType="mainSeq">
+                <p:childTnLst>
+                  <p:par>
+                    <p:cTn id="3" fill="hold">
+                      <p:stCondLst>
+                        <p:cond delay="indefinite"/>
+                      </p:stCondLst>
+                      <p:childTnLst>
+                        <p:par>
+                          <p:cTn id="4" fill="hold">
+                            <p:stCondLst>
+                              <p:cond delay="0"/>
+                            </p:stCondLst>
+                            <p:childTnLst>
+                              <p:par>
+                                <p:cTn id="5" presetID="2" presetClass="entr" presetSubtype="4" fill="hold" nodeType="clickEffect">
+                                  <p:stCondLst>
+                                    <p:cond delay="0"/>
+                                  </p:stCondLst>
+                                  <p:childTnLst>
+                                    <p:set>
+                                      <p:cBhvr>
+                                        <p:cTn id="6" dur="1" fill="hold">
+                                          <p:stCondLst>
+                                            <p:cond delay="0"/>
+                                          </p:stCondLst>
+                                        </p:cTn>
+                                        <p:tgtEl>
+                                          <p:spTgt spid="3">
+                                            <p:txEl>
+                                              <p:pRg st="0" end="0"/>
+                                            </p:txEl>
+                                          </p:spTgt>
+                                        </p:tgtEl>
+                                        <p:attrNameLst>
+                                          <p:attrName>style.visibility</p:attrName>
+                                        </p:attrNameLst>
+                                      </p:cBhvr>
+                                      <p:to>
+                                        <p:strVal val="visible"/>
+                                      </p:to>
+                                    </p:set>
+                                    <p:anim calcmode="lin" valueType="num">
+                                      <p:cBhvr additive="base">
+                                        <p:cTn id="7" dur="500" fill="hold"/>
+                                        <p:tgtEl>
+                                          <p:spTgt spid="3">
+                                            <p:txEl>
+                                              <p:pRg st="0" end="0"/>
+                                            </p:txEl>
+                                          </p:spTgt>
+                                        </p:tgtEl>
+                                        <p:attrNameLst>
+                                          <p:attrName>ppt_x</p:attrName>
+                                        </p:attrNameLst>
+                                      </p:cBhvr>
+                                      <p:tavLst>
+                                        <p:tav tm="0">
+                                          <p:val>
+                                            <p:strVal val="#ppt_x"/>
+                                          </p:val>
+                                        </p:tav>
+                                        <p:tav tm="100000">
+                                          <p:val>
+                                            <p:strVal val="#ppt_x"/>
+                                          </p:val>
+                                        </p:tav>
+                                      </p:tavLst>
+                                    </p:anim>
+                                    <p:anim calcmode="lin" valueType="num">
+                                      <p:cBhvr additive="base">
+                                        <p:cTn id="8" dur="500" fill="hold"/>
+                                        <p:tgtEl>
+                                          <p:spTgt spid="3">
+                                            <p:txEl>
+                                              <p:pRg st="0" end="0"/>
+                                            </p:txEl>
+                                          </p:spTgt>
+                                        </p:tgtEl>
+                                        <p:attrNameLst>
+                                          <p:attrName>ppt_y</p:attrName>
+                                        </p:attrNameLst>
+                                      </p:cBhvr>
+                                      <p:tavLst>
+                                        <p:tav tm="0">
+                                          <p:val>
+                                            <p:strVal val="1+#ppt_h/2"/>
+                                          </p:val>
+                                        </p:tav>
+                                        <p:tav tm="100000">
+                                          <p:val>
+                                            <p:strVal val="#ppt_y"/>
+                                          </p:val>
+                                        </p:tav>
+                                      </p:tavLst>
+                                    </p:anim>
+                                  </p:childTnLst>
+                                </p:cTn>
+                              </p:par>
+                              <p:par>
+                                <p:cTn id="9" presetID="2" presetClass="entr" presetSubtype="4" fill="hold" nodeType="withEffect">
+                                  <p:stCondLst>
+                                    <p:cond delay="0"/>
+                                  </p:stCondLst>
+                                  <p:childTnLst>
+                                    <p:set>
+                                      <p:cBhvr>
+                                        <p:cTn id="10" dur="1" fill="hold">
+                                          <p:stCondLst>
+                                            <p:cond delay="0"/>
+                                          </p:stCondLst>
+                                        </p:cTn>
+                                        <p:tgtEl>
+                                          <p:spTgt spid="3">
+                                            <p:txEl>
+                                              <p:pRg st="1" end="1"/>
+                                            </p:txEl>
+                                          </p:spTgt>
+                                        </p:tgtEl>
+                                        <p:attrNameLst>
+                                          <p:attrName>style.visibility</p:attrName>
+                                        </p:attrNameLst>
+                                      </p:cBhvr>
+                                      <p:to>
+                                        <p:strVal val="visible"/>
+                                      </p:to>
+                                    </p:set>
+                                    <p:anim calcmode="lin" valueType="num">
+                                      <p:cBhvr additive="base">
+                                        <p:cTn id="11" dur="500" fill="hold"/>
+                                        <p:tgtEl>
+                                          <p:spTgt spid="3">
+                                            <p:txEl>
+                                              <p:pRg st="1" end="1"/>
+                                            </p:txEl>
+                                          </p:spTgt>
+                                        </p:tgtEl>
+                                        <p:attrNameLst>
+                                          <p:attrName>ppt_x</p:attrName>
+                                        </p:attrNameLst>
+                                      </p:cBhvr>
+                                      <p:tavLst>
+                                        <p:tav tm="0">
+                                          <p:val>
+                                            <p:strVal val="#ppt_x"/>
+                                          </p:val>
+                                        </p:tav>
+                                        <p:tav tm="100000">
+                                          <p:val>
+                                            <p:strVal val="#ppt_x"/>
+                                          </p:val>
+                                        </p:tav>
+                                      </p:tavLst>
+                                    </p:anim>
+                                    <p:anim calcmode="lin" valueType="num">
+                                      <p:cBhvr additive="base">
+                                        <p:cTn id="12" dur="500" fill="hold"/>
+                                        <p:tgtEl>
+                                          <p:spTgt spid="3">
+                                            <p:txEl>
+                                              <p:pRg st="1" end="1"/>
+                                            </p:txEl>
+                                          </p:spTgt>
+                                        </p:tgtEl>
+                                        <p:attrNameLst>
+                                          <p:attrName>ppt_y</p:attrName>
+                                        </p:attrNameLst>
+                                      </p:cBhvr>
+                                      <p:tavLst>
+                                        <p:tav tm="0">
+                                          <p:val>
+                                            <p:strVal val="1+#ppt_h/2"/>
+                                          </p:val>
+                                        </p:tav>
+                                        <p:tav tm="100000">
+                                          <p:val>
+                                            <p:strVal val="#ppt_y"/>
+                                          </p:val>
+                                        </p:tav>
+                                      </p:tavLst>
+                                    </p:anim>
+                                  </p:childTnLst>
+                                </p:cTn>
+                              </p:par>
+                              <p:par>
+                                <p:cTn id="13" presetID="2" presetClass="entr" presetSubtype="4" fill="hold" nodeType="withEffect">
+                                  <p:stCondLst>
+                                    <p:cond delay="0"/>
+                                  </p:stCondLst>
+                                  <p:childTnLst>
+                                    <p:set>
+                                      <p:cBhvr>
+                                        <p:cTn id="14" dur="1" fill="hold">
+                                          <p:stCondLst>
+                                            <p:cond delay="0"/>
+                                          </p:stCondLst>
+                                        </p:cTn>
+                                        <p:tgtEl>
+                                          <p:spTgt spid="3">
+                                            <p:txEl>
+                                              <p:pRg st="2" end="2"/>
+                                            </p:txEl>
+                                          </p:spTgt>
+                                        </p:tgtEl>
+                                        <p:attrNameLst>
+                                          <p:attrName>style.visibility</p:attrName>
+                                        </p:attrNameLst>
+                                      </p:cBhvr>
+                                      <p:to>
+                                        <p:strVal val="visible"/>
+                                      </p:to>
+                                    </p:set>
+                                    <p:anim calcmode="lin" valueType="num">
+                                      <p:cBhvr additive="base">
+                                        <p:cTn id="15" dur="500" fill="hold"/>
+                                        <p:tgtEl>
+                                          <p:spTgt spid="3">
+                                            <p:txEl>
+                                              <p:pRg st="2" end="2"/>
+                                            </p:txEl>
+                                          </p:spTgt>
+                                        </p:tgtEl>
+                                        <p:attrNameLst>
+                                          <p:attrName>ppt_x</p:attrName>
+                                        </p:attrNameLst>
+                                      </p:cBhvr>
+                                      <p:tavLst>
+                                        <p:tav tm="0">
+                                          <p:val>
+                                            <p:strVal val="#ppt_x"/>
+                                          </p:val>
+                                        </p:tav>
+                                        <p:tav tm="100000">
+                                          <p:val>
+                                            <p:strVal val="#ppt_x"/>
+                                          </p:val>
+                                        </p:tav>
+                                      </p:tavLst>
+                                    </p:anim>
+                                    <p:anim calcmode="lin" valueType="num">
+                                      <p:cBhvr additive="base">
+                                        <p:cTn id="16" dur="500" fill="hold"/>
+                                        <p:tgtEl>
+                                          <p:spTgt spid="3">
+                                            <p:txEl>
+                                              <p:pRg st="2" end="2"/>
+                                            </p:txEl>
+                                          </p:spTgt>
+                                        </p:tgtEl>
+                                        <p:attrNameLst>
+                                          <p:attrName>ppt_y</p:attrName>
+                                        </p:attrNameLst>
+                                      </p:cBhvr>
+                                      <p:tavLst>
+                                        <p:tav tm="0">
+                                          <p:val>
+                                            <p:strVal val="1+#ppt_h/2"/>
+                                          </p:val>
+                                        </p:tav>
+                                        <p:tav tm="100000">
+                                          <p:val>
+                                            <p:strVal val="#ppt_y"/>
+                                          </p:val>
+                                        </p:tav>
+                                      </p:tavLst>
+                                    </p:anim>
+                                  </p:childTnLst>
+                                </p:cTn>
+                              </p:par>
+                            </p:childTnLst>
+                          </p:cTn>
+                        </p:par>
+                      </p:childTnLst>
+                    </p:cTn>
+                  </p:par>
+                </p:childTnLst>
+              </p:cTn>
+              <p:prevCondLst>
+                <p:cond evt="onPrev" delay="0">
+                  <p:tgtEl>
+                    <p:sldTgt/>
+                  </p:tgtEl>
+                </p:cond>
+              </p:prevCondLst>
+              <p:nextCondLst>
+                <p:cond evt="onNext" delay="0">
+                  <p:tgtEl>
+                    <p:sldTgt/>
+                  </p:tgtEl>
+                </p:cond>
+              </p:nextCondLst>
+            </p:seq>
+          </p:childTnLst>
+        </p:cTn>
+      </p:par>
+    </p:tnLst>
+  </p:timing>
 </p:sld>
 </file>
 
@@ -16358,6 +19750,309 @@
   <p:clrMapOvr>
     <a:overrideClrMapping bg1="lt1" tx1="dk1" bg2="lt2" tx2="dk2" accent1="accent1" accent2="accent2" accent3="accent3" accent4="accent4" accent5="accent5" accent6="accent6" hlink="hlink" folHlink="folHlink"/>
   </p:clrMapOvr>
+  <p:timing>
+    <p:tnLst>
+      <p:par>
+        <p:cTn id="1" dur="indefinite" restart="never" nodeType="tmRoot">
+          <p:childTnLst>
+            <p:seq concurrent="1" nextAc="seek">
+              <p:cTn id="2" dur="indefinite" nodeType="mainSeq">
+                <p:childTnLst>
+                  <p:par>
+                    <p:cTn id="3" fill="hold">
+                      <p:stCondLst>
+                        <p:cond delay="indefinite"/>
+                      </p:stCondLst>
+                      <p:childTnLst>
+                        <p:par>
+                          <p:cTn id="4" fill="hold">
+                            <p:stCondLst>
+                              <p:cond delay="0"/>
+                            </p:stCondLst>
+                            <p:childTnLst>
+                              <p:par>
+                                <p:cTn id="5" presetID="2" presetClass="entr" presetSubtype="4" fill="hold" nodeType="clickEffect">
+                                  <p:stCondLst>
+                                    <p:cond delay="0"/>
+                                  </p:stCondLst>
+                                  <p:childTnLst>
+                                    <p:set>
+                                      <p:cBhvr>
+                                        <p:cTn id="6" dur="1" fill="hold">
+                                          <p:stCondLst>
+                                            <p:cond delay="0"/>
+                                          </p:stCondLst>
+                                        </p:cTn>
+                                        <p:tgtEl>
+                                          <p:spTgt spid="3">
+                                            <p:txEl>
+                                              <p:pRg st="0" end="0"/>
+                                            </p:txEl>
+                                          </p:spTgt>
+                                        </p:tgtEl>
+                                        <p:attrNameLst>
+                                          <p:attrName>style.visibility</p:attrName>
+                                        </p:attrNameLst>
+                                      </p:cBhvr>
+                                      <p:to>
+                                        <p:strVal val="visible"/>
+                                      </p:to>
+                                    </p:set>
+                                    <p:anim calcmode="lin" valueType="num">
+                                      <p:cBhvr additive="base">
+                                        <p:cTn id="7" dur="500" fill="hold"/>
+                                        <p:tgtEl>
+                                          <p:spTgt spid="3">
+                                            <p:txEl>
+                                              <p:pRg st="0" end="0"/>
+                                            </p:txEl>
+                                          </p:spTgt>
+                                        </p:tgtEl>
+                                        <p:attrNameLst>
+                                          <p:attrName>ppt_x</p:attrName>
+                                        </p:attrNameLst>
+                                      </p:cBhvr>
+                                      <p:tavLst>
+                                        <p:tav tm="0">
+                                          <p:val>
+                                            <p:strVal val="#ppt_x"/>
+                                          </p:val>
+                                        </p:tav>
+                                        <p:tav tm="100000">
+                                          <p:val>
+                                            <p:strVal val="#ppt_x"/>
+                                          </p:val>
+                                        </p:tav>
+                                      </p:tavLst>
+                                    </p:anim>
+                                    <p:anim calcmode="lin" valueType="num">
+                                      <p:cBhvr additive="base">
+                                        <p:cTn id="8" dur="500" fill="hold"/>
+                                        <p:tgtEl>
+                                          <p:spTgt spid="3">
+                                            <p:txEl>
+                                              <p:pRg st="0" end="0"/>
+                                            </p:txEl>
+                                          </p:spTgt>
+                                        </p:tgtEl>
+                                        <p:attrNameLst>
+                                          <p:attrName>ppt_y</p:attrName>
+                                        </p:attrNameLst>
+                                      </p:cBhvr>
+                                      <p:tavLst>
+                                        <p:tav tm="0">
+                                          <p:val>
+                                            <p:strVal val="1+#ppt_h/2"/>
+                                          </p:val>
+                                        </p:tav>
+                                        <p:tav tm="100000">
+                                          <p:val>
+                                            <p:strVal val="#ppt_y"/>
+                                          </p:val>
+                                        </p:tav>
+                                      </p:tavLst>
+                                    </p:anim>
+                                  </p:childTnLst>
+                                </p:cTn>
+                              </p:par>
+                              <p:par>
+                                <p:cTn id="9" presetID="2" presetClass="entr" presetSubtype="4" fill="hold" nodeType="withEffect">
+                                  <p:stCondLst>
+                                    <p:cond delay="0"/>
+                                  </p:stCondLst>
+                                  <p:childTnLst>
+                                    <p:set>
+                                      <p:cBhvr>
+                                        <p:cTn id="10" dur="1" fill="hold">
+                                          <p:stCondLst>
+                                            <p:cond delay="0"/>
+                                          </p:stCondLst>
+                                        </p:cTn>
+                                        <p:tgtEl>
+                                          <p:spTgt spid="3">
+                                            <p:txEl>
+                                              <p:pRg st="1" end="1"/>
+                                            </p:txEl>
+                                          </p:spTgt>
+                                        </p:tgtEl>
+                                        <p:attrNameLst>
+                                          <p:attrName>style.visibility</p:attrName>
+                                        </p:attrNameLst>
+                                      </p:cBhvr>
+                                      <p:to>
+                                        <p:strVal val="visible"/>
+                                      </p:to>
+                                    </p:set>
+                                    <p:anim calcmode="lin" valueType="num">
+                                      <p:cBhvr additive="base">
+                                        <p:cTn id="11" dur="500" fill="hold"/>
+                                        <p:tgtEl>
+                                          <p:spTgt spid="3">
+                                            <p:txEl>
+                                              <p:pRg st="1" end="1"/>
+                                            </p:txEl>
+                                          </p:spTgt>
+                                        </p:tgtEl>
+                                        <p:attrNameLst>
+                                          <p:attrName>ppt_x</p:attrName>
+                                        </p:attrNameLst>
+                                      </p:cBhvr>
+                                      <p:tavLst>
+                                        <p:tav tm="0">
+                                          <p:val>
+                                            <p:strVal val="#ppt_x"/>
+                                          </p:val>
+                                        </p:tav>
+                                        <p:tav tm="100000">
+                                          <p:val>
+                                            <p:strVal val="#ppt_x"/>
+                                          </p:val>
+                                        </p:tav>
+                                      </p:tavLst>
+                                    </p:anim>
+                                    <p:anim calcmode="lin" valueType="num">
+                                      <p:cBhvr additive="base">
+                                        <p:cTn id="12" dur="500" fill="hold"/>
+                                        <p:tgtEl>
+                                          <p:spTgt spid="3">
+                                            <p:txEl>
+                                              <p:pRg st="1" end="1"/>
+                                            </p:txEl>
+                                          </p:spTgt>
+                                        </p:tgtEl>
+                                        <p:attrNameLst>
+                                          <p:attrName>ppt_y</p:attrName>
+                                        </p:attrNameLst>
+                                      </p:cBhvr>
+                                      <p:tavLst>
+                                        <p:tav tm="0">
+                                          <p:val>
+                                            <p:strVal val="1+#ppt_h/2"/>
+                                          </p:val>
+                                        </p:tav>
+                                        <p:tav tm="100000">
+                                          <p:val>
+                                            <p:strVal val="#ppt_y"/>
+                                          </p:val>
+                                        </p:tav>
+                                      </p:tavLst>
+                                    </p:anim>
+                                  </p:childTnLst>
+                                </p:cTn>
+                              </p:par>
+                              <p:par>
+                                <p:cTn id="13" presetID="2" presetClass="entr" presetSubtype="4" fill="hold" nodeType="withEffect">
+                                  <p:stCondLst>
+                                    <p:cond delay="0"/>
+                                  </p:stCondLst>
+                                  <p:childTnLst>
+                                    <p:set>
+                                      <p:cBhvr>
+                                        <p:cTn id="14" dur="1" fill="hold">
+                                          <p:stCondLst>
+                                            <p:cond delay="0"/>
+                                          </p:stCondLst>
+                                        </p:cTn>
+                                        <p:tgtEl>
+                                          <p:spTgt spid="3">
+                                            <p:txEl>
+                                              <p:pRg st="2" end="2"/>
+                                            </p:txEl>
+                                          </p:spTgt>
+                                        </p:tgtEl>
+                                        <p:attrNameLst>
+                                          <p:attrName>style.visibility</p:attrName>
+                                        </p:attrNameLst>
+                                      </p:cBhvr>
+                                      <p:to>
+                                        <p:strVal val="visible"/>
+                                      </p:to>
+                                    </p:set>
+                                    <p:anim calcmode="lin" valueType="num">
+                                      <p:cBhvr additive="base">
+                                        <p:cTn id="15" dur="500" fill="hold"/>
+                                        <p:tgtEl>
+                                          <p:spTgt spid="3">
+                                            <p:txEl>
+                                              <p:pRg st="2" end="2"/>
+                                            </p:txEl>
+                                          </p:spTgt>
+                                        </p:tgtEl>
+                                        <p:attrNameLst>
+                                          <p:attrName>ppt_x</p:attrName>
+                                        </p:attrNameLst>
+                                      </p:cBhvr>
+                                      <p:tavLst>
+                                        <p:tav tm="0">
+                                          <p:val>
+                                            <p:strVal val="#ppt_x"/>
+                                          </p:val>
+                                        </p:tav>
+                                        <p:tav tm="100000">
+                                          <p:val>
+                                            <p:strVal val="#ppt_x"/>
+                                          </p:val>
+                                        </p:tav>
+                                      </p:tavLst>
+                                    </p:anim>
+                                    <p:anim calcmode="lin" valueType="num">
+                                      <p:cBhvr additive="base">
+                                        <p:cTn id="16" dur="500" fill="hold"/>
+                                        <p:tgtEl>
+                                          <p:spTgt spid="3">
+                                            <p:txEl>
+                                              <p:pRg st="2" end="2"/>
+                                            </p:txEl>
+                                          </p:spTgt>
+                                        </p:tgtEl>
+                                        <p:attrNameLst>
+                                          <p:attrName>ppt_y</p:attrName>
+                                        </p:attrNameLst>
+                                      </p:cBhvr>
+                                      <p:tavLst>
+                                        <p:tav tm="0">
+                                          <p:val>
+                                            <p:strVal val="1+#ppt_h/2"/>
+                                          </p:val>
+                                        </p:tav>
+                                        <p:tav tm="100000">
+                                          <p:val>
+                                            <p:strVal val="#ppt_y"/>
+                                          </p:val>
+                                        </p:tav>
+                                      </p:tavLst>
+                                    </p:anim>
+                                  </p:childTnLst>
+                                </p:cTn>
+                              </p:par>
+                            </p:childTnLst>
+                          </p:cTn>
+                        </p:par>
+                      </p:childTnLst>
+                    </p:cTn>
+                  </p:par>
+                </p:childTnLst>
+              </p:cTn>
+              <p:prevCondLst>
+                <p:cond evt="onPrev" delay="0">
+                  <p:tgtEl>
+                    <p:sldTgt/>
+                  </p:tgtEl>
+                </p:cond>
+              </p:prevCondLst>
+              <p:nextCondLst>
+                <p:cond evt="onNext" delay="0">
+                  <p:tgtEl>
+                    <p:sldTgt/>
+                  </p:tgtEl>
+                </p:cond>
+              </p:nextCondLst>
+            </p:seq>
+          </p:childTnLst>
+        </p:cTn>
+      </p:par>
+    </p:tnLst>
+  </p:timing>
 </p:sld>
 </file>
 
@@ -17523,6 +21218,345 @@
   <p:clrMapOvr>
     <a:overrideClrMapping bg1="lt1" tx1="dk1" bg2="lt2" tx2="dk2" accent1="accent1" accent2="accent2" accent3="accent3" accent4="accent4" accent5="accent5" accent6="accent6" hlink="hlink" folHlink="folHlink"/>
   </p:clrMapOvr>
+  <p:timing>
+    <p:tnLst>
+      <p:par>
+        <p:cTn id="1" dur="indefinite" restart="never" nodeType="tmRoot">
+          <p:childTnLst>
+            <p:seq concurrent="1" nextAc="seek">
+              <p:cTn id="2" dur="indefinite" nodeType="mainSeq">
+                <p:childTnLst>
+                  <p:par>
+                    <p:cTn id="3" fill="hold">
+                      <p:stCondLst>
+                        <p:cond delay="indefinite"/>
+                      </p:stCondLst>
+                      <p:childTnLst>
+                        <p:par>
+                          <p:cTn id="4" fill="hold">
+                            <p:stCondLst>
+                              <p:cond delay="0"/>
+                            </p:stCondLst>
+                            <p:childTnLst>
+                              <p:par>
+                                <p:cTn id="5" presetID="42" presetClass="entr" presetSubtype="0" fill="hold" nodeType="clickEffect">
+                                  <p:stCondLst>
+                                    <p:cond delay="0"/>
+                                  </p:stCondLst>
+                                  <p:childTnLst>
+                                    <p:set>
+                                      <p:cBhvr>
+                                        <p:cTn id="6" dur="1" fill="hold">
+                                          <p:stCondLst>
+                                            <p:cond delay="0"/>
+                                          </p:stCondLst>
+                                        </p:cTn>
+                                        <p:tgtEl>
+                                          <p:spTgt spid="3">
+                                            <p:txEl>
+                                              <p:pRg st="0" end="0"/>
+                                            </p:txEl>
+                                          </p:spTgt>
+                                        </p:tgtEl>
+                                        <p:attrNameLst>
+                                          <p:attrName>style.visibility</p:attrName>
+                                        </p:attrNameLst>
+                                      </p:cBhvr>
+                                      <p:to>
+                                        <p:strVal val="visible"/>
+                                      </p:to>
+                                    </p:set>
+                                    <p:animEffect transition="in" filter="fade">
+                                      <p:cBhvr>
+                                        <p:cTn id="7" dur="1000"/>
+                                        <p:tgtEl>
+                                          <p:spTgt spid="3">
+                                            <p:txEl>
+                                              <p:pRg st="0" end="0"/>
+                                            </p:txEl>
+                                          </p:spTgt>
+                                        </p:tgtEl>
+                                      </p:cBhvr>
+                                    </p:animEffect>
+                                    <p:anim calcmode="lin" valueType="num">
+                                      <p:cBhvr>
+                                        <p:cTn id="8" dur="1000" fill="hold"/>
+                                        <p:tgtEl>
+                                          <p:spTgt spid="3">
+                                            <p:txEl>
+                                              <p:pRg st="0" end="0"/>
+                                            </p:txEl>
+                                          </p:spTgt>
+                                        </p:tgtEl>
+                                        <p:attrNameLst>
+                                          <p:attrName>ppt_x</p:attrName>
+                                        </p:attrNameLst>
+                                      </p:cBhvr>
+                                      <p:tavLst>
+                                        <p:tav tm="0">
+                                          <p:val>
+                                            <p:strVal val="#ppt_x"/>
+                                          </p:val>
+                                        </p:tav>
+                                        <p:tav tm="100000">
+                                          <p:val>
+                                            <p:strVal val="#ppt_x"/>
+                                          </p:val>
+                                        </p:tav>
+                                      </p:tavLst>
+                                    </p:anim>
+                                    <p:anim calcmode="lin" valueType="num">
+                                      <p:cBhvr>
+                                        <p:cTn id="9" dur="1000" fill="hold"/>
+                                        <p:tgtEl>
+                                          <p:spTgt spid="3">
+                                            <p:txEl>
+                                              <p:pRg st="0" end="0"/>
+                                            </p:txEl>
+                                          </p:spTgt>
+                                        </p:tgtEl>
+                                        <p:attrNameLst>
+                                          <p:attrName>ppt_y</p:attrName>
+                                        </p:attrNameLst>
+                                      </p:cBhvr>
+                                      <p:tavLst>
+                                        <p:tav tm="0">
+                                          <p:val>
+                                            <p:strVal val="#ppt_y+.1"/>
+                                          </p:val>
+                                        </p:tav>
+                                        <p:tav tm="100000">
+                                          <p:val>
+                                            <p:strVal val="#ppt_y"/>
+                                          </p:val>
+                                        </p:tav>
+                                      </p:tavLst>
+                                    </p:anim>
+                                  </p:childTnLst>
+                                </p:cTn>
+                              </p:par>
+                              <p:par>
+                                <p:cTn id="10" presetID="42" presetClass="entr" presetSubtype="0" fill="hold" nodeType="withEffect">
+                                  <p:stCondLst>
+                                    <p:cond delay="0"/>
+                                  </p:stCondLst>
+                                  <p:childTnLst>
+                                    <p:set>
+                                      <p:cBhvr>
+                                        <p:cTn id="11" dur="1" fill="hold">
+                                          <p:stCondLst>
+                                            <p:cond delay="0"/>
+                                          </p:stCondLst>
+                                        </p:cTn>
+                                        <p:tgtEl>
+                                          <p:spTgt spid="3">
+                                            <p:txEl>
+                                              <p:pRg st="1" end="1"/>
+                                            </p:txEl>
+                                          </p:spTgt>
+                                        </p:tgtEl>
+                                        <p:attrNameLst>
+                                          <p:attrName>style.visibility</p:attrName>
+                                        </p:attrNameLst>
+                                      </p:cBhvr>
+                                      <p:to>
+                                        <p:strVal val="visible"/>
+                                      </p:to>
+                                    </p:set>
+                                    <p:animEffect transition="in" filter="fade">
+                                      <p:cBhvr>
+                                        <p:cTn id="12" dur="1000"/>
+                                        <p:tgtEl>
+                                          <p:spTgt spid="3">
+                                            <p:txEl>
+                                              <p:pRg st="1" end="1"/>
+                                            </p:txEl>
+                                          </p:spTgt>
+                                        </p:tgtEl>
+                                      </p:cBhvr>
+                                    </p:animEffect>
+                                    <p:anim calcmode="lin" valueType="num">
+                                      <p:cBhvr>
+                                        <p:cTn id="13" dur="1000" fill="hold"/>
+                                        <p:tgtEl>
+                                          <p:spTgt spid="3">
+                                            <p:txEl>
+                                              <p:pRg st="1" end="1"/>
+                                            </p:txEl>
+                                          </p:spTgt>
+                                        </p:tgtEl>
+                                        <p:attrNameLst>
+                                          <p:attrName>ppt_x</p:attrName>
+                                        </p:attrNameLst>
+                                      </p:cBhvr>
+                                      <p:tavLst>
+                                        <p:tav tm="0">
+                                          <p:val>
+                                            <p:strVal val="#ppt_x"/>
+                                          </p:val>
+                                        </p:tav>
+                                        <p:tav tm="100000">
+                                          <p:val>
+                                            <p:strVal val="#ppt_x"/>
+                                          </p:val>
+                                        </p:tav>
+                                      </p:tavLst>
+                                    </p:anim>
+                                    <p:anim calcmode="lin" valueType="num">
+                                      <p:cBhvr>
+                                        <p:cTn id="14" dur="1000" fill="hold"/>
+                                        <p:tgtEl>
+                                          <p:spTgt spid="3">
+                                            <p:txEl>
+                                              <p:pRg st="1" end="1"/>
+                                            </p:txEl>
+                                          </p:spTgt>
+                                        </p:tgtEl>
+                                        <p:attrNameLst>
+                                          <p:attrName>ppt_y</p:attrName>
+                                        </p:attrNameLst>
+                                      </p:cBhvr>
+                                      <p:tavLst>
+                                        <p:tav tm="0">
+                                          <p:val>
+                                            <p:strVal val="#ppt_y+.1"/>
+                                          </p:val>
+                                        </p:tav>
+                                        <p:tav tm="100000">
+                                          <p:val>
+                                            <p:strVal val="#ppt_y"/>
+                                          </p:val>
+                                        </p:tav>
+                                      </p:tavLst>
+                                    </p:anim>
+                                  </p:childTnLst>
+                                </p:cTn>
+                              </p:par>
+                              <p:par>
+                                <p:cTn id="15" presetID="42" presetClass="entr" presetSubtype="0" fill="hold" nodeType="withEffect">
+                                  <p:stCondLst>
+                                    <p:cond delay="0"/>
+                                  </p:stCondLst>
+                                  <p:childTnLst>
+                                    <p:set>
+                                      <p:cBhvr>
+                                        <p:cTn id="16" dur="1" fill="hold">
+                                          <p:stCondLst>
+                                            <p:cond delay="0"/>
+                                          </p:stCondLst>
+                                        </p:cTn>
+                                        <p:tgtEl>
+                                          <p:spTgt spid="3">
+                                            <p:txEl>
+                                              <p:pRg st="2" end="2"/>
+                                            </p:txEl>
+                                          </p:spTgt>
+                                        </p:tgtEl>
+                                        <p:attrNameLst>
+                                          <p:attrName>style.visibility</p:attrName>
+                                        </p:attrNameLst>
+                                      </p:cBhvr>
+                                      <p:to>
+                                        <p:strVal val="visible"/>
+                                      </p:to>
+                                    </p:set>
+                                    <p:animEffect transition="in" filter="fade">
+                                      <p:cBhvr>
+                                        <p:cTn id="17" dur="1000"/>
+                                        <p:tgtEl>
+                                          <p:spTgt spid="3">
+                                            <p:txEl>
+                                              <p:pRg st="2" end="2"/>
+                                            </p:txEl>
+                                          </p:spTgt>
+                                        </p:tgtEl>
+                                      </p:cBhvr>
+                                    </p:animEffect>
+                                    <p:anim calcmode="lin" valueType="num">
+                                      <p:cBhvr>
+                                        <p:cTn id="18" dur="1000" fill="hold"/>
+                                        <p:tgtEl>
+                                          <p:spTgt spid="3">
+                                            <p:txEl>
+                                              <p:pRg st="2" end="2"/>
+                                            </p:txEl>
+                                          </p:spTgt>
+                                        </p:tgtEl>
+                                        <p:attrNameLst>
+                                          <p:attrName>ppt_x</p:attrName>
+                                        </p:attrNameLst>
+                                      </p:cBhvr>
+                                      <p:tavLst>
+                                        <p:tav tm="0">
+                                          <p:val>
+                                            <p:strVal val="#ppt_x"/>
+                                          </p:val>
+                                        </p:tav>
+                                        <p:tav tm="100000">
+                                          <p:val>
+                                            <p:strVal val="#ppt_x"/>
+                                          </p:val>
+                                        </p:tav>
+                                      </p:tavLst>
+                                    </p:anim>
+                                    <p:anim calcmode="lin" valueType="num">
+                                      <p:cBhvr>
+                                        <p:cTn id="19" dur="1000" fill="hold"/>
+                                        <p:tgtEl>
+                                          <p:spTgt spid="3">
+                                            <p:txEl>
+                                              <p:pRg st="2" end="2"/>
+                                            </p:txEl>
+                                          </p:spTgt>
+                                        </p:tgtEl>
+                                        <p:attrNameLst>
+                                          <p:attrName>ppt_y</p:attrName>
+                                        </p:attrNameLst>
+                                      </p:cBhvr>
+                                      <p:tavLst>
+                                        <p:tav tm="0">
+                                          <p:val>
+                                            <p:strVal val="#ppt_y+.1"/>
+                                          </p:val>
+                                        </p:tav>
+                                        <p:tav tm="100000">
+                                          <p:val>
+                                            <p:strVal val="#ppt_y"/>
+                                          </p:val>
+                                        </p:tav>
+                                      </p:tavLst>
+                                    </p:anim>
+                                  </p:childTnLst>
+                                </p:cTn>
+                              </p:par>
+                            </p:childTnLst>
+                          </p:cTn>
+                        </p:par>
+                      </p:childTnLst>
+                    </p:cTn>
+                  </p:par>
+                </p:childTnLst>
+              </p:cTn>
+              <p:prevCondLst>
+                <p:cond evt="onPrev" delay="0">
+                  <p:tgtEl>
+                    <p:sldTgt/>
+                  </p:tgtEl>
+                </p:cond>
+              </p:prevCondLst>
+              <p:nextCondLst>
+                <p:cond evt="onNext" delay="0">
+                  <p:tgtEl>
+                    <p:sldTgt/>
+                  </p:tgtEl>
+                </p:cond>
+              </p:nextCondLst>
+            </p:seq>
+          </p:childTnLst>
+        </p:cTn>
+      </p:par>
+    </p:tnLst>
+  </p:timing>
 </p:sld>
 </file>
 
@@ -18627,6 +22661,132 @@
   <p:clrMapOvr>
     <a:overrideClrMapping bg1="lt1" tx1="dk1" bg2="lt2" tx2="dk2" accent1="accent1" accent2="accent2" accent3="accent3" accent4="accent4" accent5="accent5" accent6="accent6" hlink="hlink" folHlink="folHlink"/>
   </p:clrMapOvr>
+  <p:timing>
+    <p:tnLst>
+      <p:par>
+        <p:cTn id="1" dur="indefinite" restart="never" nodeType="tmRoot">
+          <p:childTnLst>
+            <p:seq concurrent="1" nextAc="seek">
+              <p:cTn id="2" dur="indefinite" nodeType="mainSeq">
+                <p:childTnLst>
+                  <p:par>
+                    <p:cTn id="3" fill="hold">
+                      <p:stCondLst>
+                        <p:cond delay="indefinite"/>
+                      </p:stCondLst>
+                      <p:childTnLst>
+                        <p:par>
+                          <p:cTn id="4" fill="hold">
+                            <p:stCondLst>
+                              <p:cond delay="0"/>
+                            </p:stCondLst>
+                            <p:childTnLst>
+                              <p:par>
+                                <p:cTn id="5" presetID="2" presetClass="entr" presetSubtype="4" fill="hold" grpId="0" nodeType="clickEffect">
+                                  <p:stCondLst>
+                                    <p:cond delay="0"/>
+                                  </p:stCondLst>
+                                  <p:childTnLst>
+                                    <p:set>
+                                      <p:cBhvr>
+                                        <p:cTn id="6" dur="1" fill="hold">
+                                          <p:stCondLst>
+                                            <p:cond delay="0"/>
+                                          </p:stCondLst>
+                                        </p:cTn>
+                                        <p:tgtEl>
+                                          <p:spTgt spid="5"/>
+                                        </p:tgtEl>
+                                        <p:attrNameLst>
+                                          <p:attrName>style.visibility</p:attrName>
+                                        </p:attrNameLst>
+                                      </p:cBhvr>
+                                      <p:to>
+                                        <p:strVal val="visible"/>
+                                      </p:to>
+                                    </p:set>
+                                    <p:anim calcmode="lin" valueType="num">
+                                      <p:cBhvr additive="base">
+                                        <p:cTn id="7" dur="500" fill="hold"/>
+                                        <p:tgtEl>
+                                          <p:spTgt spid="5"/>
+                                        </p:tgtEl>
+                                        <p:attrNameLst>
+                                          <p:attrName>ppt_x</p:attrName>
+                                        </p:attrNameLst>
+                                      </p:cBhvr>
+                                      <p:tavLst>
+                                        <p:tav tm="0">
+                                          <p:val>
+                                            <p:strVal val="#ppt_x"/>
+                                          </p:val>
+                                        </p:tav>
+                                        <p:tav tm="100000">
+                                          <p:val>
+                                            <p:strVal val="#ppt_x"/>
+                                          </p:val>
+                                        </p:tav>
+                                      </p:tavLst>
+                                    </p:anim>
+                                    <p:anim calcmode="lin" valueType="num">
+                                      <p:cBhvr additive="base">
+                                        <p:cTn id="8" dur="500" fill="hold"/>
+                                        <p:tgtEl>
+                                          <p:spTgt spid="5"/>
+                                        </p:tgtEl>
+                                        <p:attrNameLst>
+                                          <p:attrName>ppt_y</p:attrName>
+                                        </p:attrNameLst>
+                                      </p:cBhvr>
+                                      <p:tavLst>
+                                        <p:tav tm="0">
+                                          <p:val>
+                                            <p:strVal val="1+#ppt_h/2"/>
+                                          </p:val>
+                                        </p:tav>
+                                        <p:tav tm="100000">
+                                          <p:val>
+                                            <p:strVal val="#ppt_y"/>
+                                          </p:val>
+                                        </p:tav>
+                                      </p:tavLst>
+                                    </p:anim>
+                                  </p:childTnLst>
+                                </p:cTn>
+                              </p:par>
+                            </p:childTnLst>
+                          </p:cTn>
+                        </p:par>
+                      </p:childTnLst>
+                    </p:cTn>
+                  </p:par>
+                </p:childTnLst>
+              </p:cTn>
+              <p:prevCondLst>
+                <p:cond evt="onPrev" delay="0">
+                  <p:tgtEl>
+                    <p:sldTgt/>
+                  </p:tgtEl>
+                </p:cond>
+              </p:prevCondLst>
+              <p:nextCondLst>
+                <p:cond evt="onNext" delay="0">
+                  <p:tgtEl>
+                    <p:sldTgt/>
+                  </p:tgtEl>
+                </p:cond>
+              </p:nextCondLst>
+            </p:seq>
+          </p:childTnLst>
+        </p:cTn>
+      </p:par>
+    </p:tnLst>
+    <p:bldLst>
+      <p:bldGraphic spid="5" grpId="0">
+        <p:bldAsOne/>
+      </p:bldGraphic>
+    </p:bldLst>
+  </p:timing>
 </p:sld>
 </file>
 
@@ -18837,23 +22997,33 @@
             <a:r>
               <a:rPr lang="en-US" altLang="zh-CN" b="0" i="0" dirty="0">
                 <a:effectLst/>
-                <a:latin typeface="Söhne"/>
+                <a:latin typeface="Arial" panose="020B0604020202020204" pitchFamily="34" charset="0"/>
+                <a:cs typeface="Arial" panose="020B0604020202020204" pitchFamily="34" charset="0"/>
               </a:rPr>
               <a:t>Developers with Django skill often face challenges in deploying Django projects on AWS. </a:t>
             </a:r>
           </a:p>
           <a:p>
             <a:endParaRPr lang="en-US" altLang="zh-CN" dirty="0">
-              <a:latin typeface="Söhne"/>
+              <a:latin typeface="Arial" panose="020B0604020202020204" pitchFamily="34" charset="0"/>
+              <a:cs typeface="Arial" panose="020B0604020202020204" pitchFamily="34" charset="0"/>
             </a:endParaRPr>
           </a:p>
           <a:p>
+            <a:r>
+              <a:rPr lang="en-US" altLang="zh-CN" b="0" i="0" dirty="0">
+                <a:effectLst/>
+                <a:latin typeface="Arial" panose="020B0604020202020204" pitchFamily="34" charset="0"/>
+                <a:cs typeface="Arial" panose="020B0604020202020204" pitchFamily="34" charset="0"/>
+              </a:rPr>
+              <a:t>Our solution simplifies this process, allowing quick and efficient deployment</a:t>
+            </a:r>
             <a:r>
               <a:rPr lang="en-US" altLang="zh-CN" b="0" i="0" dirty="0">
                 <a:effectLst/>
                 <a:latin typeface="Söhne"/>
               </a:rPr>
-              <a:t>Our solution simplifies this process, allowing quick and efficient deployment.</a:t>
+              <a:t>.</a:t>
             </a:r>
             <a:endParaRPr lang="zh-CN" altLang="en-US" dirty="0"/>
           </a:p>
@@ -18869,6 +23039,128 @@
   <p:clrMapOvr>
     <a:masterClrMapping/>
   </p:clrMapOvr>
+  <p:timing>
+    <p:tnLst>
+      <p:par>
+        <p:cTn id="1" dur="indefinite" restart="never" nodeType="tmRoot">
+          <p:childTnLst>
+            <p:seq concurrent="1" nextAc="seek">
+              <p:cTn id="2" dur="indefinite" nodeType="mainSeq">
+                <p:childTnLst>
+                  <p:par>
+                    <p:cTn id="3" fill="hold">
+                      <p:stCondLst>
+                        <p:cond delay="indefinite"/>
+                      </p:stCondLst>
+                      <p:childTnLst>
+                        <p:par>
+                          <p:cTn id="4" fill="hold">
+                            <p:stCondLst>
+                              <p:cond delay="0"/>
+                            </p:stCondLst>
+                            <p:childTnLst>
+                              <p:par>
+                                <p:cTn id="5" presetID="1" presetClass="entr" presetSubtype="0" fill="hold" grpId="0" nodeType="clickEffect">
+                                  <p:stCondLst>
+                                    <p:cond delay="0"/>
+                                  </p:stCondLst>
+                                  <p:childTnLst>
+                                    <p:set>
+                                      <p:cBhvr>
+                                        <p:cTn id="6" dur="1" fill="hold">
+                                          <p:stCondLst>
+                                            <p:cond delay="0"/>
+                                          </p:stCondLst>
+                                        </p:cTn>
+                                        <p:tgtEl>
+                                          <p:spTgt spid="3">
+                                            <p:txEl>
+                                              <p:pRg st="0" end="0"/>
+                                            </p:txEl>
+                                          </p:spTgt>
+                                        </p:tgtEl>
+                                        <p:attrNameLst>
+                                          <p:attrName>style.visibility</p:attrName>
+                                        </p:attrNameLst>
+                                      </p:cBhvr>
+                                      <p:to>
+                                        <p:strVal val="visible"/>
+                                      </p:to>
+                                    </p:set>
+                                  </p:childTnLst>
+                                </p:cTn>
+                              </p:par>
+                            </p:childTnLst>
+                          </p:cTn>
+                        </p:par>
+                        <p:par>
+                          <p:cTn id="7" fill="hold">
+                            <p:stCondLst>
+                              <p:cond delay="0"/>
+                            </p:stCondLst>
+                            <p:childTnLst>
+                              <p:par>
+                                <p:cTn id="8" presetID="1" presetClass="entr" presetSubtype="0" fill="hold" grpId="0" nodeType="afterEffect">
+                                  <p:stCondLst>
+                                    <p:cond delay="1250"/>
+                                  </p:stCondLst>
+                                  <p:childTnLst>
+                                    <p:set>
+                                      <p:cBhvr>
+                                        <p:cTn id="9" dur="1" fill="hold">
+                                          <p:stCondLst>
+                                            <p:cond delay="0"/>
+                                          </p:stCondLst>
+                                        </p:cTn>
+                                        <p:tgtEl>
+                                          <p:spTgt spid="3">
+                                            <p:txEl>
+                                              <p:pRg st="2" end="2"/>
+                                            </p:txEl>
+                                          </p:spTgt>
+                                        </p:tgtEl>
+                                        <p:attrNameLst>
+                                          <p:attrName>style.visibility</p:attrName>
+                                        </p:attrNameLst>
+                                      </p:cBhvr>
+                                      <p:to>
+                                        <p:strVal val="visible"/>
+                                      </p:to>
+                                    </p:set>
+                                  </p:childTnLst>
+                                </p:cTn>
+                              </p:par>
+                            </p:childTnLst>
+                          </p:cTn>
+                        </p:par>
+                      </p:childTnLst>
+                    </p:cTn>
+                  </p:par>
+                </p:childTnLst>
+              </p:cTn>
+              <p:prevCondLst>
+                <p:cond evt="onPrev" delay="0">
+                  <p:tgtEl>
+                    <p:sldTgt/>
+                  </p:tgtEl>
+                </p:cond>
+              </p:prevCondLst>
+              <p:nextCondLst>
+                <p:cond evt="onNext" delay="0">
+                  <p:tgtEl>
+                    <p:sldTgt/>
+                  </p:tgtEl>
+                </p:cond>
+              </p:nextCondLst>
+            </p:seq>
+          </p:childTnLst>
+        </p:cTn>
+      </p:par>
+    </p:tnLst>
+    <p:bldLst>
+      <p:bldP spid="3" grpId="0" uiExpand="1" build="p"/>
+    </p:bldLst>
+  </p:timing>
 </p:sld>
 </file>
 
@@ -19087,7 +23379,7 @@
               </a:lnSpc>
             </a:pPr>
             <a:r>
-              <a:rPr lang="en-US" altLang="zh-CN" sz="2800" b="1" dirty="0">
+              <a:rPr lang="en-US" altLang="zh-CN" sz="2400" b="1" dirty="0">
                 <a:latin typeface="Arial" panose="020B0604020202020204" pitchFamily="34" charset="0"/>
                 <a:cs typeface="Arial" panose="020B0604020202020204" pitchFamily="34" charset="0"/>
               </a:rPr>
@@ -19095,14 +23387,15 @@
             </a:r>
           </a:p>
           <a:p>
-            <a:pPr marL="0" indent="0">
+            <a:pPr>
               <a:lnSpc>
                 <a:spcPct val="90000"/>
               </a:lnSpc>
-              <a:buNone/>
+              <a:buFont typeface="Arial" panose="020B0604020202020204" pitchFamily="34" charset="0"/>
+              <a:buChar char="•"/>
             </a:pPr>
             <a:r>
-              <a:rPr lang="en-US" altLang="zh-CN" sz="2400" dirty="0">
+              <a:rPr lang="en-US" altLang="zh-CN" dirty="0">
                 <a:latin typeface="Arial" panose="020B0604020202020204" pitchFamily="34" charset="0"/>
                 <a:cs typeface="Arial" panose="020B0604020202020204" pitchFamily="34" charset="0"/>
               </a:rPr>
@@ -19128,7 +23421,7 @@
               </a:lnSpc>
             </a:pPr>
             <a:r>
-              <a:rPr lang="en-US" altLang="zh-CN" sz="2800" b="1" dirty="0">
+              <a:rPr lang="en-US" altLang="zh-CN" sz="2400" b="1" dirty="0">
                 <a:latin typeface="Arial" panose="020B0604020202020204" pitchFamily="34" charset="0"/>
                 <a:cs typeface="Arial" panose="020B0604020202020204" pitchFamily="34" charset="0"/>
               </a:rPr>
@@ -19136,20 +23429,21 @@
             </a:r>
           </a:p>
           <a:p>
-            <a:pPr marL="0" indent="0">
+            <a:pPr>
               <a:lnSpc>
                 <a:spcPct val="90000"/>
               </a:lnSpc>
-              <a:buNone/>
+              <a:buFont typeface="Arial" panose="020B0604020202020204" pitchFamily="34" charset="0"/>
+              <a:buChar char="•"/>
             </a:pPr>
             <a:r>
-              <a:rPr lang="en-US" altLang="zh-CN" sz="2400" dirty="0">
+              <a:rPr lang="en-US" altLang="zh-CN" dirty="0">
                 <a:latin typeface="Arial" panose="020B0604020202020204" pitchFamily="34" charset="0"/>
                 <a:cs typeface="Arial" panose="020B0604020202020204" pitchFamily="34" charset="0"/>
               </a:rPr>
               <a:t>Seamlessly connect your GitHub repository with our platform.</a:t>
             </a:r>
-            <a:endParaRPr lang="zh-CN" altLang="en-US" sz="2400" dirty="0">
+            <a:endParaRPr lang="zh-CN" altLang="en-US" dirty="0">
               <a:latin typeface="Arial" panose="020B0604020202020204" pitchFamily="34" charset="0"/>
               <a:cs typeface="Arial" panose="020B0604020202020204" pitchFamily="34" charset="0"/>
             </a:endParaRPr>
@@ -19173,7 +23467,7 @@
               </a:lnSpc>
             </a:pPr>
             <a:r>
-              <a:rPr lang="en-US" altLang="zh-CN" sz="2800" b="1" dirty="0">
+              <a:rPr lang="en-US" altLang="zh-CN" sz="2400" b="1" dirty="0">
                 <a:latin typeface="Arial" panose="020B0604020202020204" pitchFamily="34" charset="0"/>
                 <a:cs typeface="Arial" panose="020B0604020202020204" pitchFamily="34" charset="0"/>
               </a:rPr>
@@ -19181,20 +23475,21 @@
             </a:r>
           </a:p>
           <a:p>
-            <a:pPr marL="0" indent="0">
+            <a:pPr>
               <a:lnSpc>
                 <a:spcPct val="90000"/>
               </a:lnSpc>
-              <a:buNone/>
+              <a:buFont typeface="Arial" panose="020B0604020202020204" pitchFamily="34" charset="0"/>
+              <a:buChar char="•"/>
             </a:pPr>
             <a:r>
-              <a:rPr lang="en-US" altLang="zh-CN" sz="2400" dirty="0">
+              <a:rPr lang="en-US" altLang="zh-CN" dirty="0">
                 <a:latin typeface="Arial" panose="020B0604020202020204" pitchFamily="34" charset="0"/>
                 <a:cs typeface="Arial" panose="020B0604020202020204" pitchFamily="34" charset="0"/>
               </a:rPr>
               <a:t>Elevate your deployment experience with our centralized domain access feature. </a:t>
             </a:r>
-            <a:endParaRPr lang="zh-CN" altLang="en-US" sz="2400" dirty="0">
+            <a:endParaRPr lang="zh-CN" altLang="en-US" dirty="0">
               <a:latin typeface="Arial" panose="020B0604020202020204" pitchFamily="34" charset="0"/>
               <a:cs typeface="Arial" panose="020B0604020202020204" pitchFamily="34" charset="0"/>
             </a:endParaRPr>
@@ -19223,6 +23518,657 @@
   <p:clrMapOvr>
     <a:masterClrMapping/>
   </p:clrMapOvr>
+  <p:timing>
+    <p:tnLst>
+      <p:par>
+        <p:cTn id="1" dur="indefinite" restart="never" nodeType="tmRoot">
+          <p:childTnLst>
+            <p:seq concurrent="1" nextAc="seek">
+              <p:cTn id="2" dur="indefinite" nodeType="mainSeq">
+                <p:childTnLst>
+                  <p:par>
+                    <p:cTn id="3" fill="hold">
+                      <p:stCondLst>
+                        <p:cond delay="indefinite"/>
+                      </p:stCondLst>
+                      <p:childTnLst>
+                        <p:par>
+                          <p:cTn id="4" fill="hold">
+                            <p:stCondLst>
+                              <p:cond delay="0"/>
+                            </p:stCondLst>
+                            <p:childTnLst>
+                              <p:par>
+                                <p:cTn id="5" presetID="2" presetClass="entr" presetSubtype="4" fill="hold" grpId="0" nodeType="clickEffect">
+                                  <p:stCondLst>
+                                    <p:cond delay="0"/>
+                                  </p:stCondLst>
+                                  <p:childTnLst>
+                                    <p:set>
+                                      <p:cBhvr>
+                                        <p:cTn id="6" dur="1" fill="hold">
+                                          <p:stCondLst>
+                                            <p:cond delay="0"/>
+                                          </p:stCondLst>
+                                        </p:cTn>
+                                        <p:tgtEl>
+                                          <p:spTgt spid="3">
+                                            <p:txEl>
+                                              <p:pRg st="0" end="0"/>
+                                            </p:txEl>
+                                          </p:spTgt>
+                                        </p:tgtEl>
+                                        <p:attrNameLst>
+                                          <p:attrName>style.visibility</p:attrName>
+                                        </p:attrNameLst>
+                                      </p:cBhvr>
+                                      <p:to>
+                                        <p:strVal val="visible"/>
+                                      </p:to>
+                                    </p:set>
+                                    <p:anim calcmode="lin" valueType="num">
+                                      <p:cBhvr additive="base">
+                                        <p:cTn id="7" dur="500" fill="hold"/>
+                                        <p:tgtEl>
+                                          <p:spTgt spid="3">
+                                            <p:txEl>
+                                              <p:pRg st="0" end="0"/>
+                                            </p:txEl>
+                                          </p:spTgt>
+                                        </p:tgtEl>
+                                        <p:attrNameLst>
+                                          <p:attrName>ppt_x</p:attrName>
+                                        </p:attrNameLst>
+                                      </p:cBhvr>
+                                      <p:tavLst>
+                                        <p:tav tm="0">
+                                          <p:val>
+                                            <p:strVal val="#ppt_x"/>
+                                          </p:val>
+                                        </p:tav>
+                                        <p:tav tm="100000">
+                                          <p:val>
+                                            <p:strVal val="#ppt_x"/>
+                                          </p:val>
+                                        </p:tav>
+                                      </p:tavLst>
+                                    </p:anim>
+                                    <p:anim calcmode="lin" valueType="num">
+                                      <p:cBhvr additive="base">
+                                        <p:cTn id="8" dur="500" fill="hold"/>
+                                        <p:tgtEl>
+                                          <p:spTgt spid="3">
+                                            <p:txEl>
+                                              <p:pRg st="0" end="0"/>
+                                            </p:txEl>
+                                          </p:spTgt>
+                                        </p:tgtEl>
+                                        <p:attrNameLst>
+                                          <p:attrName>ppt_y</p:attrName>
+                                        </p:attrNameLst>
+                                      </p:cBhvr>
+                                      <p:tavLst>
+                                        <p:tav tm="0">
+                                          <p:val>
+                                            <p:strVal val="1+#ppt_h/2"/>
+                                          </p:val>
+                                        </p:tav>
+                                        <p:tav tm="100000">
+                                          <p:val>
+                                            <p:strVal val="#ppt_y"/>
+                                          </p:val>
+                                        </p:tav>
+                                      </p:tavLst>
+                                    </p:anim>
+                                  </p:childTnLst>
+                                </p:cTn>
+                              </p:par>
+                            </p:childTnLst>
+                          </p:cTn>
+                        </p:par>
+                      </p:childTnLst>
+                    </p:cTn>
+                  </p:par>
+                  <p:par>
+                    <p:cTn id="9" fill="hold">
+                      <p:stCondLst>
+                        <p:cond delay="indefinite"/>
+                      </p:stCondLst>
+                      <p:childTnLst>
+                        <p:par>
+                          <p:cTn id="10" fill="hold">
+                            <p:stCondLst>
+                              <p:cond delay="0"/>
+                            </p:stCondLst>
+                            <p:childTnLst>
+                              <p:par>
+                                <p:cTn id="11" presetID="2" presetClass="entr" presetSubtype="4" fill="hold" grpId="0" nodeType="clickEffect">
+                                  <p:stCondLst>
+                                    <p:cond delay="0"/>
+                                  </p:stCondLst>
+                                  <p:childTnLst>
+                                    <p:set>
+                                      <p:cBhvr>
+                                        <p:cTn id="12" dur="1" fill="hold">
+                                          <p:stCondLst>
+                                            <p:cond delay="0"/>
+                                          </p:stCondLst>
+                                        </p:cTn>
+                                        <p:tgtEl>
+                                          <p:spTgt spid="3">
+                                            <p:txEl>
+                                              <p:pRg st="1" end="1"/>
+                                            </p:txEl>
+                                          </p:spTgt>
+                                        </p:tgtEl>
+                                        <p:attrNameLst>
+                                          <p:attrName>style.visibility</p:attrName>
+                                        </p:attrNameLst>
+                                      </p:cBhvr>
+                                      <p:to>
+                                        <p:strVal val="visible"/>
+                                      </p:to>
+                                    </p:set>
+                                    <p:anim calcmode="lin" valueType="num">
+                                      <p:cBhvr additive="base">
+                                        <p:cTn id="13" dur="500" fill="hold"/>
+                                        <p:tgtEl>
+                                          <p:spTgt spid="3">
+                                            <p:txEl>
+                                              <p:pRg st="1" end="1"/>
+                                            </p:txEl>
+                                          </p:spTgt>
+                                        </p:tgtEl>
+                                        <p:attrNameLst>
+                                          <p:attrName>ppt_x</p:attrName>
+                                        </p:attrNameLst>
+                                      </p:cBhvr>
+                                      <p:tavLst>
+                                        <p:tav tm="0">
+                                          <p:val>
+                                            <p:strVal val="#ppt_x"/>
+                                          </p:val>
+                                        </p:tav>
+                                        <p:tav tm="100000">
+                                          <p:val>
+                                            <p:strVal val="#ppt_x"/>
+                                          </p:val>
+                                        </p:tav>
+                                      </p:tavLst>
+                                    </p:anim>
+                                    <p:anim calcmode="lin" valueType="num">
+                                      <p:cBhvr additive="base">
+                                        <p:cTn id="14" dur="500" fill="hold"/>
+                                        <p:tgtEl>
+                                          <p:spTgt spid="3">
+                                            <p:txEl>
+                                              <p:pRg st="1" end="1"/>
+                                            </p:txEl>
+                                          </p:spTgt>
+                                        </p:tgtEl>
+                                        <p:attrNameLst>
+                                          <p:attrName>ppt_y</p:attrName>
+                                        </p:attrNameLst>
+                                      </p:cBhvr>
+                                      <p:tavLst>
+                                        <p:tav tm="0">
+                                          <p:val>
+                                            <p:strVal val="1+#ppt_h/2"/>
+                                          </p:val>
+                                        </p:tav>
+                                        <p:tav tm="100000">
+                                          <p:val>
+                                            <p:strVal val="#ppt_y"/>
+                                          </p:val>
+                                        </p:tav>
+                                      </p:tavLst>
+                                    </p:anim>
+                                  </p:childTnLst>
+                                </p:cTn>
+                              </p:par>
+                            </p:childTnLst>
+                          </p:cTn>
+                        </p:par>
+                      </p:childTnLst>
+                    </p:cTn>
+                  </p:par>
+                  <p:par>
+                    <p:cTn id="15" fill="hold">
+                      <p:stCondLst>
+                        <p:cond delay="indefinite"/>
+                      </p:stCondLst>
+                      <p:childTnLst>
+                        <p:par>
+                          <p:cTn id="16" fill="hold">
+                            <p:stCondLst>
+                              <p:cond delay="0"/>
+                            </p:stCondLst>
+                            <p:childTnLst>
+                              <p:par>
+                                <p:cTn id="17" presetID="2" presetClass="entr" presetSubtype="4" fill="hold" grpId="0" nodeType="clickEffect">
+                                  <p:stCondLst>
+                                    <p:cond delay="0"/>
+                                  </p:stCondLst>
+                                  <p:childTnLst>
+                                    <p:set>
+                                      <p:cBhvr>
+                                        <p:cTn id="18" dur="1" fill="hold">
+                                          <p:stCondLst>
+                                            <p:cond delay="0"/>
+                                          </p:stCondLst>
+                                        </p:cTn>
+                                        <p:tgtEl>
+                                          <p:spTgt spid="3">
+                                            <p:txEl>
+                                              <p:pRg st="3" end="3"/>
+                                            </p:txEl>
+                                          </p:spTgt>
+                                        </p:tgtEl>
+                                        <p:attrNameLst>
+                                          <p:attrName>style.visibility</p:attrName>
+                                        </p:attrNameLst>
+                                      </p:cBhvr>
+                                      <p:to>
+                                        <p:strVal val="visible"/>
+                                      </p:to>
+                                    </p:set>
+                                    <p:anim calcmode="lin" valueType="num">
+                                      <p:cBhvr additive="base">
+                                        <p:cTn id="19" dur="500" fill="hold"/>
+                                        <p:tgtEl>
+                                          <p:spTgt spid="3">
+                                            <p:txEl>
+                                              <p:pRg st="3" end="3"/>
+                                            </p:txEl>
+                                          </p:spTgt>
+                                        </p:tgtEl>
+                                        <p:attrNameLst>
+                                          <p:attrName>ppt_x</p:attrName>
+                                        </p:attrNameLst>
+                                      </p:cBhvr>
+                                      <p:tavLst>
+                                        <p:tav tm="0">
+                                          <p:val>
+                                            <p:strVal val="#ppt_x"/>
+                                          </p:val>
+                                        </p:tav>
+                                        <p:tav tm="100000">
+                                          <p:val>
+                                            <p:strVal val="#ppt_x"/>
+                                          </p:val>
+                                        </p:tav>
+                                      </p:tavLst>
+                                    </p:anim>
+                                    <p:anim calcmode="lin" valueType="num">
+                                      <p:cBhvr additive="base">
+                                        <p:cTn id="20" dur="500" fill="hold"/>
+                                        <p:tgtEl>
+                                          <p:spTgt spid="3">
+                                            <p:txEl>
+                                              <p:pRg st="3" end="3"/>
+                                            </p:txEl>
+                                          </p:spTgt>
+                                        </p:tgtEl>
+                                        <p:attrNameLst>
+                                          <p:attrName>ppt_y</p:attrName>
+                                        </p:attrNameLst>
+                                      </p:cBhvr>
+                                      <p:tavLst>
+                                        <p:tav tm="0">
+                                          <p:val>
+                                            <p:strVal val="1+#ppt_h/2"/>
+                                          </p:val>
+                                        </p:tav>
+                                        <p:tav tm="100000">
+                                          <p:val>
+                                            <p:strVal val="#ppt_y"/>
+                                          </p:val>
+                                        </p:tav>
+                                      </p:tavLst>
+                                    </p:anim>
+                                  </p:childTnLst>
+                                </p:cTn>
+                              </p:par>
+                            </p:childTnLst>
+                          </p:cTn>
+                        </p:par>
+                      </p:childTnLst>
+                    </p:cTn>
+                  </p:par>
+                  <p:par>
+                    <p:cTn id="21" fill="hold">
+                      <p:stCondLst>
+                        <p:cond delay="indefinite"/>
+                      </p:stCondLst>
+                      <p:childTnLst>
+                        <p:par>
+                          <p:cTn id="22" fill="hold">
+                            <p:stCondLst>
+                              <p:cond delay="0"/>
+                            </p:stCondLst>
+                            <p:childTnLst>
+                              <p:par>
+                                <p:cTn id="23" presetID="2" presetClass="entr" presetSubtype="4" fill="hold" grpId="0" nodeType="clickEffect">
+                                  <p:stCondLst>
+                                    <p:cond delay="0"/>
+                                  </p:stCondLst>
+                                  <p:childTnLst>
+                                    <p:set>
+                                      <p:cBhvr>
+                                        <p:cTn id="24" dur="1" fill="hold">
+                                          <p:stCondLst>
+                                            <p:cond delay="0"/>
+                                          </p:stCondLst>
+                                        </p:cTn>
+                                        <p:tgtEl>
+                                          <p:spTgt spid="3">
+                                            <p:txEl>
+                                              <p:pRg st="4" end="4"/>
+                                            </p:txEl>
+                                          </p:spTgt>
+                                        </p:tgtEl>
+                                        <p:attrNameLst>
+                                          <p:attrName>style.visibility</p:attrName>
+                                        </p:attrNameLst>
+                                      </p:cBhvr>
+                                      <p:to>
+                                        <p:strVal val="visible"/>
+                                      </p:to>
+                                    </p:set>
+                                    <p:anim calcmode="lin" valueType="num">
+                                      <p:cBhvr additive="base">
+                                        <p:cTn id="25" dur="500" fill="hold"/>
+                                        <p:tgtEl>
+                                          <p:spTgt spid="3">
+                                            <p:txEl>
+                                              <p:pRg st="4" end="4"/>
+                                            </p:txEl>
+                                          </p:spTgt>
+                                        </p:tgtEl>
+                                        <p:attrNameLst>
+                                          <p:attrName>ppt_x</p:attrName>
+                                        </p:attrNameLst>
+                                      </p:cBhvr>
+                                      <p:tavLst>
+                                        <p:tav tm="0">
+                                          <p:val>
+                                            <p:strVal val="#ppt_x"/>
+                                          </p:val>
+                                        </p:tav>
+                                        <p:tav tm="100000">
+                                          <p:val>
+                                            <p:strVal val="#ppt_x"/>
+                                          </p:val>
+                                        </p:tav>
+                                      </p:tavLst>
+                                    </p:anim>
+                                    <p:anim calcmode="lin" valueType="num">
+                                      <p:cBhvr additive="base">
+                                        <p:cTn id="26" dur="500" fill="hold"/>
+                                        <p:tgtEl>
+                                          <p:spTgt spid="3">
+                                            <p:txEl>
+                                              <p:pRg st="4" end="4"/>
+                                            </p:txEl>
+                                          </p:spTgt>
+                                        </p:tgtEl>
+                                        <p:attrNameLst>
+                                          <p:attrName>ppt_y</p:attrName>
+                                        </p:attrNameLst>
+                                      </p:cBhvr>
+                                      <p:tavLst>
+                                        <p:tav tm="0">
+                                          <p:val>
+                                            <p:strVal val="1+#ppt_h/2"/>
+                                          </p:val>
+                                        </p:tav>
+                                        <p:tav tm="100000">
+                                          <p:val>
+                                            <p:strVal val="#ppt_y"/>
+                                          </p:val>
+                                        </p:tav>
+                                      </p:tavLst>
+                                    </p:anim>
+                                  </p:childTnLst>
+                                </p:cTn>
+                              </p:par>
+                            </p:childTnLst>
+                          </p:cTn>
+                        </p:par>
+                      </p:childTnLst>
+                    </p:cTn>
+                  </p:par>
+                  <p:par>
+                    <p:cTn id="27" fill="hold">
+                      <p:stCondLst>
+                        <p:cond delay="indefinite"/>
+                      </p:stCondLst>
+                      <p:childTnLst>
+                        <p:par>
+                          <p:cTn id="28" fill="hold">
+                            <p:stCondLst>
+                              <p:cond delay="0"/>
+                            </p:stCondLst>
+                            <p:childTnLst>
+                              <p:par>
+                                <p:cTn id="29" presetID="2" presetClass="entr" presetSubtype="4" fill="hold" grpId="0" nodeType="clickEffect">
+                                  <p:stCondLst>
+                                    <p:cond delay="0"/>
+                                  </p:stCondLst>
+                                  <p:childTnLst>
+                                    <p:set>
+                                      <p:cBhvr>
+                                        <p:cTn id="30" dur="1" fill="hold">
+                                          <p:stCondLst>
+                                            <p:cond delay="0"/>
+                                          </p:stCondLst>
+                                        </p:cTn>
+                                        <p:tgtEl>
+                                          <p:spTgt spid="3">
+                                            <p:txEl>
+                                              <p:pRg st="6" end="6"/>
+                                            </p:txEl>
+                                          </p:spTgt>
+                                        </p:tgtEl>
+                                        <p:attrNameLst>
+                                          <p:attrName>style.visibility</p:attrName>
+                                        </p:attrNameLst>
+                                      </p:cBhvr>
+                                      <p:to>
+                                        <p:strVal val="visible"/>
+                                      </p:to>
+                                    </p:set>
+                                    <p:anim calcmode="lin" valueType="num">
+                                      <p:cBhvr additive="base">
+                                        <p:cTn id="31" dur="500" fill="hold"/>
+                                        <p:tgtEl>
+                                          <p:spTgt spid="3">
+                                            <p:txEl>
+                                              <p:pRg st="6" end="6"/>
+                                            </p:txEl>
+                                          </p:spTgt>
+                                        </p:tgtEl>
+                                        <p:attrNameLst>
+                                          <p:attrName>ppt_x</p:attrName>
+                                        </p:attrNameLst>
+                                      </p:cBhvr>
+                                      <p:tavLst>
+                                        <p:tav tm="0">
+                                          <p:val>
+                                            <p:strVal val="#ppt_x"/>
+                                          </p:val>
+                                        </p:tav>
+                                        <p:tav tm="100000">
+                                          <p:val>
+                                            <p:strVal val="#ppt_x"/>
+                                          </p:val>
+                                        </p:tav>
+                                      </p:tavLst>
+                                    </p:anim>
+                                    <p:anim calcmode="lin" valueType="num">
+                                      <p:cBhvr additive="base">
+                                        <p:cTn id="32" dur="500" fill="hold"/>
+                                        <p:tgtEl>
+                                          <p:spTgt spid="3">
+                                            <p:txEl>
+                                              <p:pRg st="6" end="6"/>
+                                            </p:txEl>
+                                          </p:spTgt>
+                                        </p:tgtEl>
+                                        <p:attrNameLst>
+                                          <p:attrName>ppt_y</p:attrName>
+                                        </p:attrNameLst>
+                                      </p:cBhvr>
+                                      <p:tavLst>
+                                        <p:tav tm="0">
+                                          <p:val>
+                                            <p:strVal val="1+#ppt_h/2"/>
+                                          </p:val>
+                                        </p:tav>
+                                        <p:tav tm="100000">
+                                          <p:val>
+                                            <p:strVal val="#ppt_y"/>
+                                          </p:val>
+                                        </p:tav>
+                                      </p:tavLst>
+                                    </p:anim>
+                                  </p:childTnLst>
+                                </p:cTn>
+                              </p:par>
+                            </p:childTnLst>
+                          </p:cTn>
+                        </p:par>
+                      </p:childTnLst>
+                    </p:cTn>
+                  </p:par>
+                  <p:par>
+                    <p:cTn id="33" fill="hold">
+                      <p:stCondLst>
+                        <p:cond delay="indefinite"/>
+                      </p:stCondLst>
+                      <p:childTnLst>
+                        <p:par>
+                          <p:cTn id="34" fill="hold">
+                            <p:stCondLst>
+                              <p:cond delay="0"/>
+                            </p:stCondLst>
+                            <p:childTnLst>
+                              <p:par>
+                                <p:cTn id="35" presetID="2" presetClass="entr" presetSubtype="4" fill="hold" grpId="0" nodeType="clickEffect">
+                                  <p:stCondLst>
+                                    <p:cond delay="0"/>
+                                  </p:stCondLst>
+                                  <p:childTnLst>
+                                    <p:set>
+                                      <p:cBhvr>
+                                        <p:cTn id="36" dur="1" fill="hold">
+                                          <p:stCondLst>
+                                            <p:cond delay="0"/>
+                                          </p:stCondLst>
+                                        </p:cTn>
+                                        <p:tgtEl>
+                                          <p:spTgt spid="3">
+                                            <p:txEl>
+                                              <p:pRg st="7" end="7"/>
+                                            </p:txEl>
+                                          </p:spTgt>
+                                        </p:tgtEl>
+                                        <p:attrNameLst>
+                                          <p:attrName>style.visibility</p:attrName>
+                                        </p:attrNameLst>
+                                      </p:cBhvr>
+                                      <p:to>
+                                        <p:strVal val="visible"/>
+                                      </p:to>
+                                    </p:set>
+                                    <p:anim calcmode="lin" valueType="num">
+                                      <p:cBhvr additive="base">
+                                        <p:cTn id="37" dur="500" fill="hold"/>
+                                        <p:tgtEl>
+                                          <p:spTgt spid="3">
+                                            <p:txEl>
+                                              <p:pRg st="7" end="7"/>
+                                            </p:txEl>
+                                          </p:spTgt>
+                                        </p:tgtEl>
+                                        <p:attrNameLst>
+                                          <p:attrName>ppt_x</p:attrName>
+                                        </p:attrNameLst>
+                                      </p:cBhvr>
+                                      <p:tavLst>
+                                        <p:tav tm="0">
+                                          <p:val>
+                                            <p:strVal val="#ppt_x"/>
+                                          </p:val>
+                                        </p:tav>
+                                        <p:tav tm="100000">
+                                          <p:val>
+                                            <p:strVal val="#ppt_x"/>
+                                          </p:val>
+                                        </p:tav>
+                                      </p:tavLst>
+                                    </p:anim>
+                                    <p:anim calcmode="lin" valueType="num">
+                                      <p:cBhvr additive="base">
+                                        <p:cTn id="38" dur="500" fill="hold"/>
+                                        <p:tgtEl>
+                                          <p:spTgt spid="3">
+                                            <p:txEl>
+                                              <p:pRg st="7" end="7"/>
+                                            </p:txEl>
+                                          </p:spTgt>
+                                        </p:tgtEl>
+                                        <p:attrNameLst>
+                                          <p:attrName>ppt_y</p:attrName>
+                                        </p:attrNameLst>
+                                      </p:cBhvr>
+                                      <p:tavLst>
+                                        <p:tav tm="0">
+                                          <p:val>
+                                            <p:strVal val="1+#ppt_h/2"/>
+                                          </p:val>
+                                        </p:tav>
+                                        <p:tav tm="100000">
+                                          <p:val>
+                                            <p:strVal val="#ppt_y"/>
+                                          </p:val>
+                                        </p:tav>
+                                      </p:tavLst>
+                                    </p:anim>
+                                  </p:childTnLst>
+                                </p:cTn>
+                              </p:par>
+                            </p:childTnLst>
+                          </p:cTn>
+                        </p:par>
+                      </p:childTnLst>
+                    </p:cTn>
+                  </p:par>
+                </p:childTnLst>
+              </p:cTn>
+              <p:prevCondLst>
+                <p:cond evt="onPrev" delay="0">
+                  <p:tgtEl>
+                    <p:sldTgt/>
+                  </p:tgtEl>
+                </p:cond>
+              </p:prevCondLst>
+              <p:nextCondLst>
+                <p:cond evt="onNext" delay="0">
+                  <p:tgtEl>
+                    <p:sldTgt/>
+                  </p:tgtEl>
+                </p:cond>
+              </p:nextCondLst>
+            </p:seq>
+          </p:childTnLst>
+        </p:cTn>
+      </p:par>
+    </p:tnLst>
+    <p:bldLst>
+      <p:bldP spid="3" grpId="0" build="p"/>
+    </p:bldLst>
+  </p:timing>
 </p:sld>
 </file>
 
@@ -20255,7 +25201,7 @@
           <a:lstStyle/>
           <a:p>
             <a:r>
-              <a:rPr lang="en-US" altLang="zh-CN" sz="2800" b="1" dirty="0">
+              <a:rPr lang="en-US" altLang="zh-CN" sz="2400" b="1" dirty="0">
                 <a:latin typeface="Arial" panose="020B0604020202020204" pitchFamily="34" charset="0"/>
                 <a:cs typeface="Arial" panose="020B0604020202020204" pitchFamily="34" charset="0"/>
               </a:rPr>
@@ -20265,21 +25211,21 @@
           <a:p>
             <a:pPr lvl="1"/>
             <a:r>
-              <a:rPr lang="en-US" altLang="zh-CN" sz="2400" dirty="0">
+              <a:rPr lang="en-US" altLang="zh-CN" sz="2000" dirty="0">
                 <a:latin typeface="Arial" panose="020B0604020202020204" pitchFamily="34" charset="0"/>
                 <a:cs typeface="Arial" panose="020B0604020202020204" pitchFamily="34" charset="0"/>
               </a:rPr>
               <a:t>A public </a:t>
             </a:r>
             <a:r>
-              <a:rPr lang="en-US" altLang="zh-CN" sz="2400" dirty="0" err="1">
+              <a:rPr lang="en-US" altLang="zh-CN" sz="2000" dirty="0" err="1">
                 <a:latin typeface="Arial" panose="020B0604020202020204" pitchFamily="34" charset="0"/>
                 <a:cs typeface="Arial" panose="020B0604020202020204" pitchFamily="34" charset="0"/>
               </a:rPr>
               <a:t>Github</a:t>
             </a:r>
             <a:r>
-              <a:rPr lang="en-US" altLang="zh-CN" sz="2400" dirty="0">
+              <a:rPr lang="en-US" altLang="zh-CN" sz="2000" dirty="0">
                 <a:latin typeface="Arial" panose="020B0604020202020204" pitchFamily="34" charset="0"/>
                 <a:cs typeface="Arial" panose="020B0604020202020204" pitchFamily="34" charset="0"/>
               </a:rPr>
@@ -20290,7 +25236,7 @@
             <a:pPr marL="457200" lvl="1" indent="0">
               <a:buNone/>
             </a:pPr>
-            <a:endParaRPr lang="en-US" altLang="zh-CN" sz="2400" dirty="0">
+            <a:endParaRPr lang="en-US" altLang="zh-CN" sz="2000" dirty="0">
               <a:latin typeface="Arial" panose="020B0604020202020204" pitchFamily="34" charset="0"/>
               <a:cs typeface="Arial" panose="020B0604020202020204" pitchFamily="34" charset="0"/>
             </a:endParaRPr>
@@ -20298,7 +25244,7 @@
           <a:p>
             <a:pPr lvl="1"/>
             <a:r>
-              <a:rPr lang="en-US" altLang="zh-CN" sz="2400" dirty="0">
+              <a:rPr lang="en-US" altLang="zh-CN" sz="2000" dirty="0">
                 <a:latin typeface="Arial" panose="020B0604020202020204" pitchFamily="34" charset="0"/>
                 <a:cs typeface="Arial" panose="020B0604020202020204" pitchFamily="34" charset="0"/>
               </a:rPr>
@@ -20381,6 +25327,186 @@
   <p:clrMapOvr>
     <a:masterClrMapping/>
   </p:clrMapOvr>
+  <p:timing>
+    <p:tnLst>
+      <p:par>
+        <p:cTn id="1" dur="indefinite" restart="never" nodeType="tmRoot">
+          <p:childTnLst>
+            <p:seq concurrent="1" nextAc="seek">
+              <p:cTn id="2" dur="indefinite" nodeType="mainSeq">
+                <p:childTnLst>
+                  <p:par>
+                    <p:cTn id="3" fill="hold">
+                      <p:stCondLst>
+                        <p:cond delay="indefinite"/>
+                      </p:stCondLst>
+                      <p:childTnLst>
+                        <p:par>
+                          <p:cTn id="4" fill="hold">
+                            <p:stCondLst>
+                              <p:cond delay="0"/>
+                            </p:stCondLst>
+                            <p:childTnLst>
+                              <p:par>
+                                <p:cTn id="5" presetID="10" presetClass="entr" presetSubtype="0" fill="hold" grpId="0" nodeType="clickEffect">
+                                  <p:stCondLst>
+                                    <p:cond delay="0"/>
+                                  </p:stCondLst>
+                                  <p:childTnLst>
+                                    <p:set>
+                                      <p:cBhvr>
+                                        <p:cTn id="6" dur="1" fill="hold">
+                                          <p:stCondLst>
+                                            <p:cond delay="0"/>
+                                          </p:stCondLst>
+                                        </p:cTn>
+                                        <p:tgtEl>
+                                          <p:spTgt spid="3">
+                                            <p:txEl>
+                                              <p:pRg st="0" end="0"/>
+                                            </p:txEl>
+                                          </p:spTgt>
+                                        </p:tgtEl>
+                                        <p:attrNameLst>
+                                          <p:attrName>style.visibility</p:attrName>
+                                        </p:attrNameLst>
+                                      </p:cBhvr>
+                                      <p:to>
+                                        <p:strVal val="visible"/>
+                                      </p:to>
+                                    </p:set>
+                                    <p:animEffect transition="in" filter="fade">
+                                      <p:cBhvr>
+                                        <p:cTn id="7" dur="500"/>
+                                        <p:tgtEl>
+                                          <p:spTgt spid="3">
+                                            <p:txEl>
+                                              <p:pRg st="0" end="0"/>
+                                            </p:txEl>
+                                          </p:spTgt>
+                                        </p:tgtEl>
+                                      </p:cBhvr>
+                                    </p:animEffect>
+                                  </p:childTnLst>
+                                </p:cTn>
+                              </p:par>
+                              <p:par>
+                                <p:cTn id="8" presetID="10" presetClass="entr" presetSubtype="0" fill="hold" grpId="0" nodeType="withEffect">
+                                  <p:stCondLst>
+                                    <p:cond delay="0"/>
+                                  </p:stCondLst>
+                                  <p:childTnLst>
+                                    <p:set>
+                                      <p:cBhvr>
+                                        <p:cTn id="9" dur="1" fill="hold">
+                                          <p:stCondLst>
+                                            <p:cond delay="0"/>
+                                          </p:stCondLst>
+                                        </p:cTn>
+                                        <p:tgtEl>
+                                          <p:spTgt spid="3">
+                                            <p:txEl>
+                                              <p:pRg st="1" end="1"/>
+                                            </p:txEl>
+                                          </p:spTgt>
+                                        </p:tgtEl>
+                                        <p:attrNameLst>
+                                          <p:attrName>style.visibility</p:attrName>
+                                        </p:attrNameLst>
+                                      </p:cBhvr>
+                                      <p:to>
+                                        <p:strVal val="visible"/>
+                                      </p:to>
+                                    </p:set>
+                                    <p:animEffect transition="in" filter="fade">
+                                      <p:cBhvr>
+                                        <p:cTn id="10" dur="500"/>
+                                        <p:tgtEl>
+                                          <p:spTgt spid="3">
+                                            <p:txEl>
+                                              <p:pRg st="1" end="1"/>
+                                            </p:txEl>
+                                          </p:spTgt>
+                                        </p:tgtEl>
+                                      </p:cBhvr>
+                                    </p:animEffect>
+                                  </p:childTnLst>
+                                </p:cTn>
+                              </p:par>
+                              <p:par>
+                                <p:cTn id="11" presetID="10" presetClass="entr" presetSubtype="0" fill="hold" grpId="0" nodeType="withEffect">
+                                  <p:stCondLst>
+                                    <p:cond delay="0"/>
+                                  </p:stCondLst>
+                                  <p:childTnLst>
+                                    <p:set>
+                                      <p:cBhvr>
+                                        <p:cTn id="12" dur="1" fill="hold">
+                                          <p:stCondLst>
+                                            <p:cond delay="0"/>
+                                          </p:stCondLst>
+                                        </p:cTn>
+                                        <p:tgtEl>
+                                          <p:spTgt spid="3">
+                                            <p:txEl>
+                                              <p:pRg st="3" end="3"/>
+                                            </p:txEl>
+                                          </p:spTgt>
+                                        </p:tgtEl>
+                                        <p:attrNameLst>
+                                          <p:attrName>style.visibility</p:attrName>
+                                        </p:attrNameLst>
+                                      </p:cBhvr>
+                                      <p:to>
+                                        <p:strVal val="visible"/>
+                                      </p:to>
+                                    </p:set>
+                                    <p:animEffect transition="in" filter="fade">
+                                      <p:cBhvr>
+                                        <p:cTn id="13" dur="500"/>
+                                        <p:tgtEl>
+                                          <p:spTgt spid="3">
+                                            <p:txEl>
+                                              <p:pRg st="3" end="3"/>
+                                            </p:txEl>
+                                          </p:spTgt>
+                                        </p:tgtEl>
+                                      </p:cBhvr>
+                                    </p:animEffect>
+                                  </p:childTnLst>
+                                </p:cTn>
+                              </p:par>
+                            </p:childTnLst>
+                          </p:cTn>
+                        </p:par>
+                      </p:childTnLst>
+                    </p:cTn>
+                  </p:par>
+                </p:childTnLst>
+              </p:cTn>
+              <p:prevCondLst>
+                <p:cond evt="onPrev" delay="0">
+                  <p:tgtEl>
+                    <p:sldTgt/>
+                  </p:tgtEl>
+                </p:cond>
+              </p:prevCondLst>
+              <p:nextCondLst>
+                <p:cond evt="onNext" delay="0">
+                  <p:tgtEl>
+                    <p:sldTgt/>
+                  </p:tgtEl>
+                </p:cond>
+              </p:nextCondLst>
+            </p:seq>
+          </p:childTnLst>
+        </p:cTn>
+      </p:par>
+    </p:tnLst>
+    <p:bldLst>
+      <p:bldP spid="3" grpId="0" build="p"/>
+    </p:bldLst>
+  </p:timing>
 </p:sld>
 </file>
 
@@ -20641,6 +25767,233 @@
   <p:clrMapOvr>
     <a:masterClrMapping/>
   </p:clrMapOvr>
+  <p:timing>
+    <p:tnLst>
+      <p:par>
+        <p:cTn id="1" dur="indefinite" restart="never" nodeType="tmRoot">
+          <p:childTnLst>
+            <p:seq concurrent="1" nextAc="seek">
+              <p:cTn id="2" dur="indefinite" nodeType="mainSeq">
+                <p:childTnLst>
+                  <p:par>
+                    <p:cTn id="3" fill="hold">
+                      <p:stCondLst>
+                        <p:cond delay="indefinite"/>
+                      </p:stCondLst>
+                      <p:childTnLst>
+                        <p:par>
+                          <p:cTn id="4" fill="hold">
+                            <p:stCondLst>
+                              <p:cond delay="0"/>
+                            </p:stCondLst>
+                            <p:childTnLst>
+                              <p:par>
+                                <p:cTn id="5" presetID="2" presetClass="entr" presetSubtype="4" fill="hold" grpId="0" nodeType="clickEffect">
+                                  <p:stCondLst>
+                                    <p:cond delay="0"/>
+                                  </p:stCondLst>
+                                  <p:childTnLst>
+                                    <p:set>
+                                      <p:cBhvr>
+                                        <p:cTn id="6" dur="1" fill="hold">
+                                          <p:stCondLst>
+                                            <p:cond delay="0"/>
+                                          </p:stCondLst>
+                                        </p:cTn>
+                                        <p:tgtEl>
+                                          <p:spTgt spid="3">
+                                            <p:txEl>
+                                              <p:pRg st="0" end="0"/>
+                                            </p:txEl>
+                                          </p:spTgt>
+                                        </p:tgtEl>
+                                        <p:attrNameLst>
+                                          <p:attrName>style.visibility</p:attrName>
+                                        </p:attrNameLst>
+                                      </p:cBhvr>
+                                      <p:to>
+                                        <p:strVal val="visible"/>
+                                      </p:to>
+                                    </p:set>
+                                    <p:anim calcmode="lin" valueType="num">
+                                      <p:cBhvr additive="base">
+                                        <p:cTn id="7" dur="500" fill="hold"/>
+                                        <p:tgtEl>
+                                          <p:spTgt spid="3">
+                                            <p:txEl>
+                                              <p:pRg st="0" end="0"/>
+                                            </p:txEl>
+                                          </p:spTgt>
+                                        </p:tgtEl>
+                                        <p:attrNameLst>
+                                          <p:attrName>ppt_x</p:attrName>
+                                        </p:attrNameLst>
+                                      </p:cBhvr>
+                                      <p:tavLst>
+                                        <p:tav tm="0">
+                                          <p:val>
+                                            <p:strVal val="#ppt_x"/>
+                                          </p:val>
+                                        </p:tav>
+                                        <p:tav tm="100000">
+                                          <p:val>
+                                            <p:strVal val="#ppt_x"/>
+                                          </p:val>
+                                        </p:tav>
+                                      </p:tavLst>
+                                    </p:anim>
+                                    <p:anim calcmode="lin" valueType="num">
+                                      <p:cBhvr additive="base">
+                                        <p:cTn id="8" dur="500" fill="hold"/>
+                                        <p:tgtEl>
+                                          <p:spTgt spid="3">
+                                            <p:txEl>
+                                              <p:pRg st="0" end="0"/>
+                                            </p:txEl>
+                                          </p:spTgt>
+                                        </p:tgtEl>
+                                        <p:attrNameLst>
+                                          <p:attrName>ppt_y</p:attrName>
+                                        </p:attrNameLst>
+                                      </p:cBhvr>
+                                      <p:tavLst>
+                                        <p:tav tm="0">
+                                          <p:val>
+                                            <p:strVal val="1+#ppt_h/2"/>
+                                          </p:val>
+                                        </p:tav>
+                                        <p:tav tm="100000">
+                                          <p:val>
+                                            <p:strVal val="#ppt_y"/>
+                                          </p:val>
+                                        </p:tav>
+                                      </p:tavLst>
+                                    </p:anim>
+                                  </p:childTnLst>
+                                </p:cTn>
+                              </p:par>
+                            </p:childTnLst>
+                          </p:cTn>
+                        </p:par>
+                      </p:childTnLst>
+                    </p:cTn>
+                  </p:par>
+                  <p:par>
+                    <p:cTn id="9" fill="hold">
+                      <p:stCondLst>
+                        <p:cond delay="indefinite"/>
+                      </p:stCondLst>
+                      <p:childTnLst>
+                        <p:par>
+                          <p:cTn id="10" fill="hold">
+                            <p:stCondLst>
+                              <p:cond delay="0"/>
+                            </p:stCondLst>
+                            <p:childTnLst>
+                              <p:par>
+                                <p:cTn id="11" presetID="2" presetClass="entr" presetSubtype="4" fill="hold" nodeType="clickEffect">
+                                  <p:stCondLst>
+                                    <p:cond delay="0"/>
+                                  </p:stCondLst>
+                                  <p:childTnLst>
+                                    <p:set>
+                                      <p:cBhvr>
+                                        <p:cTn id="12" dur="1" fill="hold">
+                                          <p:stCondLst>
+                                            <p:cond delay="0"/>
+                                          </p:stCondLst>
+                                        </p:cTn>
+                                        <p:tgtEl>
+                                          <p:spTgt spid="5"/>
+                                        </p:tgtEl>
+                                        <p:attrNameLst>
+                                          <p:attrName>style.visibility</p:attrName>
+                                        </p:attrNameLst>
+                                      </p:cBhvr>
+                                      <p:to>
+                                        <p:strVal val="visible"/>
+                                      </p:to>
+                                    </p:set>
+                                    <p:anim calcmode="lin" valueType="num">
+                                      <p:cBhvr additive="base">
+                                        <p:cTn id="13" dur="500" fill="hold"/>
+                                        <p:tgtEl>
+                                          <p:spTgt spid="5"/>
+                                        </p:tgtEl>
+                                        <p:attrNameLst>
+                                          <p:attrName>ppt_x</p:attrName>
+                                        </p:attrNameLst>
+                                      </p:cBhvr>
+                                      <p:tavLst>
+                                        <p:tav tm="0">
+                                          <p:val>
+                                            <p:strVal val="#ppt_x"/>
+                                          </p:val>
+                                        </p:tav>
+                                        <p:tav tm="100000">
+                                          <p:val>
+                                            <p:strVal val="#ppt_x"/>
+                                          </p:val>
+                                        </p:tav>
+                                      </p:tavLst>
+                                    </p:anim>
+                                    <p:anim calcmode="lin" valueType="num">
+                                      <p:cBhvr additive="base">
+                                        <p:cTn id="14" dur="500" fill="hold"/>
+                                        <p:tgtEl>
+                                          <p:spTgt spid="5"/>
+                                        </p:tgtEl>
+                                        <p:attrNameLst>
+                                          <p:attrName>ppt_y</p:attrName>
+                                        </p:attrNameLst>
+                                      </p:cBhvr>
+                                      <p:tavLst>
+                                        <p:tav tm="0">
+                                          <p:val>
+                                            <p:strVal val="1+#ppt_h/2"/>
+                                          </p:val>
+                                        </p:tav>
+                                        <p:tav tm="100000">
+                                          <p:val>
+                                            <p:strVal val="#ppt_y"/>
+                                          </p:val>
+                                        </p:tav>
+                                      </p:tavLst>
+                                    </p:anim>
+                                  </p:childTnLst>
+                                </p:cTn>
+                              </p:par>
+                            </p:childTnLst>
+                          </p:cTn>
+                        </p:par>
+                      </p:childTnLst>
+                    </p:cTn>
+                  </p:par>
+                </p:childTnLst>
+              </p:cTn>
+              <p:prevCondLst>
+                <p:cond evt="onPrev" delay="0">
+                  <p:tgtEl>
+                    <p:sldTgt/>
+                  </p:tgtEl>
+                </p:cond>
+              </p:prevCondLst>
+              <p:nextCondLst>
+                <p:cond evt="onNext" delay="0">
+                  <p:tgtEl>
+                    <p:sldTgt/>
+                  </p:tgtEl>
+                </p:cond>
+              </p:nextCondLst>
+            </p:seq>
+          </p:childTnLst>
+        </p:cTn>
+      </p:par>
+    </p:tnLst>
+    <p:bldLst>
+      <p:bldP spid="3" grpId="0" build="p"/>
+    </p:bldLst>
+  </p:timing>
 </p:sld>
 </file>
 
@@ -20714,13 +26067,13 @@
           <a:lstStyle/>
           <a:p>
             <a:r>
-              <a:rPr lang="en-US" altLang="zh-CN" b="1" i="0">
+              <a:rPr lang="en-US" altLang="zh-CN" b="1" i="0" dirty="0">
                 <a:effectLst/>
                 <a:latin typeface="Söhne"/>
               </a:rPr>
               <a:t>How It Works</a:t>
             </a:r>
-            <a:endParaRPr lang="zh-CN" altLang="en-US"/>
+            <a:endParaRPr lang="zh-CN" altLang="en-US" dirty="0"/>
           </a:p>
         </p:txBody>
       </p:sp>
@@ -20753,7 +26106,7 @@
           <a:lstStyle/>
           <a:p>
             <a:r>
-              <a:rPr lang="en-US" altLang="zh-CN" sz="2800" b="1" dirty="0">
+              <a:rPr lang="en-US" altLang="zh-CN" sz="2400" b="1" dirty="0">
                 <a:latin typeface="Arial" panose="020B0604020202020204" pitchFamily="34" charset="0"/>
                 <a:cs typeface="Arial" panose="020B0604020202020204" pitchFamily="34" charset="0"/>
               </a:rPr>
@@ -20763,37 +26116,37 @@
           <a:p>
             <a:pPr lvl="1"/>
             <a:r>
-              <a:rPr lang="en-US" altLang="zh-CN" sz="2400" b="1" dirty="0">
+              <a:rPr lang="en-US" altLang="zh-CN" sz="2000" dirty="0">
                 <a:latin typeface="Arial" panose="020B0604020202020204" pitchFamily="34" charset="0"/>
                 <a:cs typeface="Arial" panose="020B0604020202020204" pitchFamily="34" charset="0"/>
               </a:rPr>
-              <a:t>project name</a:t>
+              <a:t>Project name</a:t>
             </a:r>
           </a:p>
           <a:p>
             <a:pPr lvl="1"/>
             <a:r>
-              <a:rPr lang="en-US" altLang="zh-CN" sz="2400" b="1" dirty="0" err="1">
+              <a:rPr lang="en-US" altLang="zh-CN" sz="2000" dirty="0" err="1">
                 <a:latin typeface="Arial" panose="020B0604020202020204" pitchFamily="34" charset="0"/>
                 <a:cs typeface="Arial" panose="020B0604020202020204" pitchFamily="34" charset="0"/>
               </a:rPr>
               <a:t>Github</a:t>
             </a:r>
             <a:r>
-              <a:rPr lang="en-US" altLang="zh-CN" sz="2400" b="1" dirty="0">
+              <a:rPr lang="en-US" altLang="zh-CN" sz="2000" dirty="0">
                 <a:latin typeface="Arial" panose="020B0604020202020204" pitchFamily="34" charset="0"/>
                 <a:cs typeface="Arial" panose="020B0604020202020204" pitchFamily="34" charset="0"/>
               </a:rPr>
               <a:t> </a:t>
             </a:r>
             <a:r>
-              <a:rPr lang="en-US" altLang="zh-CN" sz="2400" b="1" dirty="0" err="1">
+              <a:rPr lang="en-US" altLang="zh-CN" sz="2000" dirty="0" err="1">
                 <a:latin typeface="Arial" panose="020B0604020202020204" pitchFamily="34" charset="0"/>
                 <a:cs typeface="Arial" panose="020B0604020202020204" pitchFamily="34" charset="0"/>
               </a:rPr>
               <a:t>Url</a:t>
             </a:r>
-            <a:endParaRPr lang="en-US" altLang="zh-CN" sz="2400" b="1" dirty="0">
+            <a:endParaRPr lang="en-US" altLang="zh-CN" sz="2000" dirty="0">
               <a:latin typeface="Arial" panose="020B0604020202020204" pitchFamily="34" charset="0"/>
               <a:cs typeface="Arial" panose="020B0604020202020204" pitchFamily="34" charset="0"/>
             </a:endParaRPr>
@@ -20901,6 +26254,230 @@
   <p:clrMapOvr>
     <a:masterClrMapping/>
   </p:clrMapOvr>
+  <p:timing>
+    <p:tnLst>
+      <p:par>
+        <p:cTn id="1" dur="indefinite" restart="never" nodeType="tmRoot">
+          <p:childTnLst>
+            <p:seq concurrent="1" nextAc="seek">
+              <p:cTn id="2" dur="indefinite" nodeType="mainSeq">
+                <p:childTnLst>
+                  <p:par>
+                    <p:cTn id="3" fill="hold">
+                      <p:stCondLst>
+                        <p:cond delay="indefinite"/>
+                      </p:stCondLst>
+                      <p:childTnLst>
+                        <p:par>
+                          <p:cTn id="4" fill="hold">
+                            <p:stCondLst>
+                              <p:cond delay="0"/>
+                            </p:stCondLst>
+                            <p:childTnLst>
+                              <p:par>
+                                <p:cTn id="5" presetID="10" presetClass="entr" presetSubtype="0" fill="hold" grpId="0" nodeType="clickEffect">
+                                  <p:stCondLst>
+                                    <p:cond delay="0"/>
+                                  </p:stCondLst>
+                                  <p:childTnLst>
+                                    <p:set>
+                                      <p:cBhvr>
+                                        <p:cTn id="6" dur="1" fill="hold">
+                                          <p:stCondLst>
+                                            <p:cond delay="0"/>
+                                          </p:stCondLst>
+                                        </p:cTn>
+                                        <p:tgtEl>
+                                          <p:spTgt spid="3">
+                                            <p:txEl>
+                                              <p:pRg st="0" end="0"/>
+                                            </p:txEl>
+                                          </p:spTgt>
+                                        </p:tgtEl>
+                                        <p:attrNameLst>
+                                          <p:attrName>style.visibility</p:attrName>
+                                        </p:attrNameLst>
+                                      </p:cBhvr>
+                                      <p:to>
+                                        <p:strVal val="visible"/>
+                                      </p:to>
+                                    </p:set>
+                                    <p:animEffect transition="in" filter="fade">
+                                      <p:cBhvr>
+                                        <p:cTn id="7" dur="500"/>
+                                        <p:tgtEl>
+                                          <p:spTgt spid="3">
+                                            <p:txEl>
+                                              <p:pRg st="0" end="0"/>
+                                            </p:txEl>
+                                          </p:spTgt>
+                                        </p:tgtEl>
+                                      </p:cBhvr>
+                                    </p:animEffect>
+                                  </p:childTnLst>
+                                </p:cTn>
+                              </p:par>
+                              <p:par>
+                                <p:cTn id="8" presetID="10" presetClass="entr" presetSubtype="0" fill="hold" grpId="0" nodeType="withEffect">
+                                  <p:stCondLst>
+                                    <p:cond delay="0"/>
+                                  </p:stCondLst>
+                                  <p:childTnLst>
+                                    <p:set>
+                                      <p:cBhvr>
+                                        <p:cTn id="9" dur="1" fill="hold">
+                                          <p:stCondLst>
+                                            <p:cond delay="0"/>
+                                          </p:stCondLst>
+                                        </p:cTn>
+                                        <p:tgtEl>
+                                          <p:spTgt spid="3">
+                                            <p:txEl>
+                                              <p:pRg st="1" end="1"/>
+                                            </p:txEl>
+                                          </p:spTgt>
+                                        </p:tgtEl>
+                                        <p:attrNameLst>
+                                          <p:attrName>style.visibility</p:attrName>
+                                        </p:attrNameLst>
+                                      </p:cBhvr>
+                                      <p:to>
+                                        <p:strVal val="visible"/>
+                                      </p:to>
+                                    </p:set>
+                                    <p:animEffect transition="in" filter="fade">
+                                      <p:cBhvr>
+                                        <p:cTn id="10" dur="500"/>
+                                        <p:tgtEl>
+                                          <p:spTgt spid="3">
+                                            <p:txEl>
+                                              <p:pRg st="1" end="1"/>
+                                            </p:txEl>
+                                          </p:spTgt>
+                                        </p:tgtEl>
+                                      </p:cBhvr>
+                                    </p:animEffect>
+                                  </p:childTnLst>
+                                </p:cTn>
+                              </p:par>
+                              <p:par>
+                                <p:cTn id="11" presetID="10" presetClass="entr" presetSubtype="0" fill="hold" grpId="0" nodeType="withEffect">
+                                  <p:stCondLst>
+                                    <p:cond delay="0"/>
+                                  </p:stCondLst>
+                                  <p:childTnLst>
+                                    <p:set>
+                                      <p:cBhvr>
+                                        <p:cTn id="12" dur="1" fill="hold">
+                                          <p:stCondLst>
+                                            <p:cond delay="0"/>
+                                          </p:stCondLst>
+                                        </p:cTn>
+                                        <p:tgtEl>
+                                          <p:spTgt spid="3">
+                                            <p:txEl>
+                                              <p:pRg st="2" end="2"/>
+                                            </p:txEl>
+                                          </p:spTgt>
+                                        </p:tgtEl>
+                                        <p:attrNameLst>
+                                          <p:attrName>style.visibility</p:attrName>
+                                        </p:attrNameLst>
+                                      </p:cBhvr>
+                                      <p:to>
+                                        <p:strVal val="visible"/>
+                                      </p:to>
+                                    </p:set>
+                                    <p:animEffect transition="in" filter="fade">
+                                      <p:cBhvr>
+                                        <p:cTn id="13" dur="500"/>
+                                        <p:tgtEl>
+                                          <p:spTgt spid="3">
+                                            <p:txEl>
+                                              <p:pRg st="2" end="2"/>
+                                            </p:txEl>
+                                          </p:spTgt>
+                                        </p:tgtEl>
+                                      </p:cBhvr>
+                                    </p:animEffect>
+                                  </p:childTnLst>
+                                </p:cTn>
+                              </p:par>
+                            </p:childTnLst>
+                          </p:cTn>
+                        </p:par>
+                        <p:par>
+                          <p:cTn id="14" fill="hold">
+                            <p:stCondLst>
+                              <p:cond delay="500"/>
+                            </p:stCondLst>
+                            <p:childTnLst>
+                              <p:par>
+                                <p:cTn id="15" presetID="10" presetClass="entr" presetSubtype="0" fill="hold" nodeType="afterEffect">
+                                  <p:stCondLst>
+                                    <p:cond delay="0"/>
+                                  </p:stCondLst>
+                                  <p:childTnLst>
+                                    <p:set>
+                                      <p:cBhvr>
+                                        <p:cTn id="16" dur="1" fill="hold">
+                                          <p:stCondLst>
+                                            <p:cond delay="0"/>
+                                          </p:stCondLst>
+                                        </p:cTn>
+                                        <p:tgtEl>
+                                          <p:spTgt spid="8"/>
+                                        </p:tgtEl>
+                                        <p:attrNameLst>
+                                          <p:attrName>style.visibility</p:attrName>
+                                        </p:attrNameLst>
+                                      </p:cBhvr>
+                                      <p:to>
+                                        <p:strVal val="visible"/>
+                                      </p:to>
+                                    </p:set>
+                                    <p:animEffect transition="in" filter="fade">
+                                      <p:cBhvr>
+                                        <p:cTn id="17" dur="500"/>
+                                        <p:tgtEl>
+                                          <p:spTgt spid="8"/>
+                                        </p:tgtEl>
+                                      </p:cBhvr>
+                                    </p:animEffect>
+                                  </p:childTnLst>
+                                </p:cTn>
+                              </p:par>
+                            </p:childTnLst>
+                          </p:cTn>
+                        </p:par>
+                      </p:childTnLst>
+                    </p:cTn>
+                  </p:par>
+                </p:childTnLst>
+              </p:cTn>
+              <p:prevCondLst>
+                <p:cond evt="onPrev" delay="0">
+                  <p:tgtEl>
+                    <p:sldTgt/>
+                  </p:tgtEl>
+                </p:cond>
+              </p:prevCondLst>
+              <p:nextCondLst>
+                <p:cond evt="onNext" delay="0">
+                  <p:tgtEl>
+                    <p:sldTgt/>
+                  </p:tgtEl>
+                </p:cond>
+              </p:nextCondLst>
+            </p:seq>
+          </p:childTnLst>
+        </p:cTn>
+      </p:par>
+    </p:tnLst>
+    <p:bldLst>
+      <p:bldP spid="3" grpId="0" build="p"/>
+    </p:bldLst>
+  </p:timing>
 </p:sld>
 </file>
 
@@ -21013,13 +26590,13 @@
           <a:lstStyle/>
           <a:p>
             <a:r>
-              <a:rPr lang="en-US" altLang="zh-CN" sz="2800" b="1" dirty="0">
+              <a:rPr lang="en-US" altLang="zh-CN" sz="2400" b="1" dirty="0">
                 <a:latin typeface="Arial" panose="020B0604020202020204" pitchFamily="34" charset="0"/>
                 <a:cs typeface="Arial" panose="020B0604020202020204" pitchFamily="34" charset="0"/>
               </a:rPr>
               <a:t>Click “Create button”</a:t>
             </a:r>
-            <a:endParaRPr lang="en-US" altLang="zh-CN" sz="2800" dirty="0">
+            <a:endParaRPr lang="en-US" altLang="zh-CN" sz="2400" dirty="0">
               <a:latin typeface="Arial" panose="020B0604020202020204" pitchFamily="34" charset="0"/>
               <a:cs typeface="Arial" panose="020B0604020202020204" pitchFamily="34" charset="0"/>
             </a:endParaRPr>
@@ -21102,6 +26679,224 @@
   <p:clrMapOvr>
     <a:masterClrMapping/>
   </p:clrMapOvr>
+  <p:timing>
+    <p:tnLst>
+      <p:par>
+        <p:cTn id="1" dur="indefinite" restart="never" nodeType="tmRoot">
+          <p:childTnLst>
+            <p:seq concurrent="1" nextAc="seek">
+              <p:cTn id="2" dur="indefinite" nodeType="mainSeq">
+                <p:childTnLst>
+                  <p:par>
+                    <p:cTn id="3" fill="hold">
+                      <p:stCondLst>
+                        <p:cond delay="indefinite"/>
+                      </p:stCondLst>
+                      <p:childTnLst>
+                        <p:par>
+                          <p:cTn id="4" fill="hold">
+                            <p:stCondLst>
+                              <p:cond delay="0"/>
+                            </p:stCondLst>
+                            <p:childTnLst>
+                              <p:par>
+                                <p:cTn id="5" presetID="2" presetClass="entr" presetSubtype="4" fill="hold" grpId="0" nodeType="clickEffect">
+                                  <p:stCondLst>
+                                    <p:cond delay="0"/>
+                                  </p:stCondLst>
+                                  <p:childTnLst>
+                                    <p:set>
+                                      <p:cBhvr>
+                                        <p:cTn id="6" dur="1" fill="hold">
+                                          <p:stCondLst>
+                                            <p:cond delay="0"/>
+                                          </p:stCondLst>
+                                        </p:cTn>
+                                        <p:tgtEl>
+                                          <p:spTgt spid="3">
+                                            <p:txEl>
+                                              <p:pRg st="0" end="0"/>
+                                            </p:txEl>
+                                          </p:spTgt>
+                                        </p:tgtEl>
+                                        <p:attrNameLst>
+                                          <p:attrName>style.visibility</p:attrName>
+                                        </p:attrNameLst>
+                                      </p:cBhvr>
+                                      <p:to>
+                                        <p:strVal val="visible"/>
+                                      </p:to>
+                                    </p:set>
+                                    <p:anim calcmode="lin" valueType="num">
+                                      <p:cBhvr additive="base">
+                                        <p:cTn id="7" dur="500" fill="hold"/>
+                                        <p:tgtEl>
+                                          <p:spTgt spid="3">
+                                            <p:txEl>
+                                              <p:pRg st="0" end="0"/>
+                                            </p:txEl>
+                                          </p:spTgt>
+                                        </p:tgtEl>
+                                        <p:attrNameLst>
+                                          <p:attrName>ppt_x</p:attrName>
+                                        </p:attrNameLst>
+                                      </p:cBhvr>
+                                      <p:tavLst>
+                                        <p:tav tm="0">
+                                          <p:val>
+                                            <p:strVal val="#ppt_x"/>
+                                          </p:val>
+                                        </p:tav>
+                                        <p:tav tm="100000">
+                                          <p:val>
+                                            <p:strVal val="#ppt_x"/>
+                                          </p:val>
+                                        </p:tav>
+                                      </p:tavLst>
+                                    </p:anim>
+                                    <p:anim calcmode="lin" valueType="num">
+                                      <p:cBhvr additive="base">
+                                        <p:cTn id="8" dur="500" fill="hold"/>
+                                        <p:tgtEl>
+                                          <p:spTgt spid="3">
+                                            <p:txEl>
+                                              <p:pRg st="0" end="0"/>
+                                            </p:txEl>
+                                          </p:spTgt>
+                                        </p:tgtEl>
+                                        <p:attrNameLst>
+                                          <p:attrName>ppt_y</p:attrName>
+                                        </p:attrNameLst>
+                                      </p:cBhvr>
+                                      <p:tavLst>
+                                        <p:tav tm="0">
+                                          <p:val>
+                                            <p:strVal val="1+#ppt_h/2"/>
+                                          </p:val>
+                                        </p:tav>
+                                        <p:tav tm="100000">
+                                          <p:val>
+                                            <p:strVal val="#ppt_y"/>
+                                          </p:val>
+                                        </p:tav>
+                                      </p:tavLst>
+                                    </p:anim>
+                                  </p:childTnLst>
+                                </p:cTn>
+                              </p:par>
+                            </p:childTnLst>
+                          </p:cTn>
+                        </p:par>
+                        <p:par>
+                          <p:cTn id="9" fill="hold">
+                            <p:stCondLst>
+                              <p:cond delay="500"/>
+                            </p:stCondLst>
+                            <p:childTnLst>
+                              <p:par>
+                                <p:cTn id="10" presetID="2" presetClass="entr" presetSubtype="4" fill="hold" nodeType="afterEffect">
+                                  <p:stCondLst>
+                                    <p:cond delay="1000"/>
+                                  </p:stCondLst>
+                                  <p:childTnLst>
+                                    <p:set>
+                                      <p:cBhvr>
+                                        <p:cTn id="11" dur="1" fill="hold">
+                                          <p:stCondLst>
+                                            <p:cond delay="0"/>
+                                          </p:stCondLst>
+                                        </p:cTn>
+                                        <p:tgtEl>
+                                          <p:spTgt spid="9"/>
+                                        </p:tgtEl>
+                                        <p:attrNameLst>
+                                          <p:attrName>style.visibility</p:attrName>
+                                        </p:attrNameLst>
+                                      </p:cBhvr>
+                                      <p:to>
+                                        <p:strVal val="visible"/>
+                                      </p:to>
+                                    </p:set>
+                                    <p:anim calcmode="lin" valueType="num">
+                                      <p:cBhvr additive="base">
+                                        <p:cTn id="12" dur="500" fill="hold"/>
+                                        <p:tgtEl>
+                                          <p:spTgt spid="9"/>
+                                        </p:tgtEl>
+                                        <p:attrNameLst>
+                                          <p:attrName>ppt_x</p:attrName>
+                                        </p:attrNameLst>
+                                      </p:cBhvr>
+                                      <p:tavLst>
+                                        <p:tav tm="0">
+                                          <p:val>
+                                            <p:strVal val="#ppt_x"/>
+                                          </p:val>
+                                        </p:tav>
+                                        <p:tav tm="100000">
+                                          <p:val>
+                                            <p:strVal val="#ppt_x"/>
+                                          </p:val>
+                                        </p:tav>
+                                      </p:tavLst>
+                                    </p:anim>
+                                    <p:anim calcmode="lin" valueType="num">
+                                      <p:cBhvr additive="base">
+                                        <p:cTn id="13" dur="500" fill="hold"/>
+                                        <p:tgtEl>
+                                          <p:spTgt spid="9"/>
+                                        </p:tgtEl>
+                                        <p:attrNameLst>
+                                          <p:attrName>ppt_y</p:attrName>
+                                        </p:attrNameLst>
+                                      </p:cBhvr>
+                                      <p:tavLst>
+                                        <p:tav tm="0">
+                                          <p:val>
+                                            <p:strVal val="1+#ppt_h/2"/>
+                                          </p:val>
+                                        </p:tav>
+                                        <p:tav tm="100000">
+                                          <p:val>
+                                            <p:strVal val="#ppt_y"/>
+                                          </p:val>
+                                        </p:tav>
+                                      </p:tavLst>
+                                    </p:anim>
+                                  </p:childTnLst>
+                                </p:cTn>
+                              </p:par>
+                            </p:childTnLst>
+                          </p:cTn>
+                        </p:par>
+                      </p:childTnLst>
+                    </p:cTn>
+                  </p:par>
+                </p:childTnLst>
+              </p:cTn>
+              <p:prevCondLst>
+                <p:cond evt="onPrev" delay="0">
+                  <p:tgtEl>
+                    <p:sldTgt/>
+                  </p:tgtEl>
+                </p:cond>
+              </p:prevCondLst>
+              <p:nextCondLst>
+                <p:cond evt="onNext" delay="0">
+                  <p:tgtEl>
+                    <p:sldTgt/>
+                  </p:tgtEl>
+                </p:cond>
+              </p:nextCondLst>
+            </p:seq>
+          </p:childTnLst>
+        </p:cTn>
+      </p:par>
+    </p:tnLst>
+    <p:bldLst>
+      <p:bldP spid="3" grpId="0" build="p"/>
+    </p:bldLst>
+  </p:timing>
 </p:sld>
 </file>
 
@@ -21214,13 +27009,13 @@
           <a:lstStyle/>
           <a:p>
             <a:r>
-              <a:rPr lang="en-US" altLang="zh-CN" sz="2800" b="1" dirty="0">
+              <a:rPr lang="en-US" altLang="zh-CN" sz="2400" b="1" dirty="0">
                 <a:latin typeface="Arial" panose="020B0604020202020204" pitchFamily="34" charset="0"/>
                 <a:cs typeface="Arial" panose="020B0604020202020204" pitchFamily="34" charset="0"/>
               </a:rPr>
               <a:t>Wait a minute.</a:t>
             </a:r>
-            <a:endParaRPr lang="en-US" altLang="zh-CN" sz="2800" dirty="0">
+            <a:endParaRPr lang="en-US" altLang="zh-CN" sz="2400" dirty="0">
               <a:latin typeface="Arial" panose="020B0604020202020204" pitchFamily="34" charset="0"/>
               <a:cs typeface="Arial" panose="020B0604020202020204" pitchFamily="34" charset="0"/>
             </a:endParaRPr>
@@ -21342,6 +27137,326 @@
   <p:clrMapOvr>
     <a:masterClrMapping/>
   </p:clrMapOvr>
+  <p:timing>
+    <p:tnLst>
+      <p:par>
+        <p:cTn id="1" dur="indefinite" restart="never" nodeType="tmRoot">
+          <p:childTnLst>
+            <p:seq concurrent="1" nextAc="seek">
+              <p:cTn id="2" dur="indefinite" nodeType="mainSeq">
+                <p:childTnLst>
+                  <p:par>
+                    <p:cTn id="3" fill="hold">
+                      <p:stCondLst>
+                        <p:cond delay="indefinite"/>
+                      </p:stCondLst>
+                      <p:childTnLst>
+                        <p:par>
+                          <p:cTn id="4" fill="hold">
+                            <p:stCondLst>
+                              <p:cond delay="0"/>
+                            </p:stCondLst>
+                            <p:childTnLst>
+                              <p:par>
+                                <p:cTn id="5" presetID="42" presetClass="entr" presetSubtype="0" fill="hold" grpId="0" nodeType="clickEffect">
+                                  <p:stCondLst>
+                                    <p:cond delay="0"/>
+                                  </p:stCondLst>
+                                  <p:childTnLst>
+                                    <p:set>
+                                      <p:cBhvr>
+                                        <p:cTn id="6" dur="1" fill="hold">
+                                          <p:stCondLst>
+                                            <p:cond delay="0"/>
+                                          </p:stCondLst>
+                                        </p:cTn>
+                                        <p:tgtEl>
+                                          <p:spTgt spid="3">
+                                            <p:txEl>
+                                              <p:pRg st="0" end="0"/>
+                                            </p:txEl>
+                                          </p:spTgt>
+                                        </p:tgtEl>
+                                        <p:attrNameLst>
+                                          <p:attrName>style.visibility</p:attrName>
+                                        </p:attrNameLst>
+                                      </p:cBhvr>
+                                      <p:to>
+                                        <p:strVal val="visible"/>
+                                      </p:to>
+                                    </p:set>
+                                    <p:animEffect transition="in" filter="fade">
+                                      <p:cBhvr>
+                                        <p:cTn id="7" dur="1000"/>
+                                        <p:tgtEl>
+                                          <p:spTgt spid="3">
+                                            <p:txEl>
+                                              <p:pRg st="0" end="0"/>
+                                            </p:txEl>
+                                          </p:spTgt>
+                                        </p:tgtEl>
+                                      </p:cBhvr>
+                                    </p:animEffect>
+                                    <p:anim calcmode="lin" valueType="num">
+                                      <p:cBhvr>
+                                        <p:cTn id="8" dur="1000" fill="hold"/>
+                                        <p:tgtEl>
+                                          <p:spTgt spid="3">
+                                            <p:txEl>
+                                              <p:pRg st="0" end="0"/>
+                                            </p:txEl>
+                                          </p:spTgt>
+                                        </p:tgtEl>
+                                        <p:attrNameLst>
+                                          <p:attrName>ppt_x</p:attrName>
+                                        </p:attrNameLst>
+                                      </p:cBhvr>
+                                      <p:tavLst>
+                                        <p:tav tm="0">
+                                          <p:val>
+                                            <p:strVal val="#ppt_x"/>
+                                          </p:val>
+                                        </p:tav>
+                                        <p:tav tm="100000">
+                                          <p:val>
+                                            <p:strVal val="#ppt_x"/>
+                                          </p:val>
+                                        </p:tav>
+                                      </p:tavLst>
+                                    </p:anim>
+                                    <p:anim calcmode="lin" valueType="num">
+                                      <p:cBhvr>
+                                        <p:cTn id="9" dur="1000" fill="hold"/>
+                                        <p:tgtEl>
+                                          <p:spTgt spid="3">
+                                            <p:txEl>
+                                              <p:pRg st="0" end="0"/>
+                                            </p:txEl>
+                                          </p:spTgt>
+                                        </p:tgtEl>
+                                        <p:attrNameLst>
+                                          <p:attrName>ppt_y</p:attrName>
+                                        </p:attrNameLst>
+                                      </p:cBhvr>
+                                      <p:tavLst>
+                                        <p:tav tm="0">
+                                          <p:val>
+                                            <p:strVal val="#ppt_y+.1"/>
+                                          </p:val>
+                                        </p:tav>
+                                        <p:tav tm="100000">
+                                          <p:val>
+                                            <p:strVal val="#ppt_y"/>
+                                          </p:val>
+                                        </p:tav>
+                                      </p:tavLst>
+                                    </p:anim>
+                                  </p:childTnLst>
+                                </p:cTn>
+                              </p:par>
+                            </p:childTnLst>
+                          </p:cTn>
+                        </p:par>
+                        <p:par>
+                          <p:cTn id="10" fill="hold">
+                            <p:stCondLst>
+                              <p:cond delay="1000"/>
+                            </p:stCondLst>
+                            <p:childTnLst>
+                              <p:par>
+                                <p:cTn id="11" presetID="42" presetClass="entr" presetSubtype="0" fill="hold" nodeType="afterEffect">
+                                  <p:stCondLst>
+                                    <p:cond delay="0"/>
+                                  </p:stCondLst>
+                                  <p:childTnLst>
+                                    <p:set>
+                                      <p:cBhvr>
+                                        <p:cTn id="12" dur="1" fill="hold">
+                                          <p:stCondLst>
+                                            <p:cond delay="0"/>
+                                          </p:stCondLst>
+                                        </p:cTn>
+                                        <p:tgtEl>
+                                          <p:spTgt spid="11"/>
+                                        </p:tgtEl>
+                                        <p:attrNameLst>
+                                          <p:attrName>style.visibility</p:attrName>
+                                        </p:attrNameLst>
+                                      </p:cBhvr>
+                                      <p:to>
+                                        <p:strVal val="visible"/>
+                                      </p:to>
+                                    </p:set>
+                                    <p:animEffect transition="in" filter="fade">
+                                      <p:cBhvr>
+                                        <p:cTn id="13" dur="1000"/>
+                                        <p:tgtEl>
+                                          <p:spTgt spid="11"/>
+                                        </p:tgtEl>
+                                      </p:cBhvr>
+                                    </p:animEffect>
+                                    <p:anim calcmode="lin" valueType="num">
+                                      <p:cBhvr>
+                                        <p:cTn id="14" dur="1000" fill="hold"/>
+                                        <p:tgtEl>
+                                          <p:spTgt spid="11"/>
+                                        </p:tgtEl>
+                                        <p:attrNameLst>
+                                          <p:attrName>ppt_x</p:attrName>
+                                        </p:attrNameLst>
+                                      </p:cBhvr>
+                                      <p:tavLst>
+                                        <p:tav tm="0">
+                                          <p:val>
+                                            <p:strVal val="#ppt_x"/>
+                                          </p:val>
+                                        </p:tav>
+                                        <p:tav tm="100000">
+                                          <p:val>
+                                            <p:strVal val="#ppt_x"/>
+                                          </p:val>
+                                        </p:tav>
+                                      </p:tavLst>
+                                    </p:anim>
+                                    <p:anim calcmode="lin" valueType="num">
+                                      <p:cBhvr>
+                                        <p:cTn id="15" dur="1000" fill="hold"/>
+                                        <p:tgtEl>
+                                          <p:spTgt spid="11"/>
+                                        </p:tgtEl>
+                                        <p:attrNameLst>
+                                          <p:attrName>ppt_y</p:attrName>
+                                        </p:attrNameLst>
+                                      </p:cBhvr>
+                                      <p:tavLst>
+                                        <p:tav tm="0">
+                                          <p:val>
+                                            <p:strVal val="#ppt_y+.1"/>
+                                          </p:val>
+                                        </p:tav>
+                                        <p:tav tm="100000">
+                                          <p:val>
+                                            <p:strVal val="#ppt_y"/>
+                                          </p:val>
+                                        </p:tav>
+                                      </p:tavLst>
+                                    </p:anim>
+                                  </p:childTnLst>
+                                </p:cTn>
+                              </p:par>
+                            </p:childTnLst>
+                          </p:cTn>
+                        </p:par>
+                        <p:par>
+                          <p:cTn id="16" fill="hold">
+                            <p:stCondLst>
+                              <p:cond delay="2000"/>
+                            </p:stCondLst>
+                            <p:childTnLst>
+                              <p:par>
+                                <p:cTn id="17" presetID="2" presetClass="entr" presetSubtype="4" fill="hold" nodeType="afterEffect">
+                                  <p:stCondLst>
+                                    <p:cond delay="0"/>
+                                  </p:stCondLst>
+                                  <p:childTnLst>
+                                    <p:set>
+                                      <p:cBhvr>
+                                        <p:cTn id="18" dur="1" fill="hold">
+                                          <p:stCondLst>
+                                            <p:cond delay="0"/>
+                                          </p:stCondLst>
+                                        </p:cTn>
+                                        <p:tgtEl>
+                                          <p:spTgt spid="13"/>
+                                        </p:tgtEl>
+                                        <p:attrNameLst>
+                                          <p:attrName>style.visibility</p:attrName>
+                                        </p:attrNameLst>
+                                      </p:cBhvr>
+                                      <p:to>
+                                        <p:strVal val="visible"/>
+                                      </p:to>
+                                    </p:set>
+                                    <p:anim calcmode="lin" valueType="num">
+                                      <p:cBhvr additive="base">
+                                        <p:cTn id="19" dur="500" fill="hold"/>
+                                        <p:tgtEl>
+                                          <p:spTgt spid="13"/>
+                                        </p:tgtEl>
+                                        <p:attrNameLst>
+                                          <p:attrName>ppt_x</p:attrName>
+                                        </p:attrNameLst>
+                                      </p:cBhvr>
+                                      <p:tavLst>
+                                        <p:tav tm="0">
+                                          <p:val>
+                                            <p:strVal val="#ppt_x"/>
+                                          </p:val>
+                                        </p:tav>
+                                        <p:tav tm="100000">
+                                          <p:val>
+                                            <p:strVal val="#ppt_x"/>
+                                          </p:val>
+                                        </p:tav>
+                                      </p:tavLst>
+                                    </p:anim>
+                                    <p:anim calcmode="lin" valueType="num">
+                                      <p:cBhvr additive="base">
+                                        <p:cTn id="20" dur="500" fill="hold"/>
+                                        <p:tgtEl>
+                                          <p:spTgt spid="13"/>
+                                        </p:tgtEl>
+                                        <p:attrNameLst>
+                                          <p:attrName>ppt_y</p:attrName>
+                                        </p:attrNameLst>
+                                      </p:cBhvr>
+                                      <p:tavLst>
+                                        <p:tav tm="0">
+                                          <p:val>
+                                            <p:strVal val="1+#ppt_h/2"/>
+                                          </p:val>
+                                        </p:tav>
+                                        <p:tav tm="100000">
+                                          <p:val>
+                                            <p:strVal val="#ppt_y"/>
+                                          </p:val>
+                                        </p:tav>
+                                      </p:tavLst>
+                                    </p:anim>
+                                  </p:childTnLst>
+                                </p:cTn>
+                              </p:par>
+                            </p:childTnLst>
+                          </p:cTn>
+                        </p:par>
+                      </p:childTnLst>
+                    </p:cTn>
+                  </p:par>
+                </p:childTnLst>
+              </p:cTn>
+              <p:prevCondLst>
+                <p:cond evt="onPrev" delay="0">
+                  <p:tgtEl>
+                    <p:sldTgt/>
+                  </p:tgtEl>
+                </p:cond>
+              </p:prevCondLst>
+              <p:nextCondLst>
+                <p:cond evt="onNext" delay="0">
+                  <p:tgtEl>
+                    <p:sldTgt/>
+                  </p:tgtEl>
+                </p:cond>
+              </p:nextCondLst>
+            </p:seq>
+          </p:childTnLst>
+        </p:cTn>
+      </p:par>
+    </p:tnLst>
+    <p:bldLst>
+      <p:bldP spid="3" grpId="0" build="p"/>
+    </p:bldLst>
+  </p:timing>
 </p:sld>
 </file>
 
@@ -21455,27 +27570,27 @@
           <a:p>
             <a:pPr lvl="1"/>
             <a:r>
-              <a:rPr lang="en-US" altLang="zh-CN" sz="2400" b="1" dirty="0">
+              <a:rPr lang="en-US" altLang="zh-CN" sz="2000" b="1" dirty="0">
                 <a:latin typeface="Arial" panose="020B0604020202020204" pitchFamily="34" charset="0"/>
                 <a:cs typeface="Arial" panose="020B0604020202020204" pitchFamily="34" charset="0"/>
               </a:rPr>
               <a:t>Click “Public IP” to visit your </a:t>
             </a:r>
             <a:r>
-              <a:rPr lang="en-US" altLang="zh-CN" sz="2400" b="1" dirty="0" err="1">
+              <a:rPr lang="en-US" altLang="zh-CN" sz="2000" b="1" dirty="0" err="1">
                 <a:latin typeface="Arial" panose="020B0604020202020204" pitchFamily="34" charset="0"/>
                 <a:cs typeface="Arial" panose="020B0604020202020204" pitchFamily="34" charset="0"/>
               </a:rPr>
               <a:t>webste</a:t>
             </a:r>
             <a:r>
-              <a:rPr lang="en-US" altLang="zh-CN" sz="2400" b="1" dirty="0">
+              <a:rPr lang="en-US" altLang="zh-CN" sz="2000" b="1" dirty="0">
                 <a:latin typeface="Arial" panose="020B0604020202020204" pitchFamily="34" charset="0"/>
                 <a:cs typeface="Arial" panose="020B0604020202020204" pitchFamily="34" charset="0"/>
               </a:rPr>
               <a:t>.</a:t>
             </a:r>
-            <a:endParaRPr lang="en-US" altLang="zh-CN" sz="2400" dirty="0">
+            <a:endParaRPr lang="en-US" altLang="zh-CN" sz="2000" dirty="0">
               <a:latin typeface="Arial" panose="020B0604020202020204" pitchFamily="34" charset="0"/>
               <a:cs typeface="Arial" panose="020B0604020202020204" pitchFamily="34" charset="0"/>
             </a:endParaRPr>
@@ -21624,6 +27739,224 @@
   <p:clrMapOvr>
     <a:masterClrMapping/>
   </p:clrMapOvr>
+  <p:timing>
+    <p:tnLst>
+      <p:par>
+        <p:cTn id="1" dur="indefinite" restart="never" nodeType="tmRoot">
+          <p:childTnLst>
+            <p:seq concurrent="1" nextAc="seek">
+              <p:cTn id="2" dur="indefinite" nodeType="mainSeq">
+                <p:childTnLst>
+                  <p:par>
+                    <p:cTn id="3" fill="hold">
+                      <p:stCondLst>
+                        <p:cond delay="indefinite"/>
+                      </p:stCondLst>
+                      <p:childTnLst>
+                        <p:par>
+                          <p:cTn id="4" fill="hold">
+                            <p:stCondLst>
+                              <p:cond delay="0"/>
+                            </p:stCondLst>
+                            <p:childTnLst>
+                              <p:par>
+                                <p:cTn id="5" presetID="2" presetClass="entr" presetSubtype="4" fill="hold" grpId="0" nodeType="clickEffect">
+                                  <p:stCondLst>
+                                    <p:cond delay="0"/>
+                                  </p:stCondLst>
+                                  <p:childTnLst>
+                                    <p:set>
+                                      <p:cBhvr>
+                                        <p:cTn id="6" dur="1" fill="hold">
+                                          <p:stCondLst>
+                                            <p:cond delay="0"/>
+                                          </p:stCondLst>
+                                        </p:cTn>
+                                        <p:tgtEl>
+                                          <p:spTgt spid="3">
+                                            <p:txEl>
+                                              <p:pRg st="0" end="0"/>
+                                            </p:txEl>
+                                          </p:spTgt>
+                                        </p:tgtEl>
+                                        <p:attrNameLst>
+                                          <p:attrName>style.visibility</p:attrName>
+                                        </p:attrNameLst>
+                                      </p:cBhvr>
+                                      <p:to>
+                                        <p:strVal val="visible"/>
+                                      </p:to>
+                                    </p:set>
+                                    <p:anim calcmode="lin" valueType="num">
+                                      <p:cBhvr additive="base">
+                                        <p:cTn id="7" dur="500" fill="hold"/>
+                                        <p:tgtEl>
+                                          <p:spTgt spid="3">
+                                            <p:txEl>
+                                              <p:pRg st="0" end="0"/>
+                                            </p:txEl>
+                                          </p:spTgt>
+                                        </p:tgtEl>
+                                        <p:attrNameLst>
+                                          <p:attrName>ppt_x</p:attrName>
+                                        </p:attrNameLst>
+                                      </p:cBhvr>
+                                      <p:tavLst>
+                                        <p:tav tm="0">
+                                          <p:val>
+                                            <p:strVal val="#ppt_x"/>
+                                          </p:val>
+                                        </p:tav>
+                                        <p:tav tm="100000">
+                                          <p:val>
+                                            <p:strVal val="#ppt_x"/>
+                                          </p:val>
+                                        </p:tav>
+                                      </p:tavLst>
+                                    </p:anim>
+                                    <p:anim calcmode="lin" valueType="num">
+                                      <p:cBhvr additive="base">
+                                        <p:cTn id="8" dur="500" fill="hold"/>
+                                        <p:tgtEl>
+                                          <p:spTgt spid="3">
+                                            <p:txEl>
+                                              <p:pRg st="0" end="0"/>
+                                            </p:txEl>
+                                          </p:spTgt>
+                                        </p:tgtEl>
+                                        <p:attrNameLst>
+                                          <p:attrName>ppt_y</p:attrName>
+                                        </p:attrNameLst>
+                                      </p:cBhvr>
+                                      <p:tavLst>
+                                        <p:tav tm="0">
+                                          <p:val>
+                                            <p:strVal val="1+#ppt_h/2"/>
+                                          </p:val>
+                                        </p:tav>
+                                        <p:tav tm="100000">
+                                          <p:val>
+                                            <p:strVal val="#ppt_y"/>
+                                          </p:val>
+                                        </p:tav>
+                                      </p:tavLst>
+                                    </p:anim>
+                                  </p:childTnLst>
+                                </p:cTn>
+                              </p:par>
+                            </p:childTnLst>
+                          </p:cTn>
+                        </p:par>
+                        <p:par>
+                          <p:cTn id="9" fill="hold">
+                            <p:stCondLst>
+                              <p:cond delay="500"/>
+                            </p:stCondLst>
+                            <p:childTnLst>
+                              <p:par>
+                                <p:cTn id="10" presetID="2" presetClass="entr" presetSubtype="4" fill="hold" nodeType="afterEffect">
+                                  <p:stCondLst>
+                                    <p:cond delay="500"/>
+                                  </p:stCondLst>
+                                  <p:childTnLst>
+                                    <p:set>
+                                      <p:cBhvr>
+                                        <p:cTn id="11" dur="1" fill="hold">
+                                          <p:stCondLst>
+                                            <p:cond delay="0"/>
+                                          </p:stCondLst>
+                                        </p:cTn>
+                                        <p:tgtEl>
+                                          <p:spTgt spid="14"/>
+                                        </p:tgtEl>
+                                        <p:attrNameLst>
+                                          <p:attrName>style.visibility</p:attrName>
+                                        </p:attrNameLst>
+                                      </p:cBhvr>
+                                      <p:to>
+                                        <p:strVal val="visible"/>
+                                      </p:to>
+                                    </p:set>
+                                    <p:anim calcmode="lin" valueType="num">
+                                      <p:cBhvr additive="base">
+                                        <p:cTn id="12" dur="500" fill="hold"/>
+                                        <p:tgtEl>
+                                          <p:spTgt spid="14"/>
+                                        </p:tgtEl>
+                                        <p:attrNameLst>
+                                          <p:attrName>ppt_x</p:attrName>
+                                        </p:attrNameLst>
+                                      </p:cBhvr>
+                                      <p:tavLst>
+                                        <p:tav tm="0">
+                                          <p:val>
+                                            <p:strVal val="#ppt_x"/>
+                                          </p:val>
+                                        </p:tav>
+                                        <p:tav tm="100000">
+                                          <p:val>
+                                            <p:strVal val="#ppt_x"/>
+                                          </p:val>
+                                        </p:tav>
+                                      </p:tavLst>
+                                    </p:anim>
+                                    <p:anim calcmode="lin" valueType="num">
+                                      <p:cBhvr additive="base">
+                                        <p:cTn id="13" dur="500" fill="hold"/>
+                                        <p:tgtEl>
+                                          <p:spTgt spid="14"/>
+                                        </p:tgtEl>
+                                        <p:attrNameLst>
+                                          <p:attrName>ppt_y</p:attrName>
+                                        </p:attrNameLst>
+                                      </p:cBhvr>
+                                      <p:tavLst>
+                                        <p:tav tm="0">
+                                          <p:val>
+                                            <p:strVal val="1+#ppt_h/2"/>
+                                          </p:val>
+                                        </p:tav>
+                                        <p:tav tm="100000">
+                                          <p:val>
+                                            <p:strVal val="#ppt_y"/>
+                                          </p:val>
+                                        </p:tav>
+                                      </p:tavLst>
+                                    </p:anim>
+                                  </p:childTnLst>
+                                </p:cTn>
+                              </p:par>
+                            </p:childTnLst>
+                          </p:cTn>
+                        </p:par>
+                      </p:childTnLst>
+                    </p:cTn>
+                  </p:par>
+                </p:childTnLst>
+              </p:cTn>
+              <p:prevCondLst>
+                <p:cond evt="onPrev" delay="0">
+                  <p:tgtEl>
+                    <p:sldTgt/>
+                  </p:tgtEl>
+                </p:cond>
+              </p:prevCondLst>
+              <p:nextCondLst>
+                <p:cond evt="onNext" delay="0">
+                  <p:tgtEl>
+                    <p:sldTgt/>
+                  </p:tgtEl>
+                </p:cond>
+              </p:nextCondLst>
+            </p:seq>
+          </p:childTnLst>
+        </p:cTn>
+      </p:par>
+    </p:tnLst>
+    <p:bldLst>
+      <p:bldP spid="3" grpId="0" build="p"/>
+    </p:bldLst>
+  </p:timing>
 </p:sld>
 </file>
 
